--- a/20200228/예측.pptx
+++ b/20200228/예측.pptx
@@ -212,7 +212,7 @@
           <p:cNvPr id="143362" name="Rectangle 2">
             <a:extLst>
               <a:ext uri="{FF2B5EF4-FFF2-40B4-BE49-F238E27FC236}">
-                <a16:creationId xmlns:a16="http://schemas.microsoft.com/office/drawing/2014/main" xmlns="" id="{7DB234C6-97B6-0E40-9A9F-F7BDE583B708}"/>
+                <a16:creationId xmlns:a16="http://schemas.microsoft.com/office/drawing/2014/main" id="{7DB234C6-97B6-0E40-9A9F-F7BDE583B708}"/>
               </a:ext>
             </a:extLst>
           </p:cNvPr>
@@ -268,7 +268,7 @@
           <p:cNvPr id="143363" name="Rectangle 3">
             <a:extLst>
               <a:ext uri="{FF2B5EF4-FFF2-40B4-BE49-F238E27FC236}">
-                <a16:creationId xmlns:a16="http://schemas.microsoft.com/office/drawing/2014/main" xmlns="" id="{E7BF2E2D-1AC1-F74F-AA9F-211838B1A3EF}"/>
+                <a16:creationId xmlns:a16="http://schemas.microsoft.com/office/drawing/2014/main" id="{E7BF2E2D-1AC1-F74F-AA9F-211838B1A3EF}"/>
               </a:ext>
             </a:extLst>
           </p:cNvPr>
@@ -324,7 +324,7 @@
           <p:cNvPr id="143364" name="Rectangle 4">
             <a:extLst>
               <a:ext uri="{FF2B5EF4-FFF2-40B4-BE49-F238E27FC236}">
-                <a16:creationId xmlns:a16="http://schemas.microsoft.com/office/drawing/2014/main" xmlns="" id="{6951528D-0B28-3B46-81A4-FEA857963765}"/>
+                <a16:creationId xmlns:a16="http://schemas.microsoft.com/office/drawing/2014/main" id="{6951528D-0B28-3B46-81A4-FEA857963765}"/>
               </a:ext>
             </a:extLst>
           </p:cNvPr>
@@ -380,7 +380,7 @@
           <p:cNvPr id="143365" name="Rectangle 5">
             <a:extLst>
               <a:ext uri="{FF2B5EF4-FFF2-40B4-BE49-F238E27FC236}">
-                <a16:creationId xmlns:a16="http://schemas.microsoft.com/office/drawing/2014/main" xmlns="" id="{DB771FA0-2DD0-5948-A3A8-9AD84E90FB4B}"/>
+                <a16:creationId xmlns:a16="http://schemas.microsoft.com/office/drawing/2014/main" id="{DB771FA0-2DD0-5948-A3A8-9AD84E90FB4B}"/>
               </a:ext>
             </a:extLst>
           </p:cNvPr>
@@ -479,7 +479,7 @@
           <p:cNvPr id="2" name="머리글 개체 틀 1">
             <a:extLst>
               <a:ext uri="{FF2B5EF4-FFF2-40B4-BE49-F238E27FC236}">
-                <a16:creationId xmlns:a16="http://schemas.microsoft.com/office/drawing/2014/main" xmlns="" id="{58B6377E-D9EA-0C43-8ABD-8E11920C49D9}"/>
+                <a16:creationId xmlns:a16="http://schemas.microsoft.com/office/drawing/2014/main" id="{58B6377E-D9EA-0C43-8ABD-8E11920C49D9}"/>
               </a:ext>
             </a:extLst>
           </p:cNvPr>
@@ -523,7 +523,7 @@
           <p:cNvPr id="3" name="날짜 개체 틀 2">
             <a:extLst>
               <a:ext uri="{FF2B5EF4-FFF2-40B4-BE49-F238E27FC236}">
-                <a16:creationId xmlns:a16="http://schemas.microsoft.com/office/drawing/2014/main" xmlns="" id="{519DA735-01F8-B84B-A63C-CC954E31844C}"/>
+                <a16:creationId xmlns:a16="http://schemas.microsoft.com/office/drawing/2014/main" id="{519DA735-01F8-B84B-A63C-CC954E31844C}"/>
               </a:ext>
             </a:extLst>
           </p:cNvPr>
@@ -563,7 +563,7 @@
               <a:pPr>
                 <a:defRPr/>
               </a:pPr>
-              <a:t>2020-06-05</a:t>
+              <a:t>2021-06-05</a:t>
             </a:fld>
             <a:endParaRPr lang="ko-KR" altLang="en-US"/>
           </a:p>
@@ -574,7 +574,7 @@
           <p:cNvPr id="4" name="슬라이드 이미지 개체 틀 3">
             <a:extLst>
               <a:ext uri="{FF2B5EF4-FFF2-40B4-BE49-F238E27FC236}">
-                <a16:creationId xmlns:a16="http://schemas.microsoft.com/office/drawing/2014/main" xmlns="" id="{E796D9CD-78ED-8742-8F20-97E7FC78392B}"/>
+                <a16:creationId xmlns:a16="http://schemas.microsoft.com/office/drawing/2014/main" id="{E796D9CD-78ED-8742-8F20-97E7FC78392B}"/>
               </a:ext>
             </a:extLst>
           </p:cNvPr>
@@ -614,7 +614,7 @@
           <p:cNvPr id="5" name="슬라이드 노트 개체 틀 4">
             <a:extLst>
               <a:ext uri="{FF2B5EF4-FFF2-40B4-BE49-F238E27FC236}">
-                <a16:creationId xmlns:a16="http://schemas.microsoft.com/office/drawing/2014/main" xmlns="" id="{51D12D42-F9E6-4C43-AFF5-444A08AC6CC1}"/>
+                <a16:creationId xmlns:a16="http://schemas.microsoft.com/office/drawing/2014/main" id="{51D12D42-F9E6-4C43-AFF5-444A08AC6CC1}"/>
               </a:ext>
             </a:extLst>
           </p:cNvPr>
@@ -681,7 +681,7 @@
           <p:cNvPr id="6" name="바닥글 개체 틀 5">
             <a:extLst>
               <a:ext uri="{FF2B5EF4-FFF2-40B4-BE49-F238E27FC236}">
-                <a16:creationId xmlns:a16="http://schemas.microsoft.com/office/drawing/2014/main" xmlns="" id="{13636FD2-AFF0-164C-AE0E-ADB1379FE7CB}"/>
+                <a16:creationId xmlns:a16="http://schemas.microsoft.com/office/drawing/2014/main" id="{13636FD2-AFF0-164C-AE0E-ADB1379FE7CB}"/>
               </a:ext>
             </a:extLst>
           </p:cNvPr>
@@ -725,7 +725,7 @@
           <p:cNvPr id="7" name="슬라이드 번호 개체 틀 6">
             <a:extLst>
               <a:ext uri="{FF2B5EF4-FFF2-40B4-BE49-F238E27FC236}">
-                <a16:creationId xmlns:a16="http://schemas.microsoft.com/office/drawing/2014/main" xmlns="" id="{21A1A755-443F-BD4F-ACF7-231486D65F7E}"/>
+                <a16:creationId xmlns:a16="http://schemas.microsoft.com/office/drawing/2014/main" id="{21A1A755-443F-BD4F-ACF7-231486D65F7E}"/>
               </a:ext>
             </a:extLst>
           </p:cNvPr>
@@ -996,7 +996,7 @@
           </a:bodyPr>
           <a:lstStyle/>
           <a:p>
-            <a:endParaRPr kumimoji="1" lang="ko-KR" altLang="en-US" smtClean="0"/>
+            <a:endParaRPr kumimoji="1" lang="ko-KR" altLang="en-US"/>
           </a:p>
         </p:txBody>
       </p:sp>
@@ -1174,7 +1174,7 @@
               </a:pPr>
               <a:t>1</a:t>
             </a:fld>
-            <a:endParaRPr lang="en-US" altLang="ko-KR" smtClean="0">
+            <a:endParaRPr lang="en-US" altLang="ko-KR">
               <a:latin typeface="굴림" panose="020B0600000101010101" pitchFamily="50" charset="-127"/>
               <a:ea typeface="굴림" panose="020B0600000101010101" pitchFamily="50" charset="-127"/>
             </a:endParaRPr>
@@ -1283,7 +1283,7 @@
           </a:bodyPr>
           <a:lstStyle/>
           <a:p>
-            <a:endParaRPr kumimoji="1" lang="en-US" altLang="ko-KR" baseline="0" dirty="0" smtClean="0"/>
+            <a:endParaRPr kumimoji="1" lang="en-US" altLang="ko-KR" baseline="0" dirty="0"/>
           </a:p>
         </p:txBody>
       </p:sp>
@@ -1434,7 +1434,7 @@
               <a:pPr/>
               <a:t>4</a:t>
             </a:fld>
-            <a:endParaRPr lang="en-US" altLang="ko-KR" smtClean="0"/>
+            <a:endParaRPr lang="en-US" altLang="ko-KR"/>
           </a:p>
         </p:txBody>
       </p:sp>
@@ -1540,7 +1540,7 @@
           </a:bodyPr>
           <a:lstStyle/>
           <a:p>
-            <a:endParaRPr kumimoji="1" lang="en-US" altLang="ko-KR" baseline="0" dirty="0" smtClean="0"/>
+            <a:endParaRPr kumimoji="1" lang="en-US" altLang="ko-KR" baseline="0" dirty="0"/>
           </a:p>
         </p:txBody>
       </p:sp>
@@ -1691,7 +1691,7 @@
               <a:pPr/>
               <a:t>5</a:t>
             </a:fld>
-            <a:endParaRPr lang="en-US" altLang="ko-KR" smtClean="0"/>
+            <a:endParaRPr lang="en-US" altLang="ko-KR"/>
           </a:p>
         </p:txBody>
       </p:sp>
@@ -1797,7 +1797,7 @@
           </a:bodyPr>
           <a:lstStyle/>
           <a:p>
-            <a:endParaRPr kumimoji="1" lang="en-US" altLang="ko-KR" baseline="0" dirty="0" smtClean="0"/>
+            <a:endParaRPr kumimoji="1" lang="en-US" altLang="ko-KR" baseline="0" dirty="0"/>
           </a:p>
         </p:txBody>
       </p:sp>
@@ -1948,7 +1948,7 @@
               <a:pPr/>
               <a:t>6</a:t>
             </a:fld>
-            <a:endParaRPr lang="en-US" altLang="ko-KR" smtClean="0"/>
+            <a:endParaRPr lang="en-US" altLang="ko-KR"/>
           </a:p>
         </p:txBody>
       </p:sp>
@@ -2054,7 +2054,7 @@
           </a:bodyPr>
           <a:lstStyle/>
           <a:p>
-            <a:endParaRPr kumimoji="1" lang="en-US" altLang="ko-KR" baseline="0" dirty="0" smtClean="0"/>
+            <a:endParaRPr kumimoji="1" lang="en-US" altLang="ko-KR" baseline="0" dirty="0"/>
           </a:p>
         </p:txBody>
       </p:sp>
@@ -2205,7 +2205,7 @@
               <a:pPr/>
               <a:t>7</a:t>
             </a:fld>
-            <a:endParaRPr lang="en-US" altLang="ko-KR" smtClean="0"/>
+            <a:endParaRPr lang="en-US" altLang="ko-KR"/>
           </a:p>
         </p:txBody>
       </p:sp>
@@ -2311,7 +2311,7 @@
           </a:bodyPr>
           <a:lstStyle/>
           <a:p>
-            <a:endParaRPr kumimoji="1" lang="en-US" altLang="ko-KR" baseline="0" dirty="0" smtClean="0"/>
+            <a:endParaRPr kumimoji="1" lang="en-US" altLang="ko-KR" baseline="0" dirty="0"/>
           </a:p>
         </p:txBody>
       </p:sp>
@@ -2462,7 +2462,7 @@
               <a:pPr/>
               <a:t>8</a:t>
             </a:fld>
-            <a:endParaRPr lang="en-US" altLang="ko-KR" smtClean="0"/>
+            <a:endParaRPr lang="en-US" altLang="ko-KR"/>
           </a:p>
         </p:txBody>
       </p:sp>
@@ -2568,7 +2568,7 @@
           </a:bodyPr>
           <a:lstStyle/>
           <a:p>
-            <a:endParaRPr kumimoji="1" lang="en-US" altLang="ko-KR" baseline="0" dirty="0" smtClean="0"/>
+            <a:endParaRPr kumimoji="1" lang="en-US" altLang="ko-KR" baseline="0" dirty="0"/>
           </a:p>
         </p:txBody>
       </p:sp>
@@ -2719,7 +2719,7 @@
               <a:pPr/>
               <a:t>9</a:t>
             </a:fld>
-            <a:endParaRPr lang="en-US" altLang="ko-KR" smtClean="0"/>
+            <a:endParaRPr lang="en-US" altLang="ko-KR"/>
           </a:p>
         </p:txBody>
       </p:sp>
@@ -3045,13 +3045,6 @@
     <p:sldLayoutId id="2147483891" r:id="rId4"/>
     <p:sldLayoutId id="2147483892" r:id="rId5"/>
   </p:sldLayoutIdLst>
-  <p:timing>
-    <p:tnLst>
-      <p:par>
-        <p:cTn id="1" dur="indefinite" restart="never" nodeType="tmRoot"/>
-      </p:par>
-    </p:tnLst>
-  </p:timing>
   <p:hf hdr="0" ftr="0" dt="0"/>
   <p:txStyles>
     <p:titleStyle>
@@ -3474,7 +3467,7 @@
           <p:cNvPr id="17" name="Text Box 58">
             <a:extLst>
               <a:ext uri="{FF2B5EF4-FFF2-40B4-BE49-F238E27FC236}">
-                <a16:creationId xmlns:a16="http://schemas.microsoft.com/office/drawing/2014/main" xmlns="" id="{0963EC9C-2568-B049-A73D-74FA92CFAF06}"/>
+                <a16:creationId xmlns:a16="http://schemas.microsoft.com/office/drawing/2014/main" id="{0963EC9C-2568-B049-A73D-74FA92CFAF06}"/>
               </a:ext>
             </a:extLst>
           </p:cNvPr>
@@ -3646,7 +3639,7 @@
               <a:defRPr/>
             </a:pPr>
             <a:r>
-              <a:rPr lang="en-US" altLang="ko-KR" sz="1600" b="1" smtClean="0">
+              <a:rPr lang="en-US" altLang="ko-KR" sz="1600" b="1">
                 <a:solidFill>
                   <a:schemeClr val="tx1">
                     <a:lumMod val="50000"/>
@@ -3673,66 +3666,12 @@
           </a:p>
         </p:txBody>
       </p:sp>
-      <p:pic>
-        <p:nvPicPr>
-          <p:cNvPr id="6147" name="그림 1"/>
-          <p:cNvPicPr>
-            <a:picLocks noChangeAspect="1"/>
-          </p:cNvPicPr>
-          <p:nvPr/>
-        </p:nvPicPr>
-        <p:blipFill>
-          <a:blip r:embed="rId4" cstate="print">
-            <a:extLst>
-              <a:ext uri="{28A0092B-C50C-407E-A947-70E740481C1C}">
-                <a14:useLocalDpi xmlns:a14="http://schemas.microsoft.com/office/drawing/2010/main" val="0"/>
-              </a:ext>
-            </a:extLst>
-          </a:blip>
-          <a:srcRect/>
-          <a:stretch>
-            <a:fillRect/>
-          </a:stretch>
-        </p:blipFill>
-        <p:spPr bwMode="auto">
-          <a:xfrm>
-            <a:off x="179388" y="6416675"/>
-            <a:ext cx="1223962" cy="298450"/>
-          </a:xfrm>
-          <a:prstGeom prst="rect">
-            <a:avLst/>
-          </a:prstGeom>
-          <a:noFill/>
-          <a:ln>
-            <a:noFill/>
-          </a:ln>
-          <a:extLst>
-            <a:ext uri="{909E8E84-426E-40DD-AFC4-6F175D3DCCD1}">
-              <a14:hiddenFill xmlns:a14="http://schemas.microsoft.com/office/drawing/2010/main">
-                <a:solidFill>
-                  <a:srgbClr val="FFFFFF"/>
-                </a:solidFill>
-              </a14:hiddenFill>
-            </a:ext>
-            <a:ext uri="{91240B29-F687-4F45-9708-019B960494DF}">
-              <a14:hiddenLine xmlns:a14="http://schemas.microsoft.com/office/drawing/2010/main" w="9525">
-                <a:solidFill>
-                  <a:srgbClr val="000000"/>
-                </a:solidFill>
-                <a:miter lim="800000"/>
-                <a:headEnd/>
-                <a:tailEnd/>
-              </a14:hiddenLine>
-            </a:ext>
-          </a:extLst>
-        </p:spPr>
-      </p:pic>
       <p:sp>
         <p:nvSpPr>
           <p:cNvPr id="9" name="Text Box 58">
             <a:extLst>
               <a:ext uri="{FF2B5EF4-FFF2-40B4-BE49-F238E27FC236}">
-                <a16:creationId xmlns:a16="http://schemas.microsoft.com/office/drawing/2014/main" xmlns="" id="{34FAEFD2-4303-844B-B2E2-B0A0E43B2034}"/>
+                <a16:creationId xmlns:a16="http://schemas.microsoft.com/office/drawing/2014/main" id="{34FAEFD2-4303-844B-B2E2-B0A0E43B2034}"/>
               </a:ext>
             </a:extLst>
           </p:cNvPr>
@@ -3904,7 +3843,7 @@
               <a:defRPr/>
             </a:pPr>
             <a:r>
-              <a:rPr lang="ko-KR" altLang="en-US" sz="4000" dirty="0" smtClean="0">
+              <a:rPr lang="ko-KR" altLang="en-US" sz="4000" dirty="0">
                 <a:latin typeface="NanumSquareOTF" panose="020B0600000101010101" pitchFamily="34" charset="-127"/>
                 <a:ea typeface="NanumSquareOTF" panose="020B0600000101010101" pitchFamily="34" charset="-127"/>
                 <a:cs typeface="Nanum Gothic" charset="-127"/>
@@ -3912,7 +3851,7 @@
               <a:t>데이터 전처리</a:t>
             </a:r>
             <a:r>
-              <a:rPr lang="en-US" altLang="ko-KR" sz="4000" dirty="0" smtClean="0">
+              <a:rPr lang="en-US" altLang="ko-KR" sz="4000" dirty="0">
                 <a:latin typeface="NanumSquareOTF" panose="020B0600000101010101" pitchFamily="34" charset="-127"/>
                 <a:ea typeface="NanumSquareOTF" panose="020B0600000101010101" pitchFamily="34" charset="-127"/>
                 <a:cs typeface="Nanum Gothic" charset="-127"/>
@@ -3920,7 +3859,7 @@
               <a:t>(</a:t>
             </a:r>
             <a:r>
-              <a:rPr lang="ko-KR" altLang="en-US" sz="4000" dirty="0" smtClean="0">
+              <a:rPr lang="ko-KR" altLang="en-US" sz="4000" dirty="0">
                 <a:latin typeface="NanumSquareOTF" panose="020B0600000101010101" pitchFamily="34" charset="-127"/>
                 <a:ea typeface="NanumSquareOTF" panose="020B0600000101010101" pitchFamily="34" charset="-127"/>
                 <a:cs typeface="Nanum Gothic" charset="-127"/>
@@ -3928,18 +3867,13 @@
               <a:t>예측</a:t>
             </a:r>
             <a:r>
-              <a:rPr lang="en-US" altLang="ko-KR" sz="4000" dirty="0" smtClean="0">
+              <a:rPr lang="en-US" altLang="ko-KR" sz="4000" dirty="0">
                 <a:latin typeface="NanumSquareOTF" panose="020B0600000101010101" pitchFamily="34" charset="-127"/>
                 <a:ea typeface="NanumSquareOTF" panose="020B0600000101010101" pitchFamily="34" charset="-127"/>
                 <a:cs typeface="Nanum Gothic" charset="-127"/>
               </a:rPr>
               <a:t>)</a:t>
             </a:r>
-            <a:endParaRPr lang="en-US" altLang="ko-KR" sz="4000" dirty="0">
-              <a:latin typeface="NanumSquareOTF" panose="020B0600000101010101" pitchFamily="34" charset="-127"/>
-              <a:ea typeface="NanumSquareOTF" panose="020B0600000101010101" pitchFamily="34" charset="-127"/>
-              <a:cs typeface="Nanum Gothic" charset="-127"/>
-            </a:endParaRPr>
           </a:p>
         </p:txBody>
       </p:sp>
@@ -3999,13 +3933,6 @@
   <p:clrMapOvr>
     <a:masterClrMapping/>
   </p:clrMapOvr>
-  <p:timing>
-    <p:tnLst>
-      <p:par>
-        <p:cTn id="1" dur="indefinite" restart="never" nodeType="tmRoot"/>
-      </p:par>
-    </p:tnLst>
-  </p:timing>
 </p:sld>
 </file>
 
@@ -4206,13 +4133,6 @@
   <p:clrMapOvr>
     <a:masterClrMapping/>
   </p:clrMapOvr>
-  <p:timing>
-    <p:tnLst>
-      <p:par>
-        <p:cTn id="1" dur="indefinite" restart="never" nodeType="tmRoot"/>
-      </p:par>
-    </p:tnLst>
-  </p:timing>
 </p:sld>
 </file>
 
@@ -4409,7 +4329,7 @@
           <p:cNvPr id="9" name="텍스트 상자 1">
             <a:extLst>
               <a:ext uri="{FF2B5EF4-FFF2-40B4-BE49-F238E27FC236}">
-                <a16:creationId xmlns:a16="http://schemas.microsoft.com/office/drawing/2014/main" xmlns="" id="{3DBE8121-48B8-C34E-90BF-426B3648BA4E}"/>
+                <a16:creationId xmlns:a16="http://schemas.microsoft.com/office/drawing/2014/main" id="{3DBE8121-48B8-C34E-90BF-426B3648BA4E}"/>
               </a:ext>
             </a:extLst>
           </p:cNvPr>
@@ -4446,7 +4366,7 @@
               <a:defRPr/>
             </a:pPr>
             <a:r>
-              <a:rPr lang="ko-KR" altLang="en-US" sz="2100" b="1" spc="-150" dirty="0" smtClean="0">
+              <a:rPr lang="ko-KR" altLang="en-US" sz="2100" b="1" spc="-150" dirty="0">
                 <a:latin typeface="나눔고딕" panose="020D0604000000000000" pitchFamily="50" charset="-127"/>
                 <a:ea typeface="나눔고딕" panose="020D0604000000000000" pitchFamily="50" charset="-127"/>
                 <a:cs typeface="Nanum Gothic" charset="-127"/>
@@ -4454,7 +4374,7 @@
               <a:t>데이터 전처리</a:t>
             </a:r>
             <a:r>
-              <a:rPr lang="en-US" altLang="ko-KR" sz="2100" b="1" spc="-150" dirty="0" smtClean="0">
+              <a:rPr lang="en-US" altLang="ko-KR" sz="2100" b="1" spc="-150" dirty="0">
                 <a:latin typeface="나눔고딕" panose="020D0604000000000000" pitchFamily="50" charset="-127"/>
                 <a:ea typeface="나눔고딕" panose="020D0604000000000000" pitchFamily="50" charset="-127"/>
                 <a:cs typeface="Nanum Gothic" charset="-127"/>
@@ -4462,7 +4382,7 @@
               <a:t>(</a:t>
             </a:r>
             <a:r>
-              <a:rPr lang="ko-KR" altLang="en-US" sz="2100" b="1" spc="-150" dirty="0" smtClean="0">
+              <a:rPr lang="ko-KR" altLang="en-US" sz="2100" b="1" spc="-150" dirty="0">
                 <a:latin typeface="나눔고딕" panose="020D0604000000000000" pitchFamily="50" charset="-127"/>
                 <a:ea typeface="나눔고딕" panose="020D0604000000000000" pitchFamily="50" charset="-127"/>
                 <a:cs typeface="Nanum Gothic" charset="-127"/>
@@ -4470,7 +4390,7 @@
               <a:t>예측</a:t>
             </a:r>
             <a:r>
-              <a:rPr lang="en-US" altLang="ko-KR" sz="2100" b="1" spc="-150" dirty="0" smtClean="0">
+              <a:rPr lang="en-US" altLang="ko-KR" sz="2100" b="1" spc="-150" dirty="0">
                 <a:latin typeface="나눔고딕" panose="020D0604000000000000" pitchFamily="50" charset="-127"/>
                 <a:ea typeface="나눔고딕" panose="020D0604000000000000" pitchFamily="50" charset="-127"/>
                 <a:cs typeface="Nanum Gothic" charset="-127"/>
@@ -4490,13 +4410,6 @@
   <p:clrMapOvr>
     <a:masterClrMapping/>
   </p:clrMapOvr>
-  <p:timing>
-    <p:tnLst>
-      <p:par>
-        <p:cTn id="1" dur="indefinite" restart="never" nodeType="tmRoot"/>
-      </p:par>
-    </p:tnLst>
-  </p:timing>
 </p:sld>
 </file>
 
@@ -4699,7 +4612,7 @@
               <a:defRPr/>
             </a:pPr>
             <a:r>
-              <a:rPr lang="ko-KR" altLang="en-US" sz="3800" kern="0" dirty="0" smtClean="0">
+              <a:rPr lang="ko-KR" altLang="en-US" sz="3800" kern="0" dirty="0">
                 <a:solidFill>
                   <a:schemeClr val="tx1"/>
                 </a:solidFill>
@@ -4710,7 +4623,7 @@
               <a:t>데이터 전처리</a:t>
             </a:r>
             <a:r>
-              <a:rPr lang="en-US" altLang="ko-KR" sz="3800" kern="0" dirty="0" smtClean="0">
+              <a:rPr lang="en-US" altLang="ko-KR" sz="3800" kern="0" dirty="0">
                 <a:solidFill>
                   <a:schemeClr val="tx1"/>
                 </a:solidFill>
@@ -4721,7 +4634,7 @@
               <a:t>(</a:t>
             </a:r>
             <a:r>
-              <a:rPr lang="ko-KR" altLang="en-US" sz="3800" kern="0" dirty="0" smtClean="0">
+              <a:rPr lang="ko-KR" altLang="en-US" sz="3800" kern="0" dirty="0">
                 <a:solidFill>
                   <a:schemeClr val="tx1"/>
                 </a:solidFill>
@@ -4732,7 +4645,7 @@
               <a:t>예측</a:t>
             </a:r>
             <a:r>
-              <a:rPr lang="en-US" altLang="ko-KR" sz="3800" kern="0" dirty="0" smtClean="0">
+              <a:rPr lang="en-US" altLang="ko-KR" sz="3800" kern="0" dirty="0">
                 <a:solidFill>
                   <a:schemeClr val="tx1"/>
                 </a:solidFill>
@@ -4742,7 +4655,7 @@
               </a:rPr>
               <a:t>)</a:t>
             </a:r>
-            <a:endParaRPr lang="ko-KR" altLang="en-US" sz="3800" kern="0" dirty="0" smtClean="0">
+            <a:endParaRPr lang="ko-KR" altLang="en-US" sz="3800" kern="0" dirty="0">
               <a:solidFill>
                 <a:schemeClr val="tx1"/>
               </a:solidFill>
@@ -4946,7 +4859,7 @@
               <a:defRPr/>
             </a:pPr>
             <a:r>
-              <a:rPr lang="en-US" altLang="ko-KR" sz="3800" kern="0" dirty="0" smtClean="0">
+              <a:rPr lang="en-US" altLang="ko-KR" sz="3800" kern="0" dirty="0">
                 <a:solidFill>
                   <a:srgbClr val="0070C0"/>
                 </a:solidFill>
@@ -4956,7 +4869,7 @@
               </a:rPr>
               <a:t>01.</a:t>
             </a:r>
-            <a:endParaRPr lang="ko-KR" altLang="en-US" sz="3800" kern="0" dirty="0" smtClean="0">
+            <a:endParaRPr lang="ko-KR" altLang="en-US" sz="3800" kern="0" dirty="0">
               <a:solidFill>
                 <a:srgbClr val="0070C0"/>
               </a:solidFill>
@@ -4972,13 +4885,6 @@
   <p:clrMapOvr>
     <a:masterClrMapping/>
   </p:clrMapOvr>
-  <p:timing>
-    <p:tnLst>
-      <p:par>
-        <p:cTn id="1" dur="indefinite" restart="never" nodeType="tmRoot"/>
-      </p:par>
-    </p:tnLst>
-  </p:timing>
 </p:sld>
 </file>
 
@@ -5289,7 +5195,7 @@
               <a:defRPr/>
             </a:pPr>
             <a:r>
-              <a:rPr lang="ko-KR" altLang="en-US" sz="2000" b="1" dirty="0" smtClean="0">
+              <a:rPr lang="ko-KR" altLang="en-US" sz="2000" b="1" dirty="0">
                 <a:gradFill>
                   <a:gsLst>
                     <a:gs pos="0">
@@ -5516,41 +5422,41 @@
               <a:buNone/>
             </a:pPr>
             <a:r>
-              <a:rPr lang="en-US" altLang="ko-KR" sz="2800" kern="0" dirty="0" smtClean="0">
+              <a:rPr lang="en-US" altLang="ko-KR" sz="2800" kern="0" dirty="0">
                 <a:latin typeface="나눔고딕 ExtraBold" panose="020D0904000000000000" pitchFamily="50" charset="-127"/>
                 <a:ea typeface="나눔고딕 ExtraBold" panose="020D0904000000000000" pitchFamily="50" charset="-127"/>
               </a:rPr>
               <a:t>1. </a:t>
             </a:r>
             <a:r>
-              <a:rPr lang="ko-KR" altLang="en-US" sz="2800" kern="0" dirty="0" smtClean="0">
+              <a:rPr lang="ko-KR" altLang="en-US" sz="2800" kern="0" dirty="0">
                 <a:latin typeface="나눔고딕 ExtraBold" panose="020D0904000000000000" pitchFamily="50" charset="-127"/>
                 <a:ea typeface="나눔고딕 ExtraBold" panose="020D0904000000000000" pitchFamily="50" charset="-127"/>
               </a:rPr>
               <a:t>데이터 전처리</a:t>
             </a:r>
             <a:r>
-              <a:rPr lang="en-US" altLang="ko-KR" sz="2800" kern="0" dirty="0" smtClean="0">
+              <a:rPr lang="en-US" altLang="ko-KR" sz="2800" kern="0" dirty="0">
                 <a:latin typeface="나눔고딕 ExtraBold" panose="020D0904000000000000" pitchFamily="50" charset="-127"/>
                 <a:ea typeface="나눔고딕 ExtraBold" panose="020D0904000000000000" pitchFamily="50" charset="-127"/>
               </a:rPr>
               <a:t>(</a:t>
             </a:r>
             <a:r>
-              <a:rPr lang="ko-KR" altLang="en-US" sz="2800" kern="0" dirty="0" smtClean="0">
+              <a:rPr lang="ko-KR" altLang="en-US" sz="2800" kern="0" dirty="0">
                 <a:latin typeface="나눔고딕 ExtraBold" panose="020D0904000000000000" pitchFamily="50" charset="-127"/>
                 <a:ea typeface="나눔고딕 ExtraBold" panose="020D0904000000000000" pitchFamily="50" charset="-127"/>
               </a:rPr>
               <a:t>예측</a:t>
             </a:r>
             <a:r>
-              <a:rPr lang="en-US" altLang="ko-KR" sz="2800" kern="0" dirty="0" smtClean="0">
+              <a:rPr lang="en-US" altLang="ko-KR" sz="2800" kern="0" dirty="0">
                 <a:latin typeface="나눔고딕 ExtraBold" panose="020D0904000000000000" pitchFamily="50" charset="-127"/>
                 <a:ea typeface="나눔고딕 ExtraBold" panose="020D0904000000000000" pitchFamily="50" charset="-127"/>
               </a:rPr>
               <a:t>) </a:t>
             </a:r>
-            <a:endParaRPr lang="ko-KR" altLang="en-US" sz="2800" kern="0" dirty="0" smtClean="0">
+            <a:endParaRPr lang="ko-KR" altLang="en-US" sz="2800" kern="0" dirty="0">
               <a:latin typeface="나눔고딕 ExtraBold" panose="020D0904000000000000" pitchFamily="50" charset="-127"/>
               <a:ea typeface="나눔고딕 ExtraBold" panose="020D0904000000000000" pitchFamily="50" charset="-127"/>
             </a:endParaRPr>
@@ -5871,7 +5777,7 @@
               <a:defRPr/>
             </a:pPr>
             <a:r>
-              <a:rPr lang="ko-KR" altLang="en-US" sz="1400" b="1" dirty="0" smtClean="0">
+              <a:rPr lang="ko-KR" altLang="en-US" sz="1400" b="1" dirty="0">
                 <a:gradFill>
                   <a:gsLst>
                     <a:gs pos="0">
@@ -5889,7 +5795,7 @@
               <a:t>목표</a:t>
             </a:r>
             <a:r>
-              <a:rPr lang="en-US" altLang="ko-KR" sz="1400" b="1" dirty="0" smtClean="0">
+              <a:rPr lang="en-US" altLang="ko-KR" sz="1400" b="1" dirty="0">
                 <a:gradFill>
                   <a:gsLst>
                     <a:gs pos="0">
@@ -5907,7 +5813,7 @@
               <a:t>: </a:t>
             </a:r>
             <a:r>
-              <a:rPr lang="ko-KR" altLang="en-US" sz="1400" b="1" dirty="0" smtClean="0">
+              <a:rPr lang="ko-KR" altLang="en-US" sz="1400" b="1" dirty="0">
                 <a:gradFill>
                   <a:gsLst>
                     <a:gs pos="0">
@@ -5924,7 +5830,7 @@
               </a:rPr>
               <a:t>다음날 전력량 예측하기</a:t>
             </a:r>
-            <a:endParaRPr lang="en-US" altLang="ko-KR" sz="1400" b="1" dirty="0" smtClean="0">
+            <a:endParaRPr lang="en-US" altLang="ko-KR" sz="1400" b="1" dirty="0">
               <a:gradFill>
                 <a:gsLst>
                   <a:gs pos="0">
@@ -5948,7 +5854,7 @@
               <a:defRPr/>
             </a:pPr>
             <a:r>
-              <a:rPr lang="ko-KR" altLang="en-US" sz="1400" b="1" dirty="0" smtClean="0">
+              <a:rPr lang="ko-KR" altLang="en-US" sz="1400" b="1" dirty="0">
                 <a:gradFill>
                   <a:gsLst>
                     <a:gs pos="0">
@@ -5966,7 +5872,7 @@
               <a:t>데이터</a:t>
             </a:r>
             <a:r>
-              <a:rPr lang="en-US" altLang="ko-KR" sz="1400" b="1" dirty="0" smtClean="0">
+              <a:rPr lang="en-US" altLang="ko-KR" sz="1400" b="1" dirty="0">
                 <a:gradFill>
                   <a:gsLst>
                     <a:gs pos="0">
@@ -6007,28 +5913,10 @@
                 <a:latin typeface="나눔고딕" panose="020D0604000000000000" pitchFamily="50" charset="-127"/>
                 <a:ea typeface="나눔고딕 ExtraBold"/>
               </a:rPr>
-              <a:t> </a:t>
+              <a:t>             5</a:t>
             </a:r>
             <a:r>
-              <a:rPr lang="en-US" altLang="ko-KR" sz="1400" b="1" dirty="0" smtClean="0">
-                <a:gradFill>
-                  <a:gsLst>
-                    <a:gs pos="0">
-                      <a:srgbClr val="404040"/>
-                    </a:gs>
-                    <a:gs pos="100000">
-                      <a:srgbClr val="404040"/>
-                    </a:gs>
-                  </a:gsLst>
-                  <a:lin ang="5400000" scaled="0"/>
-                </a:gradFill>
-                <a:latin typeface="나눔고딕" panose="020D0604000000000000" pitchFamily="50" charset="-127"/>
-                <a:ea typeface="나눔고딕 ExtraBold"/>
-              </a:rPr>
-              <a:t>            5</a:t>
-            </a:r>
-            <a:r>
-              <a:rPr lang="ko-KR" altLang="en-US" sz="1400" b="1" dirty="0" smtClean="0">
+              <a:rPr lang="ko-KR" altLang="en-US" sz="1400" b="1" dirty="0">
                 <a:gradFill>
                   <a:gsLst>
                     <a:gs pos="0">
@@ -6046,7 +5934,7 @@
               <a:t>년간</a:t>
             </a:r>
             <a:r>
-              <a:rPr lang="en-US" altLang="ko-KR" sz="1400" b="1" dirty="0" smtClean="0">
+              <a:rPr lang="en-US" altLang="ko-KR" sz="1400" b="1" dirty="0">
                 <a:gradFill>
                   <a:gsLst>
                     <a:gs pos="0">
@@ -6064,7 +5952,7 @@
               <a:t>(2014-2015) 1</a:t>
             </a:r>
             <a:r>
-              <a:rPr lang="ko-KR" altLang="en-US" sz="1400" b="1" dirty="0" smtClean="0">
+              <a:rPr lang="ko-KR" altLang="en-US" sz="1400" b="1" dirty="0">
                 <a:gradFill>
                   <a:gsLst>
                     <a:gs pos="0">
@@ -6081,7 +5969,7 @@
               </a:rPr>
               <a:t>시간 단위로 날씨데이터와 전력량 데이터</a:t>
             </a:r>
-            <a:endParaRPr lang="en-US" altLang="ko-KR" sz="1400" b="1" dirty="0" smtClean="0">
+            <a:endParaRPr lang="en-US" altLang="ko-KR" sz="1400" b="1" dirty="0">
               <a:gradFill>
                 <a:gsLst>
                   <a:gs pos="0">
@@ -6105,7 +5993,7 @@
               <a:defRPr/>
             </a:pPr>
             <a:r>
-              <a:rPr lang="en-US" sz="1400" b="1" dirty="0" smtClean="0">
+              <a:rPr lang="en-US" sz="1400" b="1" dirty="0">
                 <a:gradFill>
                   <a:gsLst>
                     <a:gs pos="0">
@@ -6168,7 +6056,7 @@
               <a:defRPr/>
             </a:pPr>
             <a:r>
-              <a:rPr lang="en-US" altLang="ko-KR" sz="1400" b="1" dirty="0" smtClean="0">
+              <a:rPr lang="en-US" altLang="ko-KR" sz="1400" b="1" dirty="0">
                 <a:gradFill>
                   <a:gsLst>
                     <a:gs pos="0">
@@ -6186,7 +6074,7 @@
               <a:t>1. </a:t>
             </a:r>
             <a:r>
-              <a:rPr lang="en-US" altLang="ko-KR" sz="1400" b="1" dirty="0" err="1" smtClean="0">
+              <a:rPr lang="en-US" altLang="ko-KR" sz="1400" b="1" dirty="0" err="1">
                 <a:gradFill>
                   <a:gsLst>
                     <a:gs pos="0">
@@ -6204,7 +6092,7 @@
               <a:t>avg_tem</a:t>
             </a:r>
             <a:r>
-              <a:rPr lang="en-US" altLang="ko-KR" sz="1400" b="1" dirty="0" smtClean="0">
+              <a:rPr lang="en-US" altLang="ko-KR" sz="1400" b="1" dirty="0">
                 <a:gradFill>
                   <a:gsLst>
                     <a:gs pos="0">
@@ -6219,25 +6107,7 @@
                 <a:latin typeface="나눔고딕" panose="020D0604000000000000" pitchFamily="50" charset="-127"/>
                 <a:ea typeface="나눔고딕 ExtraBold"/>
               </a:rPr>
-              <a:t> </a:t>
-            </a:r>
-            <a:r>
-              <a:rPr lang="en-US" altLang="ko-KR" sz="1400" b="1" dirty="0">
-                <a:gradFill>
-                  <a:gsLst>
-                    <a:gs pos="0">
-                      <a:srgbClr val="404040"/>
-                    </a:gs>
-                    <a:gs pos="100000">
-                      <a:srgbClr val="404040"/>
-                    </a:gs>
-                  </a:gsLst>
-                  <a:lin ang="5400000" scaled="0"/>
-                </a:gradFill>
-                <a:latin typeface="나눔고딕" panose="020D0604000000000000" pitchFamily="50" charset="-127"/>
-                <a:ea typeface="나눔고딕 ExtraBold"/>
-              </a:rPr>
-              <a:t>: </a:t>
+              <a:t> : </a:t>
             </a:r>
             <a:r>
               <a:rPr lang="ko-KR" altLang="en-US" sz="1400" b="1" dirty="0">
@@ -6284,7 +6154,7 @@
               <a:defRPr/>
             </a:pPr>
             <a:r>
-              <a:rPr lang="en-US" altLang="ko-KR" sz="1400" b="1" dirty="0" smtClean="0">
+              <a:rPr lang="en-US" altLang="ko-KR" sz="1400" b="1" dirty="0">
                 <a:gradFill>
                   <a:gsLst>
                     <a:gs pos="0">
@@ -6302,7 +6172,7 @@
               <a:t>2. </a:t>
             </a:r>
             <a:r>
-              <a:rPr lang="en-US" altLang="ko-KR" sz="1400" b="1" dirty="0" err="1" smtClean="0">
+              <a:rPr lang="en-US" altLang="ko-KR" sz="1400" b="1" dirty="0" err="1">
                 <a:gradFill>
                   <a:gsLst>
                     <a:gs pos="0">
@@ -6320,7 +6190,7 @@
               <a:t>low_tem</a:t>
             </a:r>
             <a:r>
-              <a:rPr lang="en-US" altLang="ko-KR" sz="1400" b="1" dirty="0" smtClean="0">
+              <a:rPr lang="en-US" altLang="ko-KR" sz="1400" b="1" dirty="0">
                 <a:gradFill>
                   <a:gsLst>
                     <a:gs pos="0">
@@ -6335,25 +6205,7 @@
                 <a:latin typeface="나눔고딕" panose="020D0604000000000000" pitchFamily="50" charset="-127"/>
                 <a:ea typeface="나눔고딕 ExtraBold"/>
               </a:rPr>
-              <a:t> </a:t>
-            </a:r>
-            <a:r>
-              <a:rPr lang="en-US" altLang="ko-KR" sz="1400" b="1" dirty="0">
-                <a:gradFill>
-                  <a:gsLst>
-                    <a:gs pos="0">
-                      <a:srgbClr val="404040"/>
-                    </a:gs>
-                    <a:gs pos="100000">
-                      <a:srgbClr val="404040"/>
-                    </a:gs>
-                  </a:gsLst>
-                  <a:lin ang="5400000" scaled="0"/>
-                </a:gradFill>
-                <a:latin typeface="나눔고딕" panose="020D0604000000000000" pitchFamily="50" charset="-127"/>
-                <a:ea typeface="나눔고딕 ExtraBold"/>
-              </a:rPr>
-              <a:t>: </a:t>
+              <a:t> : </a:t>
             </a:r>
             <a:r>
               <a:rPr lang="ko-KR" altLang="en-US" sz="1400" b="1" dirty="0">
@@ -6400,7 +6252,7 @@
               <a:defRPr/>
             </a:pPr>
             <a:r>
-              <a:rPr lang="en-US" altLang="ko-KR" sz="1400" b="1" dirty="0" smtClean="0">
+              <a:rPr lang="en-US" altLang="ko-KR" sz="1400" b="1" dirty="0">
                 <a:gradFill>
                   <a:gsLst>
                     <a:gs pos="0">
@@ -6418,7 +6270,7 @@
               <a:t>3. </a:t>
             </a:r>
             <a:r>
-              <a:rPr lang="en-US" altLang="ko-KR" sz="1400" b="1" dirty="0" err="1" smtClean="0">
+              <a:rPr lang="en-US" altLang="ko-KR" sz="1400" b="1" dirty="0" err="1">
                 <a:gradFill>
                   <a:gsLst>
                     <a:gs pos="0">
@@ -6436,7 +6288,7 @@
               <a:t>high_tem</a:t>
             </a:r>
             <a:r>
-              <a:rPr lang="en-US" altLang="ko-KR" sz="1400" b="1" dirty="0" smtClean="0">
+              <a:rPr lang="en-US" altLang="ko-KR" sz="1400" b="1" dirty="0">
                 <a:gradFill>
                   <a:gsLst>
                     <a:gs pos="0">
@@ -6451,25 +6303,7 @@
                 <a:latin typeface="나눔고딕" panose="020D0604000000000000" pitchFamily="50" charset="-127"/>
                 <a:ea typeface="나눔고딕 ExtraBold"/>
               </a:rPr>
-              <a:t> </a:t>
-            </a:r>
-            <a:r>
-              <a:rPr lang="en-US" altLang="ko-KR" sz="1400" b="1" dirty="0">
-                <a:gradFill>
-                  <a:gsLst>
-                    <a:gs pos="0">
-                      <a:srgbClr val="404040"/>
-                    </a:gs>
-                    <a:gs pos="100000">
-                      <a:srgbClr val="404040"/>
-                    </a:gs>
-                  </a:gsLst>
-                  <a:lin ang="5400000" scaled="0"/>
-                </a:gradFill>
-                <a:latin typeface="나눔고딕" panose="020D0604000000000000" pitchFamily="50" charset="-127"/>
-                <a:ea typeface="나눔고딕 ExtraBold"/>
-              </a:rPr>
-              <a:t>: </a:t>
+              <a:t> : </a:t>
             </a:r>
             <a:r>
               <a:rPr lang="ko-KR" altLang="en-US" sz="1400" b="1" dirty="0">
@@ -6516,7 +6350,7 @@
               <a:defRPr/>
             </a:pPr>
             <a:r>
-              <a:rPr lang="en-US" altLang="ko-KR" sz="1400" b="1" dirty="0" smtClean="0">
+              <a:rPr lang="en-US" altLang="ko-KR" sz="1400" b="1" dirty="0">
                 <a:gradFill>
                   <a:gsLst>
                     <a:gs pos="0">
@@ -6534,7 +6368,7 @@
               <a:t>4. </a:t>
             </a:r>
             <a:r>
-              <a:rPr lang="en-US" altLang="ko-KR" sz="1400" b="1" dirty="0" err="1" smtClean="0">
+              <a:rPr lang="en-US" altLang="ko-KR" sz="1400" b="1" dirty="0" err="1">
                 <a:gradFill>
                   <a:gsLst>
                     <a:gs pos="0">
@@ -6552,7 +6386,7 @@
               <a:t>dew_point</a:t>
             </a:r>
             <a:r>
-              <a:rPr lang="en-US" altLang="ko-KR" sz="1400" b="1" dirty="0" smtClean="0">
+              <a:rPr lang="en-US" altLang="ko-KR" sz="1400" b="1" dirty="0">
                 <a:gradFill>
                   <a:gsLst>
                     <a:gs pos="0">
@@ -6567,25 +6401,7 @@
                 <a:latin typeface="나눔고딕" panose="020D0604000000000000" pitchFamily="50" charset="-127"/>
                 <a:ea typeface="나눔고딕 ExtraBold"/>
               </a:rPr>
-              <a:t> </a:t>
-            </a:r>
-            <a:r>
-              <a:rPr lang="en-US" altLang="ko-KR" sz="1400" b="1" dirty="0">
-                <a:gradFill>
-                  <a:gsLst>
-                    <a:gs pos="0">
-                      <a:srgbClr val="404040"/>
-                    </a:gs>
-                    <a:gs pos="100000">
-                      <a:srgbClr val="404040"/>
-                    </a:gs>
-                  </a:gsLst>
-                  <a:lin ang="5400000" scaled="0"/>
-                </a:gradFill>
-                <a:latin typeface="나눔고딕" panose="020D0604000000000000" pitchFamily="50" charset="-127"/>
-                <a:ea typeface="나눔고딕 ExtraBold"/>
-              </a:rPr>
-              <a:t>: </a:t>
+              <a:t> : </a:t>
             </a:r>
             <a:r>
               <a:rPr lang="ko-KR" altLang="en-US" sz="1400" b="1" dirty="0">
@@ -6683,7 +6499,7 @@
               <a:defRPr/>
             </a:pPr>
             <a:r>
-              <a:rPr lang="en-US" altLang="ko-KR" sz="1400" b="1" dirty="0" smtClean="0">
+              <a:rPr lang="en-US" altLang="ko-KR" sz="1400" b="1" dirty="0">
                 <a:gradFill>
                   <a:gsLst>
                     <a:gs pos="0">
@@ -6698,25 +6514,7 @@
                 <a:latin typeface="나눔고딕" panose="020D0604000000000000" pitchFamily="50" charset="-127"/>
                 <a:ea typeface="나눔고딕 ExtraBold"/>
               </a:rPr>
-              <a:t>5. ground </a:t>
-            </a:r>
-            <a:r>
-              <a:rPr lang="en-US" altLang="ko-KR" sz="1400" b="1" dirty="0">
-                <a:gradFill>
-                  <a:gsLst>
-                    <a:gs pos="0">
-                      <a:srgbClr val="404040"/>
-                    </a:gs>
-                    <a:gs pos="100000">
-                      <a:srgbClr val="404040"/>
-                    </a:gs>
-                  </a:gsLst>
-                  <a:lin ang="5400000" scaled="0"/>
-                </a:gradFill>
-                <a:latin typeface="나눔고딕" panose="020D0604000000000000" pitchFamily="50" charset="-127"/>
-                <a:ea typeface="나눔고딕 ExtraBold"/>
-              </a:rPr>
-              <a:t>: </a:t>
+              <a:t>5. ground : </a:t>
             </a:r>
             <a:r>
               <a:rPr lang="ko-KR" altLang="en-US" sz="1400" b="1" dirty="0">
@@ -6850,7 +6648,7 @@
               <a:defRPr/>
             </a:pPr>
             <a:r>
-              <a:rPr lang="en-US" altLang="ko-KR" sz="1400" b="1" dirty="0" smtClean="0">
+              <a:rPr lang="en-US" altLang="ko-KR" sz="1400" b="1" dirty="0">
                 <a:gradFill>
                   <a:gsLst>
                     <a:gs pos="0">
@@ -6865,25 +6663,7 @@
                 <a:latin typeface="나눔고딕" panose="020D0604000000000000" pitchFamily="50" charset="-127"/>
                 <a:ea typeface="나눔고딕 ExtraBold"/>
               </a:rPr>
-              <a:t>6. sea </a:t>
-            </a:r>
-            <a:r>
-              <a:rPr lang="en-US" altLang="ko-KR" sz="1400" b="1" dirty="0">
-                <a:gradFill>
-                  <a:gsLst>
-                    <a:gs pos="0">
-                      <a:srgbClr val="404040"/>
-                    </a:gs>
-                    <a:gs pos="100000">
-                      <a:srgbClr val="404040"/>
-                    </a:gs>
-                  </a:gsLst>
-                  <a:lin ang="5400000" scaled="0"/>
-                </a:gradFill>
-                <a:latin typeface="나눔고딕" panose="020D0604000000000000" pitchFamily="50" charset="-127"/>
-                <a:ea typeface="나눔고딕 ExtraBold"/>
-              </a:rPr>
-              <a:t>: </a:t>
+              <a:t>6. sea : </a:t>
             </a:r>
             <a:r>
               <a:rPr lang="ko-KR" altLang="en-US" sz="1400" b="1" dirty="0">
@@ -7017,7 +6797,7 @@
               <a:defRPr/>
             </a:pPr>
             <a:r>
-              <a:rPr lang="en-US" altLang="ko-KR" sz="1400" b="1" dirty="0" smtClean="0">
+              <a:rPr lang="en-US" altLang="ko-KR" sz="1400" b="1" dirty="0">
                 <a:gradFill>
                   <a:gsLst>
                     <a:gs pos="0">
@@ -7032,25 +6812,7 @@
                 <a:latin typeface="나눔고딕" panose="020D0604000000000000" pitchFamily="50" charset="-127"/>
                 <a:ea typeface="나눔고딕 ExtraBold"/>
               </a:rPr>
-              <a:t>7. sunny </a:t>
-            </a:r>
-            <a:r>
-              <a:rPr lang="en-US" altLang="ko-KR" sz="1400" b="1" dirty="0">
-                <a:gradFill>
-                  <a:gsLst>
-                    <a:gs pos="0">
-                      <a:srgbClr val="404040"/>
-                    </a:gs>
-                    <a:gs pos="100000">
-                      <a:srgbClr val="404040"/>
-                    </a:gs>
-                  </a:gsLst>
-                  <a:lin ang="5400000" scaled="0"/>
-                </a:gradFill>
-                <a:latin typeface="나눔고딕" panose="020D0604000000000000" pitchFamily="50" charset="-127"/>
-                <a:ea typeface="나눔고딕 ExtraBold"/>
-              </a:rPr>
-              <a:t>: </a:t>
+              <a:t>7. sunny : </a:t>
             </a:r>
             <a:r>
               <a:rPr lang="ko-KR" altLang="en-US" sz="1400" b="1" dirty="0">
@@ -7097,7 +6859,7 @@
               <a:defRPr/>
             </a:pPr>
             <a:r>
-              <a:rPr lang="en-US" altLang="ko-KR" sz="1400" b="1" dirty="0" smtClean="0">
+              <a:rPr lang="en-US" altLang="ko-KR" sz="1400" b="1" dirty="0">
                 <a:gradFill>
                   <a:gsLst>
                     <a:gs pos="0">
@@ -7115,7 +6877,7 @@
               <a:t>8. </a:t>
             </a:r>
             <a:r>
-              <a:rPr lang="en-US" altLang="ko-KR" sz="1400" b="1" dirty="0" err="1" smtClean="0">
+              <a:rPr lang="en-US" altLang="ko-KR" sz="1400" b="1" dirty="0" err="1">
                 <a:gradFill>
                   <a:gsLst>
                     <a:gs pos="0">
@@ -7133,7 +6895,7 @@
               <a:t>ground_tem</a:t>
             </a:r>
             <a:r>
-              <a:rPr lang="en-US" altLang="ko-KR" sz="1400" b="1" dirty="0" smtClean="0">
+              <a:rPr lang="en-US" altLang="ko-KR" sz="1400" b="1" dirty="0">
                 <a:gradFill>
                   <a:gsLst>
                     <a:gs pos="0">
@@ -7148,25 +6910,7 @@
                 <a:latin typeface="나눔고딕" panose="020D0604000000000000" pitchFamily="50" charset="-127"/>
                 <a:ea typeface="나눔고딕 ExtraBold"/>
               </a:rPr>
-              <a:t> </a:t>
-            </a:r>
-            <a:r>
-              <a:rPr lang="en-US" altLang="ko-KR" sz="1400" b="1" dirty="0">
-                <a:gradFill>
-                  <a:gsLst>
-                    <a:gs pos="0">
-                      <a:srgbClr val="404040"/>
-                    </a:gs>
-                    <a:gs pos="100000">
-                      <a:srgbClr val="404040"/>
-                    </a:gs>
-                  </a:gsLst>
-                  <a:lin ang="5400000" scaled="0"/>
-                </a:gradFill>
-                <a:latin typeface="나눔고딕" panose="020D0604000000000000" pitchFamily="50" charset="-127"/>
-                <a:ea typeface="나눔고딕 ExtraBold"/>
-              </a:rPr>
-              <a:t>: </a:t>
+              <a:t> : </a:t>
             </a:r>
             <a:r>
               <a:rPr lang="ko-KR" altLang="en-US" sz="1400" b="1" dirty="0">
@@ -7264,7 +7008,7 @@
               <a:defRPr/>
             </a:pPr>
             <a:r>
-              <a:rPr lang="en-US" altLang="ko-KR" sz="1400" b="1" dirty="0" smtClean="0">
+              <a:rPr lang="en-US" altLang="ko-KR" sz="1400" b="1" dirty="0">
                 <a:gradFill>
                   <a:gsLst>
                     <a:gs pos="0">
@@ -7282,7 +7026,7 @@
               <a:t>9. </a:t>
             </a:r>
             <a:r>
-              <a:rPr lang="en-US" altLang="ko-KR" sz="1400" b="1" dirty="0" err="1" smtClean="0">
+              <a:rPr lang="en-US" altLang="ko-KR" sz="1400" b="1" dirty="0" err="1">
                 <a:gradFill>
                   <a:gsLst>
                     <a:gs pos="0">
@@ -7300,7 +7044,7 @@
               <a:t>elec</a:t>
             </a:r>
             <a:r>
-              <a:rPr lang="en-US" altLang="ko-KR" sz="1400" b="1" dirty="0" smtClean="0">
+              <a:rPr lang="en-US" altLang="ko-KR" sz="1400" b="1" dirty="0">
                 <a:gradFill>
                   <a:gsLst>
                     <a:gs pos="0">
@@ -7315,25 +7059,7 @@
                 <a:latin typeface="나눔고딕" panose="020D0604000000000000" pitchFamily="50" charset="-127"/>
                 <a:ea typeface="나눔고딕 ExtraBold"/>
               </a:rPr>
-              <a:t> </a:t>
-            </a:r>
-            <a:r>
-              <a:rPr lang="en-US" altLang="ko-KR" sz="1400" b="1" dirty="0">
-                <a:gradFill>
-                  <a:gsLst>
-                    <a:gs pos="0">
-                      <a:srgbClr val="404040"/>
-                    </a:gs>
-                    <a:gs pos="100000">
-                      <a:srgbClr val="404040"/>
-                    </a:gs>
-                  </a:gsLst>
-                  <a:lin ang="5400000" scaled="0"/>
-                </a:gradFill>
-                <a:latin typeface="나눔고딕" panose="020D0604000000000000" pitchFamily="50" charset="-127"/>
-                <a:ea typeface="나눔고딕 ExtraBold"/>
-              </a:rPr>
-              <a:t>: </a:t>
+              <a:t> : </a:t>
             </a:r>
             <a:r>
               <a:rPr lang="ko-KR" altLang="en-US" sz="1400" b="1" dirty="0">
@@ -7646,7 +7372,7 @@
               <a:defRPr/>
             </a:pPr>
             <a:r>
-              <a:rPr lang="en-US" altLang="ko-KR" sz="1400" b="1" dirty="0" smtClean="0">
+              <a:rPr lang="en-US" altLang="ko-KR" sz="1400" b="1" dirty="0">
                 <a:gradFill>
                   <a:gsLst>
                     <a:gs pos="0">
@@ -7664,7 +7390,7 @@
               <a:t>1. </a:t>
             </a:r>
             <a:r>
-              <a:rPr lang="ko-KR" altLang="en-US" sz="1400" b="1" dirty="0" smtClean="0">
+              <a:rPr lang="ko-KR" altLang="en-US" sz="1400" b="1" dirty="0">
                 <a:gradFill>
                   <a:gsLst>
                     <a:gs pos="0">
@@ -7709,13 +7435,6 @@
   <p:clrMapOvr>
     <a:masterClrMapping/>
   </p:clrMapOvr>
-  <p:timing>
-    <p:tnLst>
-      <p:par>
-        <p:cTn id="1" dur="indefinite" restart="never" nodeType="tmRoot"/>
-      </p:par>
-    </p:tnLst>
-  </p:timing>
 </p:sld>
 </file>
 
@@ -8026,7 +7745,7 @@
               <a:defRPr/>
             </a:pPr>
             <a:r>
-              <a:rPr lang="ko-KR" altLang="en-US" sz="2000" b="1" dirty="0" smtClean="0">
+              <a:rPr lang="ko-KR" altLang="en-US" sz="2000" b="1" dirty="0">
                 <a:gradFill>
                   <a:gsLst>
                     <a:gs pos="0">
@@ -8253,41 +7972,41 @@
               <a:buNone/>
             </a:pPr>
             <a:r>
-              <a:rPr lang="en-US" altLang="ko-KR" sz="2800" kern="0" dirty="0" smtClean="0">
+              <a:rPr lang="en-US" altLang="ko-KR" sz="2800" kern="0" dirty="0">
                 <a:latin typeface="나눔고딕 ExtraBold" panose="020D0904000000000000" pitchFamily="50" charset="-127"/>
                 <a:ea typeface="나눔고딕 ExtraBold" panose="020D0904000000000000" pitchFamily="50" charset="-127"/>
               </a:rPr>
               <a:t>1. </a:t>
             </a:r>
             <a:r>
-              <a:rPr lang="ko-KR" altLang="en-US" sz="2800" kern="0" dirty="0" smtClean="0">
+              <a:rPr lang="ko-KR" altLang="en-US" sz="2800" kern="0" dirty="0">
                 <a:latin typeface="나눔고딕 ExtraBold" panose="020D0904000000000000" pitchFamily="50" charset="-127"/>
                 <a:ea typeface="나눔고딕 ExtraBold" panose="020D0904000000000000" pitchFamily="50" charset="-127"/>
               </a:rPr>
               <a:t>데이터 전처리</a:t>
             </a:r>
             <a:r>
-              <a:rPr lang="en-US" altLang="ko-KR" sz="2800" kern="0" dirty="0" smtClean="0">
+              <a:rPr lang="en-US" altLang="ko-KR" sz="2800" kern="0" dirty="0">
                 <a:latin typeface="나눔고딕 ExtraBold" panose="020D0904000000000000" pitchFamily="50" charset="-127"/>
                 <a:ea typeface="나눔고딕 ExtraBold" panose="020D0904000000000000" pitchFamily="50" charset="-127"/>
               </a:rPr>
               <a:t>(</a:t>
             </a:r>
             <a:r>
-              <a:rPr lang="ko-KR" altLang="en-US" sz="2800" kern="0" dirty="0" smtClean="0">
+              <a:rPr lang="ko-KR" altLang="en-US" sz="2800" kern="0" dirty="0">
                 <a:latin typeface="나눔고딕 ExtraBold" panose="020D0904000000000000" pitchFamily="50" charset="-127"/>
                 <a:ea typeface="나눔고딕 ExtraBold" panose="020D0904000000000000" pitchFamily="50" charset="-127"/>
               </a:rPr>
               <a:t>예측</a:t>
             </a:r>
             <a:r>
-              <a:rPr lang="en-US" altLang="ko-KR" sz="2800" kern="0" dirty="0" smtClean="0">
+              <a:rPr lang="en-US" altLang="ko-KR" sz="2800" kern="0" dirty="0">
                 <a:latin typeface="나눔고딕 ExtraBold" panose="020D0904000000000000" pitchFamily="50" charset="-127"/>
                 <a:ea typeface="나눔고딕 ExtraBold" panose="020D0904000000000000" pitchFamily="50" charset="-127"/>
               </a:rPr>
               <a:t>) </a:t>
             </a:r>
-            <a:endParaRPr lang="ko-KR" altLang="en-US" sz="2800" kern="0" dirty="0" smtClean="0">
+            <a:endParaRPr lang="ko-KR" altLang="en-US" sz="2800" kern="0" dirty="0">
               <a:latin typeface="나눔고딕 ExtraBold" panose="020D0904000000000000" pitchFamily="50" charset="-127"/>
               <a:ea typeface="나눔고딕 ExtraBold" panose="020D0904000000000000" pitchFamily="50" charset="-127"/>
             </a:endParaRPr>
@@ -8608,7 +8327,7 @@
               <a:defRPr/>
             </a:pPr>
             <a:r>
-              <a:rPr lang="en-US" altLang="ko-KR" sz="1400" b="1" dirty="0" smtClean="0">
+              <a:rPr lang="en-US" altLang="ko-KR" sz="1400" b="1" dirty="0">
                 <a:gradFill>
                   <a:gsLst>
                     <a:gs pos="0">
@@ -8626,7 +8345,7 @@
               <a:t>2. Input data, output data </a:t>
             </a:r>
             <a:r>
-              <a:rPr lang="ko-KR" altLang="en-US" sz="1400" b="1" dirty="0" smtClean="0">
+              <a:rPr lang="ko-KR" altLang="en-US" sz="1400" b="1" dirty="0">
                 <a:gradFill>
                   <a:gsLst>
                     <a:gs pos="0">
@@ -8643,7 +8362,7 @@
               </a:rPr>
               <a:t>설정</a:t>
             </a:r>
-            <a:endParaRPr lang="en-US" altLang="ko-KR" sz="1400" b="1" dirty="0" smtClean="0">
+            <a:endParaRPr lang="en-US" altLang="ko-KR" sz="1400" b="1" dirty="0">
               <a:gradFill>
                 <a:gsLst>
                   <a:gs pos="0">
@@ -8682,28 +8401,10 @@
                 <a:latin typeface="나눔고딕" panose="020D0604000000000000" pitchFamily="50" charset="-127"/>
                 <a:ea typeface="나눔고딕 ExtraBold"/>
               </a:rPr>
-              <a:t> </a:t>
+              <a:t>     input data : </a:t>
             </a:r>
             <a:r>
-              <a:rPr lang="en-US" sz="1200" b="1" dirty="0" smtClean="0">
-                <a:gradFill>
-                  <a:gsLst>
-                    <a:gs pos="0">
-                      <a:srgbClr val="404040"/>
-                    </a:gs>
-                    <a:gs pos="100000">
-                      <a:srgbClr val="404040"/>
-                    </a:gs>
-                  </a:gsLst>
-                  <a:lin ang="5400000" scaled="0"/>
-                </a:gradFill>
-                <a:latin typeface="나눔고딕" panose="020D0604000000000000" pitchFamily="50" charset="-127"/>
-                <a:ea typeface="나눔고딕 ExtraBold"/>
-              </a:rPr>
-              <a:t>    input data : </a:t>
-            </a:r>
-            <a:r>
-              <a:rPr lang="ko-KR" altLang="en-US" sz="1200" b="1" dirty="0" smtClean="0">
+              <a:rPr lang="ko-KR" altLang="en-US" sz="1200" b="1" dirty="0">
                 <a:gradFill>
                   <a:gsLst>
                     <a:gs pos="0">
@@ -8721,7 +8422,7 @@
               <a:t>입력으로 사용될 </a:t>
             </a:r>
             <a:r>
-              <a:rPr lang="en-US" altLang="ko-KR" sz="1200" b="1" dirty="0" smtClean="0">
+              <a:rPr lang="en-US" altLang="ko-KR" sz="1200" b="1" dirty="0">
                 <a:gradFill>
                   <a:gsLst>
                     <a:gs pos="0">
@@ -8762,28 +8463,10 @@
                 <a:latin typeface="나눔고딕" panose="020D0604000000000000" pitchFamily="50" charset="-127"/>
                 <a:ea typeface="나눔고딕 ExtraBold"/>
               </a:rPr>
-              <a:t> </a:t>
+              <a:t>     output data : </a:t>
             </a:r>
             <a:r>
-              <a:rPr lang="en-US" sz="1200" b="1" dirty="0" smtClean="0">
-                <a:gradFill>
-                  <a:gsLst>
-                    <a:gs pos="0">
-                      <a:srgbClr val="404040"/>
-                    </a:gs>
-                    <a:gs pos="100000">
-                      <a:srgbClr val="404040"/>
-                    </a:gs>
-                  </a:gsLst>
-                  <a:lin ang="5400000" scaled="0"/>
-                </a:gradFill>
-                <a:latin typeface="나눔고딕" panose="020D0604000000000000" pitchFamily="50" charset="-127"/>
-                <a:ea typeface="나눔고딕 ExtraBold"/>
-              </a:rPr>
-              <a:t>    output data : </a:t>
-            </a:r>
-            <a:r>
-              <a:rPr lang="ko-KR" altLang="en-US" sz="1200" b="1" dirty="0" smtClean="0">
+              <a:rPr lang="ko-KR" altLang="en-US" sz="1200" b="1" dirty="0">
                 <a:gradFill>
                   <a:gsLst>
                     <a:gs pos="0">
@@ -8801,7 +8484,7 @@
               <a:t>출력</a:t>
             </a:r>
             <a:r>
-              <a:rPr lang="en-US" altLang="ko-KR" sz="1200" b="1" dirty="0" smtClean="0">
+              <a:rPr lang="en-US" altLang="ko-KR" sz="1200" b="1" dirty="0">
                 <a:gradFill>
                   <a:gsLst>
                     <a:gs pos="0">
@@ -8819,7 +8502,7 @@
               <a:t>(</a:t>
             </a:r>
             <a:r>
-              <a:rPr lang="ko-KR" altLang="en-US" sz="1200" b="1" dirty="0" smtClean="0">
+              <a:rPr lang="ko-KR" altLang="en-US" sz="1200" b="1" dirty="0">
                 <a:gradFill>
                   <a:gsLst>
                     <a:gs pos="0">
@@ -8837,7 +8520,7 @@
               <a:t>타겟</a:t>
             </a:r>
             <a:r>
-              <a:rPr lang="en-US" altLang="ko-KR" sz="1200" b="1" dirty="0" smtClean="0">
+              <a:rPr lang="en-US" altLang="ko-KR" sz="1200" b="1" dirty="0">
                 <a:gradFill>
                   <a:gsLst>
                     <a:gs pos="0">
@@ -8855,7 +8538,7 @@
               <a:t>)</a:t>
             </a:r>
             <a:r>
-              <a:rPr lang="ko-KR" altLang="en-US" sz="1200" b="1" dirty="0" smtClean="0">
+              <a:rPr lang="ko-KR" altLang="en-US" sz="1200" b="1" dirty="0">
                 <a:gradFill>
                   <a:gsLst>
                     <a:gs pos="0">
@@ -8873,7 +8556,7 @@
               <a:t>으로 사용할 </a:t>
             </a:r>
             <a:r>
-              <a:rPr lang="en-US" altLang="ko-KR" sz="1200" b="1" dirty="0" smtClean="0">
+              <a:rPr lang="en-US" altLang="ko-KR" sz="1200" b="1" dirty="0">
                 <a:gradFill>
                   <a:gsLst>
                     <a:gs pos="0">
@@ -8936,21 +8619,21 @@
                 <a:gridCol w="476134">
                   <a:extLst>
                     <a:ext uri="{9D8B030D-6E8A-4147-A177-3AD203B41FA5}">
-                      <a16:colId xmlns:a16="http://schemas.microsoft.com/office/drawing/2014/main" xmlns="" val="2761022191"/>
+                      <a16:colId xmlns:a16="http://schemas.microsoft.com/office/drawing/2014/main" val="2761022191"/>
                     </a:ext>
                   </a:extLst>
                 </a:gridCol>
                 <a:gridCol w="1058077">
                   <a:extLst>
                     <a:ext uri="{9D8B030D-6E8A-4147-A177-3AD203B41FA5}">
-                      <a16:colId xmlns:a16="http://schemas.microsoft.com/office/drawing/2014/main" xmlns="" val="3210732440"/>
+                      <a16:colId xmlns:a16="http://schemas.microsoft.com/office/drawing/2014/main" val="3210732440"/>
                     </a:ext>
                   </a:extLst>
                 </a:gridCol>
                 <a:gridCol w="1058077">
                   <a:extLst>
                     <a:ext uri="{9D8B030D-6E8A-4147-A177-3AD203B41FA5}">
-                      <a16:colId xmlns:a16="http://schemas.microsoft.com/office/drawing/2014/main" xmlns="" val="1462898501"/>
+                      <a16:colId xmlns:a16="http://schemas.microsoft.com/office/drawing/2014/main" val="1462898501"/>
                     </a:ext>
                   </a:extLst>
                 </a:gridCol>
@@ -8962,7 +8645,7 @@
                     <a:lstStyle/>
                     <a:p>
                       <a:pPr algn="ctr" latinLnBrk="1"/>
-                      <a:endParaRPr kumimoji="1" lang="ko-KR" altLang="en-US" sz="1200" b="1" kern="1200" dirty="0" smtClean="0">
+                      <a:endParaRPr kumimoji="1" lang="ko-KR" altLang="en-US" sz="1200" b="1" kern="1200" dirty="0">
                         <a:gradFill>
                           <a:gsLst>
                             <a:gs pos="0">
@@ -9029,7 +8712,7 @@
                     <a:p>
                       <a:pPr algn="ctr" latinLnBrk="1"/>
                       <a:r>
-                        <a:rPr kumimoji="1" lang="en-US" altLang="ko-KR" sz="1200" b="1" kern="1200" dirty="0" smtClean="0">
+                        <a:rPr kumimoji="1" lang="en-US" altLang="ko-KR" sz="1200" b="1" kern="1200" dirty="0">
                           <a:gradFill>
                             <a:gsLst>
                               <a:gs pos="0">
@@ -9047,7 +8730,7 @@
                         </a:rPr>
                         <a:t>Input(X)</a:t>
                       </a:r>
-                      <a:endParaRPr kumimoji="1" lang="ko-KR" altLang="en-US" sz="1200" b="1" kern="1200" dirty="0" smtClean="0">
+                      <a:endParaRPr kumimoji="1" lang="ko-KR" altLang="en-US" sz="1200" b="1" kern="1200" dirty="0">
                         <a:gradFill>
                           <a:gsLst>
                             <a:gs pos="0">
@@ -9114,7 +8797,7 @@
                     <a:p>
                       <a:pPr algn="ctr" latinLnBrk="1"/>
                       <a:r>
-                        <a:rPr kumimoji="1" lang="en-US" altLang="ko-KR" sz="1200" b="1" kern="1200" dirty="0" smtClean="0">
+                        <a:rPr kumimoji="1" lang="en-US" altLang="ko-KR" sz="1200" b="1" kern="1200" dirty="0">
                           <a:gradFill>
                             <a:gsLst>
                               <a:gs pos="0">
@@ -9132,7 +8815,7 @@
                         </a:rPr>
                         <a:t>Output(Y)</a:t>
                       </a:r>
-                      <a:endParaRPr kumimoji="1" lang="ko-KR" altLang="en-US" sz="1200" b="1" kern="1200" dirty="0" smtClean="0">
+                      <a:endParaRPr kumimoji="1" lang="ko-KR" altLang="en-US" sz="1200" b="1" kern="1200" dirty="0">
                         <a:gradFill>
                           <a:gsLst>
                             <a:gs pos="0">
@@ -9194,7 +8877,7 @@
                 </a:tc>
                 <a:extLst>
                   <a:ext uri="{0D108BD9-81ED-4DB2-BD59-A6C34878D82A}">
-                    <a16:rowId xmlns:a16="http://schemas.microsoft.com/office/drawing/2014/main" xmlns="" val="4184988429"/>
+                    <a16:rowId xmlns:a16="http://schemas.microsoft.com/office/drawing/2014/main" val="4184988429"/>
                   </a:ext>
                 </a:extLst>
               </a:tr>
@@ -9206,7 +8889,7 @@
                     <a:p>
                       <a:pPr algn="ctr" latinLnBrk="1"/>
                       <a:r>
-                        <a:rPr kumimoji="1" lang="en-US" altLang="ko-KR" sz="1200" b="1" kern="1200" dirty="0" smtClean="0">
+                        <a:rPr kumimoji="1" lang="en-US" altLang="ko-KR" sz="1200" b="1" kern="1200" dirty="0">
                           <a:gradFill>
                             <a:gsLst>
                               <a:gs pos="0">
@@ -9224,7 +8907,7 @@
                         </a:rPr>
                         <a:t>0</a:t>
                       </a:r>
-                      <a:endParaRPr kumimoji="1" lang="ko-KR" altLang="en-US" sz="1200" b="1" kern="1200" dirty="0" smtClean="0">
+                      <a:endParaRPr kumimoji="1" lang="ko-KR" altLang="en-US" sz="1200" b="1" kern="1200" dirty="0">
                         <a:gradFill>
                           <a:gsLst>
                             <a:gs pos="0">
@@ -9291,7 +8974,7 @@
                     <a:p>
                       <a:pPr algn="ctr" latinLnBrk="1"/>
                       <a:r>
-                        <a:rPr kumimoji="1" lang="en-US" altLang="ko-KR" sz="1200" b="1" kern="1200" dirty="0" smtClean="0">
+                        <a:rPr kumimoji="1" lang="en-US" altLang="ko-KR" sz="1200" b="1" kern="1200" dirty="0">
                           <a:solidFill>
                             <a:srgbClr val="FF0000"/>
                           </a:solidFill>
@@ -9301,7 +8984,7 @@
                         </a:rPr>
                         <a:t>X1</a:t>
                       </a:r>
-                      <a:endParaRPr kumimoji="1" lang="ko-KR" altLang="en-US" sz="1200" b="1" kern="1200" dirty="0" smtClean="0">
+                      <a:endParaRPr kumimoji="1" lang="ko-KR" altLang="en-US" sz="1200" b="1" kern="1200" dirty="0">
                         <a:solidFill>
                           <a:srgbClr val="FF0000"/>
                         </a:solidFill>
@@ -9360,7 +9043,7 @@
                     <a:p>
                       <a:pPr algn="ctr" latinLnBrk="1"/>
                       <a:r>
-                        <a:rPr kumimoji="1" lang="en-US" altLang="ko-KR" sz="1200" b="1" kern="1200" dirty="0" smtClean="0">
+                        <a:rPr kumimoji="1" lang="en-US" altLang="ko-KR" sz="1200" b="1" kern="1200" dirty="0">
                           <a:solidFill>
                             <a:srgbClr val="1B6AD3"/>
                           </a:solidFill>
@@ -9370,7 +9053,7 @@
                         </a:rPr>
                         <a:t>Y1</a:t>
                       </a:r>
-                      <a:endParaRPr kumimoji="1" lang="ko-KR" altLang="en-US" sz="1200" b="1" kern="1200" dirty="0" smtClean="0">
+                      <a:endParaRPr kumimoji="1" lang="ko-KR" altLang="en-US" sz="1200" b="1" kern="1200" dirty="0">
                         <a:solidFill>
                           <a:srgbClr val="1B6AD3"/>
                         </a:solidFill>
@@ -9424,7 +9107,7 @@
                 </a:tc>
                 <a:extLst>
                   <a:ext uri="{0D108BD9-81ED-4DB2-BD59-A6C34878D82A}">
-                    <a16:rowId xmlns:a16="http://schemas.microsoft.com/office/drawing/2014/main" xmlns="" val="1335175730"/>
+                    <a16:rowId xmlns:a16="http://schemas.microsoft.com/office/drawing/2014/main" val="1335175730"/>
                   </a:ext>
                 </a:extLst>
               </a:tr>
@@ -9436,7 +9119,7 @@
                     <a:p>
                       <a:pPr algn="ctr" latinLnBrk="1"/>
                       <a:r>
-                        <a:rPr kumimoji="1" lang="en-US" altLang="ko-KR" sz="1200" b="1" kern="1200" dirty="0" smtClean="0">
+                        <a:rPr kumimoji="1" lang="en-US" altLang="ko-KR" sz="1200" b="1" kern="1200" dirty="0">
                           <a:gradFill>
                             <a:gsLst>
                               <a:gs pos="0">
@@ -9454,7 +9137,7 @@
                         </a:rPr>
                         <a:t>1</a:t>
                       </a:r>
-                      <a:endParaRPr kumimoji="1" lang="ko-KR" altLang="en-US" sz="1200" b="1" kern="1200" dirty="0" smtClean="0">
+                      <a:endParaRPr kumimoji="1" lang="ko-KR" altLang="en-US" sz="1200" b="1" kern="1200" dirty="0">
                         <a:gradFill>
                           <a:gsLst>
                             <a:gs pos="0">
@@ -9536,7 +9219,7 @@
                         <a:tabLst/>
                         <a:defRPr/>
                       </a:pPr>
-                      <a:endParaRPr kumimoji="1" lang="ko-KR" altLang="en-US" sz="1200" b="1" kern="1200" dirty="0" smtClean="0">
+                      <a:endParaRPr kumimoji="1" lang="ko-KR" altLang="en-US" sz="1200" b="1" kern="1200" dirty="0">
                         <a:solidFill>
                           <a:srgbClr val="FF0000"/>
                         </a:solidFill>
@@ -9594,7 +9277,7 @@
                     <a:lstStyle/>
                     <a:p>
                       <a:pPr algn="ctr" latinLnBrk="1"/>
-                      <a:endParaRPr kumimoji="1" lang="ko-KR" altLang="en-US" sz="1200" b="1" kern="1200" dirty="0" smtClean="0">
+                      <a:endParaRPr kumimoji="1" lang="ko-KR" altLang="en-US" sz="1200" b="1" kern="1200" dirty="0">
                         <a:gradFill>
                           <a:gsLst>
                             <a:gs pos="0">
@@ -9656,7 +9339,7 @@
                 </a:tc>
                 <a:extLst>
                   <a:ext uri="{0D108BD9-81ED-4DB2-BD59-A6C34878D82A}">
-                    <a16:rowId xmlns:a16="http://schemas.microsoft.com/office/drawing/2014/main" xmlns="" val="2535529686"/>
+                    <a16:rowId xmlns:a16="http://schemas.microsoft.com/office/drawing/2014/main" val="2535529686"/>
                   </a:ext>
                 </a:extLst>
               </a:tr>
@@ -9668,7 +9351,7 @@
                     <a:p>
                       <a:pPr algn="ctr" latinLnBrk="1"/>
                       <a:r>
-                        <a:rPr kumimoji="1" lang="en-US" altLang="ko-KR" sz="1200" b="1" kern="1200" dirty="0" smtClean="0">
+                        <a:rPr kumimoji="1" lang="en-US" altLang="ko-KR" sz="1200" b="1" kern="1200" dirty="0">
                           <a:gradFill>
                             <a:gsLst>
                               <a:gs pos="0">
@@ -9686,7 +9369,7 @@
                         </a:rPr>
                         <a:t>2</a:t>
                       </a:r>
-                      <a:endParaRPr kumimoji="1" lang="ko-KR" altLang="en-US" sz="1200" b="1" kern="1200" dirty="0" smtClean="0">
+                      <a:endParaRPr kumimoji="1" lang="ko-KR" altLang="en-US" sz="1200" b="1" kern="1200" dirty="0">
                         <a:gradFill>
                           <a:gsLst>
                             <a:gs pos="0">
@@ -9768,7 +9451,7 @@
                         <a:tabLst/>
                         <a:defRPr/>
                       </a:pPr>
-                      <a:endParaRPr kumimoji="1" lang="ko-KR" altLang="en-US" sz="1200" b="1" kern="1200" dirty="0" smtClean="0">
+                      <a:endParaRPr kumimoji="1" lang="ko-KR" altLang="en-US" sz="1200" b="1" kern="1200" dirty="0">
                         <a:solidFill>
                           <a:srgbClr val="FF0000"/>
                         </a:solidFill>
@@ -9826,7 +9509,7 @@
                     <a:lstStyle/>
                     <a:p>
                       <a:pPr algn="ctr" latinLnBrk="1"/>
-                      <a:endParaRPr kumimoji="1" lang="ko-KR" altLang="en-US" sz="1200" b="1" kern="1200" dirty="0" smtClean="0">
+                      <a:endParaRPr kumimoji="1" lang="ko-KR" altLang="en-US" sz="1200" b="1" kern="1200" dirty="0">
                         <a:gradFill>
                           <a:gsLst>
                             <a:gs pos="0">
@@ -9888,7 +9571,7 @@
                 </a:tc>
                 <a:extLst>
                   <a:ext uri="{0D108BD9-81ED-4DB2-BD59-A6C34878D82A}">
-                    <a16:rowId xmlns:a16="http://schemas.microsoft.com/office/drawing/2014/main" xmlns="" val="604671130"/>
+                    <a16:rowId xmlns:a16="http://schemas.microsoft.com/office/drawing/2014/main" val="604671130"/>
                   </a:ext>
                 </a:extLst>
               </a:tr>
@@ -9900,7 +9583,7 @@
                     <a:p>
                       <a:pPr algn="ctr" latinLnBrk="1"/>
                       <a:r>
-                        <a:rPr kumimoji="1" lang="en-US" altLang="ko-KR" sz="1200" b="1" kern="1200" dirty="0" smtClean="0">
+                        <a:rPr kumimoji="1" lang="en-US" altLang="ko-KR" sz="1200" b="1" kern="1200" dirty="0">
                           <a:gradFill>
                             <a:gsLst>
                               <a:gs pos="0">
@@ -9918,7 +9601,7 @@
                         </a:rPr>
                         <a:t>3</a:t>
                       </a:r>
-                      <a:endParaRPr kumimoji="1" lang="ko-KR" altLang="en-US" sz="1200" b="1" kern="1200" dirty="0" smtClean="0">
+                      <a:endParaRPr kumimoji="1" lang="ko-KR" altLang="en-US" sz="1200" b="1" kern="1200" dirty="0">
                         <a:gradFill>
                           <a:gsLst>
                             <a:gs pos="0">
@@ -10000,7 +9683,7 @@
                         <a:tabLst/>
                         <a:defRPr/>
                       </a:pPr>
-                      <a:endParaRPr kumimoji="1" lang="ko-KR" altLang="en-US" sz="1200" b="1" kern="1200" dirty="0" smtClean="0">
+                      <a:endParaRPr kumimoji="1" lang="ko-KR" altLang="en-US" sz="1200" b="1" kern="1200" dirty="0">
                         <a:solidFill>
                           <a:srgbClr val="FF0000"/>
                         </a:solidFill>
@@ -10058,7 +9741,7 @@
                     <a:lstStyle/>
                     <a:p>
                       <a:pPr algn="ctr" latinLnBrk="1"/>
-                      <a:endParaRPr kumimoji="1" lang="ko-KR" altLang="en-US" sz="1200" b="1" kern="1200" dirty="0" smtClean="0">
+                      <a:endParaRPr kumimoji="1" lang="ko-KR" altLang="en-US" sz="1200" b="1" kern="1200" dirty="0">
                         <a:gradFill>
                           <a:gsLst>
                             <a:gs pos="0">
@@ -10120,7 +9803,7 @@
                 </a:tc>
                 <a:extLst>
                   <a:ext uri="{0D108BD9-81ED-4DB2-BD59-A6C34878D82A}">
-                    <a16:rowId xmlns:a16="http://schemas.microsoft.com/office/drawing/2014/main" xmlns="" val="1932974646"/>
+                    <a16:rowId xmlns:a16="http://schemas.microsoft.com/office/drawing/2014/main" val="1932974646"/>
                   </a:ext>
                 </a:extLst>
               </a:tr>
@@ -10131,7 +9814,7 @@
                     <a:lstStyle/>
                     <a:p>
                       <a:pPr algn="ctr" latinLnBrk="1"/>
-                      <a:endParaRPr kumimoji="1" lang="ko-KR" altLang="en-US" sz="1200" b="1" kern="1200" dirty="0" smtClean="0">
+                      <a:endParaRPr kumimoji="1" lang="ko-KR" altLang="en-US" sz="1200" b="1" kern="1200" dirty="0">
                         <a:gradFill>
                           <a:gsLst>
                             <a:gs pos="0">
@@ -10197,7 +9880,7 @@
                     <a:lstStyle/>
                     <a:p>
                       <a:pPr algn="ctr" latinLnBrk="1"/>
-                      <a:endParaRPr kumimoji="1" lang="ko-KR" altLang="en-US" sz="1200" b="1" kern="1200" dirty="0" smtClean="0">
+                      <a:endParaRPr kumimoji="1" lang="ko-KR" altLang="en-US" sz="1200" b="1" kern="1200" dirty="0">
                         <a:gradFill>
                           <a:gsLst>
                             <a:gs pos="0">
@@ -10263,7 +9946,7 @@
                     <a:lstStyle/>
                     <a:p>
                       <a:pPr algn="ctr" latinLnBrk="1"/>
-                      <a:endParaRPr kumimoji="1" lang="ko-KR" altLang="en-US" sz="1200" b="1" kern="1200" dirty="0" smtClean="0">
+                      <a:endParaRPr kumimoji="1" lang="ko-KR" altLang="en-US" sz="1200" b="1" kern="1200" dirty="0">
                         <a:gradFill>
                           <a:gsLst>
                             <a:gs pos="0">
@@ -10325,7 +10008,7 @@
                 </a:tc>
                 <a:extLst>
                   <a:ext uri="{0D108BD9-81ED-4DB2-BD59-A6C34878D82A}">
-                    <a16:rowId xmlns:a16="http://schemas.microsoft.com/office/drawing/2014/main" xmlns="" val="1077212734"/>
+                    <a16:rowId xmlns:a16="http://schemas.microsoft.com/office/drawing/2014/main" val="1077212734"/>
                   </a:ext>
                 </a:extLst>
               </a:tr>
@@ -10336,7 +10019,7 @@
                     <a:lstStyle/>
                     <a:p>
                       <a:pPr algn="ctr" latinLnBrk="1"/>
-                      <a:endParaRPr kumimoji="1" lang="ko-KR" altLang="en-US" sz="1200" b="1" kern="1200" dirty="0" smtClean="0">
+                      <a:endParaRPr kumimoji="1" lang="ko-KR" altLang="en-US" sz="1200" b="1" kern="1200" dirty="0">
                         <a:gradFill>
                           <a:gsLst>
                             <a:gs pos="0">
@@ -10402,7 +10085,7 @@
                     <a:lstStyle/>
                     <a:p>
                       <a:pPr algn="ctr" latinLnBrk="1"/>
-                      <a:endParaRPr kumimoji="1" lang="ko-KR" altLang="en-US" sz="1200" b="1" kern="1200" dirty="0" smtClean="0">
+                      <a:endParaRPr kumimoji="1" lang="ko-KR" altLang="en-US" sz="1200" b="1" kern="1200" dirty="0">
                         <a:gradFill>
                           <a:gsLst>
                             <a:gs pos="0">
@@ -10468,7 +10151,7 @@
                     <a:lstStyle/>
                     <a:p>
                       <a:pPr algn="ctr" latinLnBrk="1"/>
-                      <a:endParaRPr kumimoji="1" lang="ko-KR" altLang="en-US" sz="1200" b="1" kern="1200" dirty="0" smtClean="0">
+                      <a:endParaRPr kumimoji="1" lang="ko-KR" altLang="en-US" sz="1200" b="1" kern="1200" dirty="0">
                         <a:gradFill>
                           <a:gsLst>
                             <a:gs pos="0">
@@ -10530,7 +10213,7 @@
                 </a:tc>
                 <a:extLst>
                   <a:ext uri="{0D108BD9-81ED-4DB2-BD59-A6C34878D82A}">
-                    <a16:rowId xmlns:a16="http://schemas.microsoft.com/office/drawing/2014/main" xmlns="" val="1320919402"/>
+                    <a16:rowId xmlns:a16="http://schemas.microsoft.com/office/drawing/2014/main" val="1320919402"/>
                   </a:ext>
                 </a:extLst>
               </a:tr>
@@ -10541,7 +10224,7 @@
                     <a:lstStyle/>
                     <a:p>
                       <a:pPr algn="ctr" latinLnBrk="1"/>
-                      <a:endParaRPr kumimoji="1" lang="ko-KR" altLang="en-US" sz="1200" b="1" kern="1200" dirty="0" smtClean="0">
+                      <a:endParaRPr kumimoji="1" lang="ko-KR" altLang="en-US" sz="1200" b="1" kern="1200" dirty="0">
                         <a:gradFill>
                           <a:gsLst>
                             <a:gs pos="0">
@@ -10607,7 +10290,7 @@
                     <a:lstStyle/>
                     <a:p>
                       <a:pPr algn="ctr" latinLnBrk="1"/>
-                      <a:endParaRPr kumimoji="1" lang="ko-KR" altLang="en-US" sz="1200" b="1" kern="1200" dirty="0" smtClean="0">
+                      <a:endParaRPr kumimoji="1" lang="ko-KR" altLang="en-US" sz="1200" b="1" kern="1200" dirty="0">
                         <a:gradFill>
                           <a:gsLst>
                             <a:gs pos="0">
@@ -10673,7 +10356,7 @@
                     <a:lstStyle/>
                     <a:p>
                       <a:pPr algn="ctr" latinLnBrk="1"/>
-                      <a:endParaRPr kumimoji="1" lang="ko-KR" altLang="en-US" sz="1200" b="1" kern="1200" dirty="0" smtClean="0">
+                      <a:endParaRPr kumimoji="1" lang="ko-KR" altLang="en-US" sz="1200" b="1" kern="1200" dirty="0">
                         <a:gradFill>
                           <a:gsLst>
                             <a:gs pos="0">
@@ -10735,7 +10418,7 @@
                 </a:tc>
                 <a:extLst>
                   <a:ext uri="{0D108BD9-81ED-4DB2-BD59-A6C34878D82A}">
-                    <a16:rowId xmlns:a16="http://schemas.microsoft.com/office/drawing/2014/main" xmlns="" val="2981177735"/>
+                    <a16:rowId xmlns:a16="http://schemas.microsoft.com/office/drawing/2014/main" val="2981177735"/>
                   </a:ext>
                 </a:extLst>
               </a:tr>
@@ -10807,7 +10490,7 @@
                 <a:buNone/>
                 <a:tabLst/>
               </a:pPr>
-              <a:endParaRPr kumimoji="1" lang="ko-KR" altLang="en-US" sz="1800" b="0" i="0" u="none" strike="noStrike" cap="none" normalizeH="0" baseline="0" dirty="0" smtClean="0">
+              <a:endParaRPr kumimoji="1" lang="ko-KR" altLang="en-US" sz="1800" b="0" i="0" u="none" strike="noStrike" cap="none" normalizeH="0" baseline="0" dirty="0">
                 <a:ln>
                   <a:noFill/>
                 </a:ln>
@@ -10871,7 +10554,7 @@
                 <a:buNone/>
                 <a:tabLst/>
               </a:pPr>
-              <a:endParaRPr kumimoji="1" lang="ko-KR" altLang="en-US" sz="1800" b="0" i="0" u="none" strike="noStrike" cap="none" normalizeH="0" baseline="0" smtClean="0">
+              <a:endParaRPr kumimoji="1" lang="ko-KR" altLang="en-US" sz="1800" b="0" i="0" u="none" strike="noStrike" cap="none" normalizeH="0" baseline="0">
                 <a:ln>
                   <a:noFill/>
                 </a:ln>
@@ -10978,13 +10661,6 @@
   <p:clrMapOvr>
     <a:masterClrMapping/>
   </p:clrMapOvr>
-  <p:timing>
-    <p:tnLst>
-      <p:par>
-        <p:cTn id="1" dur="indefinite" restart="never" nodeType="tmRoot"/>
-      </p:par>
-    </p:tnLst>
-  </p:timing>
 </p:sld>
 </file>
 
@@ -11295,7 +10971,7 @@
               <a:defRPr/>
             </a:pPr>
             <a:r>
-              <a:rPr lang="ko-KR" altLang="en-US" sz="2000" b="1" dirty="0" smtClean="0">
+              <a:rPr lang="ko-KR" altLang="en-US" sz="2000" b="1" dirty="0">
                 <a:gradFill>
                   <a:gsLst>
                     <a:gs pos="0">
@@ -11522,41 +11198,41 @@
               <a:buNone/>
             </a:pPr>
             <a:r>
-              <a:rPr lang="en-US" altLang="ko-KR" sz="2800" kern="0" dirty="0" smtClean="0">
+              <a:rPr lang="en-US" altLang="ko-KR" sz="2800" kern="0" dirty="0">
                 <a:latin typeface="나눔고딕 ExtraBold" panose="020D0904000000000000" pitchFamily="50" charset="-127"/>
                 <a:ea typeface="나눔고딕 ExtraBold" panose="020D0904000000000000" pitchFamily="50" charset="-127"/>
               </a:rPr>
               <a:t>1. </a:t>
             </a:r>
             <a:r>
-              <a:rPr lang="ko-KR" altLang="en-US" sz="2800" kern="0" dirty="0" smtClean="0">
+              <a:rPr lang="ko-KR" altLang="en-US" sz="2800" kern="0" dirty="0">
                 <a:latin typeface="나눔고딕 ExtraBold" panose="020D0904000000000000" pitchFamily="50" charset="-127"/>
                 <a:ea typeface="나눔고딕 ExtraBold" panose="020D0904000000000000" pitchFamily="50" charset="-127"/>
               </a:rPr>
               <a:t>데이터 전처리</a:t>
             </a:r>
             <a:r>
-              <a:rPr lang="en-US" altLang="ko-KR" sz="2800" kern="0" dirty="0" smtClean="0">
+              <a:rPr lang="en-US" altLang="ko-KR" sz="2800" kern="0" dirty="0">
                 <a:latin typeface="나눔고딕 ExtraBold" panose="020D0904000000000000" pitchFamily="50" charset="-127"/>
                 <a:ea typeface="나눔고딕 ExtraBold" panose="020D0904000000000000" pitchFamily="50" charset="-127"/>
               </a:rPr>
               <a:t>(</a:t>
             </a:r>
             <a:r>
-              <a:rPr lang="ko-KR" altLang="en-US" sz="2800" kern="0" dirty="0" smtClean="0">
+              <a:rPr lang="ko-KR" altLang="en-US" sz="2800" kern="0" dirty="0">
                 <a:latin typeface="나눔고딕 ExtraBold" panose="020D0904000000000000" pitchFamily="50" charset="-127"/>
                 <a:ea typeface="나눔고딕 ExtraBold" panose="020D0904000000000000" pitchFamily="50" charset="-127"/>
               </a:rPr>
               <a:t>예측</a:t>
             </a:r>
             <a:r>
-              <a:rPr lang="en-US" altLang="ko-KR" sz="2800" kern="0" dirty="0" smtClean="0">
+              <a:rPr lang="en-US" altLang="ko-KR" sz="2800" kern="0" dirty="0">
                 <a:latin typeface="나눔고딕 ExtraBold" panose="020D0904000000000000" pitchFamily="50" charset="-127"/>
                 <a:ea typeface="나눔고딕 ExtraBold" panose="020D0904000000000000" pitchFamily="50" charset="-127"/>
               </a:rPr>
               <a:t>) </a:t>
             </a:r>
-            <a:endParaRPr lang="ko-KR" altLang="en-US" sz="2800" kern="0" dirty="0" smtClean="0">
+            <a:endParaRPr lang="ko-KR" altLang="en-US" sz="2800" kern="0" dirty="0">
               <a:latin typeface="나눔고딕 ExtraBold" panose="020D0904000000000000" pitchFamily="50" charset="-127"/>
               <a:ea typeface="나눔고딕 ExtraBold" panose="020D0904000000000000" pitchFamily="50" charset="-127"/>
             </a:endParaRPr>
@@ -11877,7 +11553,7 @@
               <a:defRPr/>
             </a:pPr>
             <a:r>
-              <a:rPr lang="en-US" altLang="ko-KR" sz="1400" b="1" dirty="0" smtClean="0">
+              <a:rPr lang="en-US" altLang="ko-KR" sz="1400" b="1" dirty="0">
                 <a:gradFill>
                   <a:gsLst>
                     <a:gs pos="0">
@@ -11895,7 +11571,7 @@
               <a:t>2. Input data, output data </a:t>
             </a:r>
             <a:r>
-              <a:rPr lang="ko-KR" altLang="en-US" sz="1400" b="1" dirty="0" smtClean="0">
+              <a:rPr lang="ko-KR" altLang="en-US" sz="1400" b="1" dirty="0">
                 <a:gradFill>
                   <a:gsLst>
                     <a:gs pos="0">
@@ -11912,7 +11588,7 @@
               </a:rPr>
               <a:t>설정</a:t>
             </a:r>
-            <a:endParaRPr lang="en-US" altLang="ko-KR" sz="1400" b="1" dirty="0" smtClean="0">
+            <a:endParaRPr lang="en-US" altLang="ko-KR" sz="1400" b="1" dirty="0">
               <a:gradFill>
                 <a:gsLst>
                   <a:gs pos="0">
@@ -11951,28 +11627,10 @@
                 <a:latin typeface="나눔고딕" panose="020D0604000000000000" pitchFamily="50" charset="-127"/>
                 <a:ea typeface="나눔고딕 ExtraBold"/>
               </a:rPr>
-              <a:t> </a:t>
+              <a:t>     input data : </a:t>
             </a:r>
             <a:r>
-              <a:rPr lang="en-US" sz="1200" b="1" dirty="0" smtClean="0">
-                <a:gradFill>
-                  <a:gsLst>
-                    <a:gs pos="0">
-                      <a:srgbClr val="404040"/>
-                    </a:gs>
-                    <a:gs pos="100000">
-                      <a:srgbClr val="404040"/>
-                    </a:gs>
-                  </a:gsLst>
-                  <a:lin ang="5400000" scaled="0"/>
-                </a:gradFill>
-                <a:latin typeface="나눔고딕" panose="020D0604000000000000" pitchFamily="50" charset="-127"/>
-                <a:ea typeface="나눔고딕 ExtraBold"/>
-              </a:rPr>
-              <a:t>    input data : </a:t>
-            </a:r>
-            <a:r>
-              <a:rPr lang="ko-KR" altLang="en-US" sz="1200" b="1" dirty="0" smtClean="0">
+              <a:rPr lang="ko-KR" altLang="en-US" sz="1200" b="1" dirty="0">
                 <a:gradFill>
                   <a:gsLst>
                     <a:gs pos="0">
@@ -11990,7 +11648,7 @@
               <a:t>입력으로 사용될 </a:t>
             </a:r>
             <a:r>
-              <a:rPr lang="en-US" altLang="ko-KR" sz="1200" b="1" dirty="0" smtClean="0">
+              <a:rPr lang="en-US" altLang="ko-KR" sz="1200" b="1" dirty="0">
                 <a:gradFill>
                   <a:gsLst>
                     <a:gs pos="0">
@@ -12031,28 +11689,10 @@
                 <a:latin typeface="나눔고딕" panose="020D0604000000000000" pitchFamily="50" charset="-127"/>
                 <a:ea typeface="나눔고딕 ExtraBold"/>
               </a:rPr>
-              <a:t> </a:t>
+              <a:t>     output data : </a:t>
             </a:r>
             <a:r>
-              <a:rPr lang="en-US" sz="1200" b="1" dirty="0" smtClean="0">
-                <a:gradFill>
-                  <a:gsLst>
-                    <a:gs pos="0">
-                      <a:srgbClr val="404040"/>
-                    </a:gs>
-                    <a:gs pos="100000">
-                      <a:srgbClr val="404040"/>
-                    </a:gs>
-                  </a:gsLst>
-                  <a:lin ang="5400000" scaled="0"/>
-                </a:gradFill>
-                <a:latin typeface="나눔고딕" panose="020D0604000000000000" pitchFamily="50" charset="-127"/>
-                <a:ea typeface="나눔고딕 ExtraBold"/>
-              </a:rPr>
-              <a:t>    output data : </a:t>
-            </a:r>
-            <a:r>
-              <a:rPr lang="ko-KR" altLang="en-US" sz="1200" b="1" dirty="0" smtClean="0">
+              <a:rPr lang="ko-KR" altLang="en-US" sz="1200" b="1" dirty="0">
                 <a:gradFill>
                   <a:gsLst>
                     <a:gs pos="0">
@@ -12070,7 +11710,7 @@
               <a:t>출력</a:t>
             </a:r>
             <a:r>
-              <a:rPr lang="en-US" altLang="ko-KR" sz="1200" b="1" dirty="0" smtClean="0">
+              <a:rPr lang="en-US" altLang="ko-KR" sz="1200" b="1" dirty="0">
                 <a:gradFill>
                   <a:gsLst>
                     <a:gs pos="0">
@@ -12088,7 +11728,7 @@
               <a:t>(</a:t>
             </a:r>
             <a:r>
-              <a:rPr lang="ko-KR" altLang="en-US" sz="1200" b="1" dirty="0" smtClean="0">
+              <a:rPr lang="ko-KR" altLang="en-US" sz="1200" b="1" dirty="0">
                 <a:gradFill>
                   <a:gsLst>
                     <a:gs pos="0">
@@ -12106,7 +11746,7 @@
               <a:t>타겟</a:t>
             </a:r>
             <a:r>
-              <a:rPr lang="en-US" altLang="ko-KR" sz="1200" b="1" dirty="0" smtClean="0">
+              <a:rPr lang="en-US" altLang="ko-KR" sz="1200" b="1" dirty="0">
                 <a:gradFill>
                   <a:gsLst>
                     <a:gs pos="0">
@@ -12124,7 +11764,7 @@
               <a:t>)</a:t>
             </a:r>
             <a:r>
-              <a:rPr lang="ko-KR" altLang="en-US" sz="1200" b="1" dirty="0" smtClean="0">
+              <a:rPr lang="ko-KR" altLang="en-US" sz="1200" b="1" dirty="0">
                 <a:gradFill>
                   <a:gsLst>
                     <a:gs pos="0">
@@ -12142,7 +11782,7 @@
               <a:t>으로 사용할 </a:t>
             </a:r>
             <a:r>
-              <a:rPr lang="en-US" altLang="ko-KR" sz="1200" b="1" dirty="0" smtClean="0">
+              <a:rPr lang="en-US" altLang="ko-KR" sz="1200" b="1" dirty="0">
                 <a:gradFill>
                   <a:gsLst>
                     <a:gs pos="0">
@@ -12205,21 +11845,21 @@
                 <a:gridCol w="476134">
                   <a:extLst>
                     <a:ext uri="{9D8B030D-6E8A-4147-A177-3AD203B41FA5}">
-                      <a16:colId xmlns:a16="http://schemas.microsoft.com/office/drawing/2014/main" xmlns="" val="2761022191"/>
+                      <a16:colId xmlns:a16="http://schemas.microsoft.com/office/drawing/2014/main" val="2761022191"/>
                     </a:ext>
                   </a:extLst>
                 </a:gridCol>
                 <a:gridCol w="1058077">
                   <a:extLst>
                     <a:ext uri="{9D8B030D-6E8A-4147-A177-3AD203B41FA5}">
-                      <a16:colId xmlns:a16="http://schemas.microsoft.com/office/drawing/2014/main" xmlns="" val="3210732440"/>
+                      <a16:colId xmlns:a16="http://schemas.microsoft.com/office/drawing/2014/main" val="3210732440"/>
                     </a:ext>
                   </a:extLst>
                 </a:gridCol>
                 <a:gridCol w="1058077">
                   <a:extLst>
                     <a:ext uri="{9D8B030D-6E8A-4147-A177-3AD203B41FA5}">
-                      <a16:colId xmlns:a16="http://schemas.microsoft.com/office/drawing/2014/main" xmlns="" val="1462898501"/>
+                      <a16:colId xmlns:a16="http://schemas.microsoft.com/office/drawing/2014/main" val="1462898501"/>
                     </a:ext>
                   </a:extLst>
                 </a:gridCol>
@@ -12231,7 +11871,7 @@
                     <a:lstStyle/>
                     <a:p>
                       <a:pPr algn="ctr" latinLnBrk="1"/>
-                      <a:endParaRPr kumimoji="1" lang="ko-KR" altLang="en-US" sz="1200" b="1" kern="1200" dirty="0" smtClean="0">
+                      <a:endParaRPr kumimoji="1" lang="ko-KR" altLang="en-US" sz="1200" b="1" kern="1200" dirty="0">
                         <a:gradFill>
                           <a:gsLst>
                             <a:gs pos="0">
@@ -12298,7 +11938,7 @@
                     <a:p>
                       <a:pPr algn="ctr" latinLnBrk="1"/>
                       <a:r>
-                        <a:rPr kumimoji="1" lang="en-US" altLang="ko-KR" sz="1200" b="1" kern="1200" dirty="0" smtClean="0">
+                        <a:rPr kumimoji="1" lang="en-US" altLang="ko-KR" sz="1200" b="1" kern="1200" dirty="0">
                           <a:gradFill>
                             <a:gsLst>
                               <a:gs pos="0">
@@ -12316,7 +11956,7 @@
                         </a:rPr>
                         <a:t>Input(X)</a:t>
                       </a:r>
-                      <a:endParaRPr kumimoji="1" lang="ko-KR" altLang="en-US" sz="1200" b="1" kern="1200" dirty="0" smtClean="0">
+                      <a:endParaRPr kumimoji="1" lang="ko-KR" altLang="en-US" sz="1200" b="1" kern="1200" dirty="0">
                         <a:gradFill>
                           <a:gsLst>
                             <a:gs pos="0">
@@ -12383,7 +12023,7 @@
                     <a:p>
                       <a:pPr algn="ctr" latinLnBrk="1"/>
                       <a:r>
-                        <a:rPr kumimoji="1" lang="en-US" altLang="ko-KR" sz="1200" b="1" kern="1200" dirty="0" smtClean="0">
+                        <a:rPr kumimoji="1" lang="en-US" altLang="ko-KR" sz="1200" b="1" kern="1200" dirty="0">
                           <a:gradFill>
                             <a:gsLst>
                               <a:gs pos="0">
@@ -12401,7 +12041,7 @@
                         </a:rPr>
                         <a:t>Output(Y)</a:t>
                       </a:r>
-                      <a:endParaRPr kumimoji="1" lang="ko-KR" altLang="en-US" sz="1200" b="1" kern="1200" dirty="0" smtClean="0">
+                      <a:endParaRPr kumimoji="1" lang="ko-KR" altLang="en-US" sz="1200" b="1" kern="1200" dirty="0">
                         <a:gradFill>
                           <a:gsLst>
                             <a:gs pos="0">
@@ -12463,7 +12103,7 @@
                 </a:tc>
                 <a:extLst>
                   <a:ext uri="{0D108BD9-81ED-4DB2-BD59-A6C34878D82A}">
-                    <a16:rowId xmlns:a16="http://schemas.microsoft.com/office/drawing/2014/main" xmlns="" val="4184988429"/>
+                    <a16:rowId xmlns:a16="http://schemas.microsoft.com/office/drawing/2014/main" val="4184988429"/>
                   </a:ext>
                 </a:extLst>
               </a:tr>
@@ -12475,7 +12115,7 @@
                     <a:p>
                       <a:pPr algn="ctr" latinLnBrk="1"/>
                       <a:r>
-                        <a:rPr kumimoji="1" lang="en-US" altLang="ko-KR" sz="1200" b="1" kern="1200" dirty="0" smtClean="0">
+                        <a:rPr kumimoji="1" lang="en-US" altLang="ko-KR" sz="1200" b="1" kern="1200" dirty="0">
                           <a:gradFill>
                             <a:gsLst>
                               <a:gs pos="0">
@@ -12493,7 +12133,7 @@
                         </a:rPr>
                         <a:t>0</a:t>
                       </a:r>
-                      <a:endParaRPr kumimoji="1" lang="ko-KR" altLang="en-US" sz="1200" b="1" kern="1200" dirty="0" smtClean="0">
+                      <a:endParaRPr kumimoji="1" lang="ko-KR" altLang="en-US" sz="1200" b="1" kern="1200" dirty="0">
                         <a:gradFill>
                           <a:gsLst>
                             <a:gs pos="0">
@@ -12560,7 +12200,7 @@
                     <a:p>
                       <a:pPr algn="ctr" latinLnBrk="1"/>
                       <a:r>
-                        <a:rPr kumimoji="1" lang="en-US" altLang="ko-KR" sz="1200" b="1" kern="1200" dirty="0" smtClean="0">
+                        <a:rPr kumimoji="1" lang="en-US" altLang="ko-KR" sz="1200" b="1" kern="1200" dirty="0">
                           <a:solidFill>
                             <a:srgbClr val="FF0000"/>
                           </a:solidFill>
@@ -12570,7 +12210,7 @@
                         </a:rPr>
                         <a:t>X1</a:t>
                       </a:r>
-                      <a:endParaRPr kumimoji="1" lang="ko-KR" altLang="en-US" sz="1200" b="1" kern="1200" dirty="0" smtClean="0">
+                      <a:endParaRPr kumimoji="1" lang="ko-KR" altLang="en-US" sz="1200" b="1" kern="1200" dirty="0">
                         <a:solidFill>
                           <a:srgbClr val="FF0000"/>
                         </a:solidFill>
@@ -12629,7 +12269,7 @@
                     <a:p>
                       <a:pPr algn="ctr" latinLnBrk="1"/>
                       <a:r>
-                        <a:rPr kumimoji="1" lang="en-US" altLang="ko-KR" sz="1200" b="1" kern="1200" dirty="0" smtClean="0">
+                        <a:rPr kumimoji="1" lang="en-US" altLang="ko-KR" sz="1200" b="1" kern="1200" dirty="0">
                           <a:solidFill>
                             <a:srgbClr val="1B6AD3"/>
                           </a:solidFill>
@@ -12639,7 +12279,7 @@
                         </a:rPr>
                         <a:t>Y1</a:t>
                       </a:r>
-                      <a:endParaRPr kumimoji="1" lang="ko-KR" altLang="en-US" sz="1200" b="1" kern="1200" dirty="0" smtClean="0">
+                      <a:endParaRPr kumimoji="1" lang="ko-KR" altLang="en-US" sz="1200" b="1" kern="1200" dirty="0">
                         <a:solidFill>
                           <a:srgbClr val="1B6AD3"/>
                         </a:solidFill>
@@ -12693,7 +12333,7 @@
                 </a:tc>
                 <a:extLst>
                   <a:ext uri="{0D108BD9-81ED-4DB2-BD59-A6C34878D82A}">
-                    <a16:rowId xmlns:a16="http://schemas.microsoft.com/office/drawing/2014/main" xmlns="" val="1335175730"/>
+                    <a16:rowId xmlns:a16="http://schemas.microsoft.com/office/drawing/2014/main" val="1335175730"/>
                   </a:ext>
                 </a:extLst>
               </a:tr>
@@ -12705,7 +12345,7 @@
                     <a:p>
                       <a:pPr algn="ctr" latinLnBrk="1"/>
                       <a:r>
-                        <a:rPr kumimoji="1" lang="en-US" altLang="ko-KR" sz="1200" b="1" kern="1200" dirty="0" smtClean="0">
+                        <a:rPr kumimoji="1" lang="en-US" altLang="ko-KR" sz="1200" b="1" kern="1200" dirty="0">
                           <a:gradFill>
                             <a:gsLst>
                               <a:gs pos="0">
@@ -12723,7 +12363,7 @@
                         </a:rPr>
                         <a:t>1</a:t>
                       </a:r>
-                      <a:endParaRPr kumimoji="1" lang="ko-KR" altLang="en-US" sz="1200" b="1" kern="1200" dirty="0" smtClean="0">
+                      <a:endParaRPr kumimoji="1" lang="ko-KR" altLang="en-US" sz="1200" b="1" kern="1200" dirty="0">
                         <a:gradFill>
                           <a:gsLst>
                             <a:gs pos="0">
@@ -12806,7 +12446,7 @@
                         <a:defRPr/>
                       </a:pPr>
                       <a:r>
-                        <a:rPr kumimoji="1" lang="en-US" altLang="ko-KR" sz="1200" b="1" kern="1200" dirty="0" smtClean="0">
+                        <a:rPr kumimoji="1" lang="en-US" altLang="ko-KR" sz="1200" b="1" kern="1200" dirty="0">
                           <a:solidFill>
                             <a:srgbClr val="FF0000"/>
                           </a:solidFill>
@@ -12816,7 +12456,7 @@
                         </a:rPr>
                         <a:t>X2</a:t>
                       </a:r>
-                      <a:endParaRPr kumimoji="1" lang="ko-KR" altLang="en-US" sz="1200" b="1" kern="1200" dirty="0" smtClean="0">
+                      <a:endParaRPr kumimoji="1" lang="ko-KR" altLang="en-US" sz="1200" b="1" kern="1200" dirty="0">
                         <a:solidFill>
                           <a:srgbClr val="FF0000"/>
                         </a:solidFill>
@@ -12875,7 +12515,7 @@
                     <a:p>
                       <a:pPr algn="ctr" latinLnBrk="1"/>
                       <a:r>
-                        <a:rPr kumimoji="1" lang="en-US" altLang="ko-KR" sz="1200" b="1" kern="1200" dirty="0" smtClean="0">
+                        <a:rPr kumimoji="1" lang="en-US" altLang="ko-KR" sz="1200" b="1" kern="1200" dirty="0">
                           <a:solidFill>
                             <a:srgbClr val="1B6AD3"/>
                           </a:solidFill>
@@ -12885,7 +12525,7 @@
                         </a:rPr>
                         <a:t>Y2</a:t>
                       </a:r>
-                      <a:endParaRPr kumimoji="1" lang="ko-KR" altLang="en-US" sz="1200" b="1" kern="1200" dirty="0" smtClean="0">
+                      <a:endParaRPr kumimoji="1" lang="ko-KR" altLang="en-US" sz="1200" b="1" kern="1200" dirty="0">
                         <a:gradFill>
                           <a:gsLst>
                             <a:gs pos="0">
@@ -12947,7 +12587,7 @@
                 </a:tc>
                 <a:extLst>
                   <a:ext uri="{0D108BD9-81ED-4DB2-BD59-A6C34878D82A}">
-                    <a16:rowId xmlns:a16="http://schemas.microsoft.com/office/drawing/2014/main" xmlns="" val="2535529686"/>
+                    <a16:rowId xmlns:a16="http://schemas.microsoft.com/office/drawing/2014/main" val="2535529686"/>
                   </a:ext>
                 </a:extLst>
               </a:tr>
@@ -12959,7 +12599,7 @@
                     <a:p>
                       <a:pPr algn="ctr" latinLnBrk="1"/>
                       <a:r>
-                        <a:rPr kumimoji="1" lang="en-US" altLang="ko-KR" sz="1200" b="1" kern="1200" dirty="0" smtClean="0">
+                        <a:rPr kumimoji="1" lang="en-US" altLang="ko-KR" sz="1200" b="1" kern="1200" dirty="0">
                           <a:gradFill>
                             <a:gsLst>
                               <a:gs pos="0">
@@ -12977,7 +12617,7 @@
                         </a:rPr>
                         <a:t>2</a:t>
                       </a:r>
-                      <a:endParaRPr kumimoji="1" lang="ko-KR" altLang="en-US" sz="1200" b="1" kern="1200" dirty="0" smtClean="0">
+                      <a:endParaRPr kumimoji="1" lang="ko-KR" altLang="en-US" sz="1200" b="1" kern="1200" dirty="0">
                         <a:gradFill>
                           <a:gsLst>
                             <a:gs pos="0">
@@ -13059,7 +12699,7 @@
                         <a:tabLst/>
                         <a:defRPr/>
                       </a:pPr>
-                      <a:endParaRPr kumimoji="1" lang="ko-KR" altLang="en-US" sz="1200" b="1" kern="1200" dirty="0" smtClean="0">
+                      <a:endParaRPr kumimoji="1" lang="ko-KR" altLang="en-US" sz="1200" b="1" kern="1200" dirty="0">
                         <a:solidFill>
                           <a:srgbClr val="FF0000"/>
                         </a:solidFill>
@@ -13117,7 +12757,7 @@
                     <a:lstStyle/>
                     <a:p>
                       <a:pPr algn="ctr" latinLnBrk="1"/>
-                      <a:endParaRPr kumimoji="1" lang="ko-KR" altLang="en-US" sz="1200" b="1" kern="1200" dirty="0" smtClean="0">
+                      <a:endParaRPr kumimoji="1" lang="ko-KR" altLang="en-US" sz="1200" b="1" kern="1200" dirty="0">
                         <a:gradFill>
                           <a:gsLst>
                             <a:gs pos="0">
@@ -13179,7 +12819,7 @@
                 </a:tc>
                 <a:extLst>
                   <a:ext uri="{0D108BD9-81ED-4DB2-BD59-A6C34878D82A}">
-                    <a16:rowId xmlns:a16="http://schemas.microsoft.com/office/drawing/2014/main" xmlns="" val="604671130"/>
+                    <a16:rowId xmlns:a16="http://schemas.microsoft.com/office/drawing/2014/main" val="604671130"/>
                   </a:ext>
                 </a:extLst>
               </a:tr>
@@ -13191,7 +12831,7 @@
                     <a:p>
                       <a:pPr algn="ctr" latinLnBrk="1"/>
                       <a:r>
-                        <a:rPr kumimoji="1" lang="en-US" altLang="ko-KR" sz="1200" b="1" kern="1200" dirty="0" smtClean="0">
+                        <a:rPr kumimoji="1" lang="en-US" altLang="ko-KR" sz="1200" b="1" kern="1200" dirty="0">
                           <a:gradFill>
                             <a:gsLst>
                               <a:gs pos="0">
@@ -13209,7 +12849,7 @@
                         </a:rPr>
                         <a:t>3</a:t>
                       </a:r>
-                      <a:endParaRPr kumimoji="1" lang="ko-KR" altLang="en-US" sz="1200" b="1" kern="1200" dirty="0" smtClean="0">
+                      <a:endParaRPr kumimoji="1" lang="ko-KR" altLang="en-US" sz="1200" b="1" kern="1200" dirty="0">
                         <a:gradFill>
                           <a:gsLst>
                             <a:gs pos="0">
@@ -13291,7 +12931,7 @@
                         <a:tabLst/>
                         <a:defRPr/>
                       </a:pPr>
-                      <a:endParaRPr kumimoji="1" lang="ko-KR" altLang="en-US" sz="1200" b="1" kern="1200" dirty="0" smtClean="0">
+                      <a:endParaRPr kumimoji="1" lang="ko-KR" altLang="en-US" sz="1200" b="1" kern="1200" dirty="0">
                         <a:solidFill>
                           <a:srgbClr val="FF0000"/>
                         </a:solidFill>
@@ -13349,7 +12989,7 @@
                     <a:lstStyle/>
                     <a:p>
                       <a:pPr algn="ctr" latinLnBrk="1"/>
-                      <a:endParaRPr kumimoji="1" lang="ko-KR" altLang="en-US" sz="1200" b="1" kern="1200" dirty="0" smtClean="0">
+                      <a:endParaRPr kumimoji="1" lang="ko-KR" altLang="en-US" sz="1200" b="1" kern="1200" dirty="0">
                         <a:gradFill>
                           <a:gsLst>
                             <a:gs pos="0">
@@ -13411,7 +13051,7 @@
                 </a:tc>
                 <a:extLst>
                   <a:ext uri="{0D108BD9-81ED-4DB2-BD59-A6C34878D82A}">
-                    <a16:rowId xmlns:a16="http://schemas.microsoft.com/office/drawing/2014/main" xmlns="" val="1932974646"/>
+                    <a16:rowId xmlns:a16="http://schemas.microsoft.com/office/drawing/2014/main" val="1932974646"/>
                   </a:ext>
                 </a:extLst>
               </a:tr>
@@ -13422,7 +13062,7 @@
                     <a:lstStyle/>
                     <a:p>
                       <a:pPr algn="ctr" latinLnBrk="1"/>
-                      <a:endParaRPr kumimoji="1" lang="ko-KR" altLang="en-US" sz="1200" b="1" kern="1200" dirty="0" smtClean="0">
+                      <a:endParaRPr kumimoji="1" lang="ko-KR" altLang="en-US" sz="1200" b="1" kern="1200" dirty="0">
                         <a:gradFill>
                           <a:gsLst>
                             <a:gs pos="0">
@@ -13488,7 +13128,7 @@
                     <a:lstStyle/>
                     <a:p>
                       <a:pPr algn="ctr" latinLnBrk="1"/>
-                      <a:endParaRPr kumimoji="1" lang="ko-KR" altLang="en-US" sz="1200" b="1" kern="1200" dirty="0" smtClean="0">
+                      <a:endParaRPr kumimoji="1" lang="ko-KR" altLang="en-US" sz="1200" b="1" kern="1200" dirty="0">
                         <a:gradFill>
                           <a:gsLst>
                             <a:gs pos="0">
@@ -13554,7 +13194,7 @@
                     <a:lstStyle/>
                     <a:p>
                       <a:pPr algn="ctr" latinLnBrk="1"/>
-                      <a:endParaRPr kumimoji="1" lang="ko-KR" altLang="en-US" sz="1200" b="1" kern="1200" dirty="0" smtClean="0">
+                      <a:endParaRPr kumimoji="1" lang="ko-KR" altLang="en-US" sz="1200" b="1" kern="1200" dirty="0">
                         <a:gradFill>
                           <a:gsLst>
                             <a:gs pos="0">
@@ -13616,7 +13256,7 @@
                 </a:tc>
                 <a:extLst>
                   <a:ext uri="{0D108BD9-81ED-4DB2-BD59-A6C34878D82A}">
-                    <a16:rowId xmlns:a16="http://schemas.microsoft.com/office/drawing/2014/main" xmlns="" val="1077212734"/>
+                    <a16:rowId xmlns:a16="http://schemas.microsoft.com/office/drawing/2014/main" val="1077212734"/>
                   </a:ext>
                 </a:extLst>
               </a:tr>
@@ -13627,7 +13267,7 @@
                     <a:lstStyle/>
                     <a:p>
                       <a:pPr algn="ctr" latinLnBrk="1"/>
-                      <a:endParaRPr kumimoji="1" lang="ko-KR" altLang="en-US" sz="1200" b="1" kern="1200" dirty="0" smtClean="0">
+                      <a:endParaRPr kumimoji="1" lang="ko-KR" altLang="en-US" sz="1200" b="1" kern="1200" dirty="0">
                         <a:gradFill>
                           <a:gsLst>
                             <a:gs pos="0">
@@ -13693,7 +13333,7 @@
                     <a:lstStyle/>
                     <a:p>
                       <a:pPr algn="ctr" latinLnBrk="1"/>
-                      <a:endParaRPr kumimoji="1" lang="ko-KR" altLang="en-US" sz="1200" b="1" kern="1200" dirty="0" smtClean="0">
+                      <a:endParaRPr kumimoji="1" lang="ko-KR" altLang="en-US" sz="1200" b="1" kern="1200" dirty="0">
                         <a:gradFill>
                           <a:gsLst>
                             <a:gs pos="0">
@@ -13759,7 +13399,7 @@
                     <a:lstStyle/>
                     <a:p>
                       <a:pPr algn="ctr" latinLnBrk="1"/>
-                      <a:endParaRPr kumimoji="1" lang="ko-KR" altLang="en-US" sz="1200" b="1" kern="1200" dirty="0" smtClean="0">
+                      <a:endParaRPr kumimoji="1" lang="ko-KR" altLang="en-US" sz="1200" b="1" kern="1200" dirty="0">
                         <a:gradFill>
                           <a:gsLst>
                             <a:gs pos="0">
@@ -13821,7 +13461,7 @@
                 </a:tc>
                 <a:extLst>
                   <a:ext uri="{0D108BD9-81ED-4DB2-BD59-A6C34878D82A}">
-                    <a16:rowId xmlns:a16="http://schemas.microsoft.com/office/drawing/2014/main" xmlns="" val="1320919402"/>
+                    <a16:rowId xmlns:a16="http://schemas.microsoft.com/office/drawing/2014/main" val="1320919402"/>
                   </a:ext>
                 </a:extLst>
               </a:tr>
@@ -13832,7 +13472,7 @@
                     <a:lstStyle/>
                     <a:p>
                       <a:pPr algn="ctr" latinLnBrk="1"/>
-                      <a:endParaRPr kumimoji="1" lang="ko-KR" altLang="en-US" sz="1200" b="1" kern="1200" dirty="0" smtClean="0">
+                      <a:endParaRPr kumimoji="1" lang="ko-KR" altLang="en-US" sz="1200" b="1" kern="1200" dirty="0">
                         <a:gradFill>
                           <a:gsLst>
                             <a:gs pos="0">
@@ -13898,7 +13538,7 @@
                     <a:lstStyle/>
                     <a:p>
                       <a:pPr algn="ctr" latinLnBrk="1"/>
-                      <a:endParaRPr kumimoji="1" lang="ko-KR" altLang="en-US" sz="1200" b="1" kern="1200" dirty="0" smtClean="0">
+                      <a:endParaRPr kumimoji="1" lang="ko-KR" altLang="en-US" sz="1200" b="1" kern="1200" dirty="0">
                         <a:gradFill>
                           <a:gsLst>
                             <a:gs pos="0">
@@ -13964,7 +13604,7 @@
                     <a:lstStyle/>
                     <a:p>
                       <a:pPr algn="ctr" latinLnBrk="1"/>
-                      <a:endParaRPr kumimoji="1" lang="ko-KR" altLang="en-US" sz="1200" b="1" kern="1200" dirty="0" smtClean="0">
+                      <a:endParaRPr kumimoji="1" lang="ko-KR" altLang="en-US" sz="1200" b="1" kern="1200" dirty="0">
                         <a:gradFill>
                           <a:gsLst>
                             <a:gs pos="0">
@@ -14026,7 +13666,7 @@
                 </a:tc>
                 <a:extLst>
                   <a:ext uri="{0D108BD9-81ED-4DB2-BD59-A6C34878D82A}">
-                    <a16:rowId xmlns:a16="http://schemas.microsoft.com/office/drawing/2014/main" xmlns="" val="2981177735"/>
+                    <a16:rowId xmlns:a16="http://schemas.microsoft.com/office/drawing/2014/main" val="2981177735"/>
                   </a:ext>
                 </a:extLst>
               </a:tr>
@@ -14098,7 +13738,7 @@
                 <a:buNone/>
                 <a:tabLst/>
               </a:pPr>
-              <a:endParaRPr kumimoji="1" lang="ko-KR" altLang="en-US" sz="1800" b="0" i="0" u="none" strike="noStrike" cap="none" normalizeH="0" baseline="0" dirty="0" smtClean="0">
+              <a:endParaRPr kumimoji="1" lang="ko-KR" altLang="en-US" sz="1800" b="0" i="0" u="none" strike="noStrike" cap="none" normalizeH="0" baseline="0" dirty="0">
                 <a:ln>
                   <a:noFill/>
                 </a:ln>
@@ -14162,7 +13802,7 @@
                 <a:buNone/>
                 <a:tabLst/>
               </a:pPr>
-              <a:endParaRPr kumimoji="1" lang="ko-KR" altLang="en-US" sz="1800" b="0" i="0" u="none" strike="noStrike" cap="none" normalizeH="0" baseline="0" smtClean="0">
+              <a:endParaRPr kumimoji="1" lang="ko-KR" altLang="en-US" sz="1800" b="0" i="0" u="none" strike="noStrike" cap="none" normalizeH="0" baseline="0">
                 <a:ln>
                   <a:noFill/>
                 </a:ln>
@@ -14198,7 +13838,7 @@
             <a:lstStyle/>
             <a:p>
               <a:r>
-                <a:rPr lang="en-US" altLang="ko-KR" sz="800" b="1" dirty="0" smtClean="0">
+                <a:rPr lang="en-US" altLang="ko-KR" sz="800" b="1" dirty="0">
                   <a:solidFill>
                     <a:srgbClr val="FF0000"/>
                   </a:solidFill>
@@ -14239,7 +13879,7 @@
             <a:lstStyle/>
             <a:p>
               <a:r>
-                <a:rPr lang="en-US" altLang="ko-KR" sz="800" b="1" dirty="0" smtClean="0">
+                <a:rPr lang="en-US" altLang="ko-KR" sz="800" b="1" dirty="0">
                   <a:solidFill>
                     <a:srgbClr val="1B6AD3"/>
                   </a:solidFill>
@@ -14269,13 +13909,6 @@
   <p:clrMapOvr>
     <a:masterClrMapping/>
   </p:clrMapOvr>
-  <p:timing>
-    <p:tnLst>
-      <p:par>
-        <p:cTn id="1" dur="indefinite" restart="never" nodeType="tmRoot"/>
-      </p:par>
-    </p:tnLst>
-  </p:timing>
 </p:sld>
 </file>
 
@@ -14586,7 +14219,7 @@
               <a:defRPr/>
             </a:pPr>
             <a:r>
-              <a:rPr lang="ko-KR" altLang="en-US" sz="2000" b="1" dirty="0" smtClean="0">
+              <a:rPr lang="ko-KR" altLang="en-US" sz="2000" b="1" dirty="0">
                 <a:gradFill>
                   <a:gsLst>
                     <a:gs pos="0">
@@ -14813,41 +14446,41 @@
               <a:buNone/>
             </a:pPr>
             <a:r>
-              <a:rPr lang="en-US" altLang="ko-KR" sz="2800" kern="0" dirty="0" smtClean="0">
+              <a:rPr lang="en-US" altLang="ko-KR" sz="2800" kern="0" dirty="0">
                 <a:latin typeface="나눔고딕 ExtraBold" panose="020D0904000000000000" pitchFamily="50" charset="-127"/>
                 <a:ea typeface="나눔고딕 ExtraBold" panose="020D0904000000000000" pitchFamily="50" charset="-127"/>
               </a:rPr>
               <a:t>1. </a:t>
             </a:r>
             <a:r>
-              <a:rPr lang="ko-KR" altLang="en-US" sz="2800" kern="0" dirty="0" smtClean="0">
+              <a:rPr lang="ko-KR" altLang="en-US" sz="2800" kern="0" dirty="0">
                 <a:latin typeface="나눔고딕 ExtraBold" panose="020D0904000000000000" pitchFamily="50" charset="-127"/>
                 <a:ea typeface="나눔고딕 ExtraBold" panose="020D0904000000000000" pitchFamily="50" charset="-127"/>
               </a:rPr>
               <a:t>데이터 전처리</a:t>
             </a:r>
             <a:r>
-              <a:rPr lang="en-US" altLang="ko-KR" sz="2800" kern="0" dirty="0" smtClean="0">
+              <a:rPr lang="en-US" altLang="ko-KR" sz="2800" kern="0" dirty="0">
                 <a:latin typeface="나눔고딕 ExtraBold" panose="020D0904000000000000" pitchFamily="50" charset="-127"/>
                 <a:ea typeface="나눔고딕 ExtraBold" panose="020D0904000000000000" pitchFamily="50" charset="-127"/>
               </a:rPr>
               <a:t>(</a:t>
             </a:r>
             <a:r>
-              <a:rPr lang="ko-KR" altLang="en-US" sz="2800" kern="0" dirty="0" smtClean="0">
+              <a:rPr lang="ko-KR" altLang="en-US" sz="2800" kern="0" dirty="0">
                 <a:latin typeface="나눔고딕 ExtraBold" panose="020D0904000000000000" pitchFamily="50" charset="-127"/>
                 <a:ea typeface="나눔고딕 ExtraBold" panose="020D0904000000000000" pitchFamily="50" charset="-127"/>
               </a:rPr>
               <a:t>예측</a:t>
             </a:r>
             <a:r>
-              <a:rPr lang="en-US" altLang="ko-KR" sz="2800" kern="0" dirty="0" smtClean="0">
+              <a:rPr lang="en-US" altLang="ko-KR" sz="2800" kern="0" dirty="0">
                 <a:latin typeface="나눔고딕 ExtraBold" panose="020D0904000000000000" pitchFamily="50" charset="-127"/>
                 <a:ea typeface="나눔고딕 ExtraBold" panose="020D0904000000000000" pitchFamily="50" charset="-127"/>
               </a:rPr>
               <a:t>) </a:t>
             </a:r>
-            <a:endParaRPr lang="ko-KR" altLang="en-US" sz="2800" kern="0" dirty="0" smtClean="0">
+            <a:endParaRPr lang="ko-KR" altLang="en-US" sz="2800" kern="0" dirty="0">
               <a:latin typeface="나눔고딕 ExtraBold" panose="020D0904000000000000" pitchFamily="50" charset="-127"/>
               <a:ea typeface="나눔고딕 ExtraBold" panose="020D0904000000000000" pitchFamily="50" charset="-127"/>
             </a:endParaRPr>
@@ -15168,7 +14801,7 @@
               <a:defRPr/>
             </a:pPr>
             <a:r>
-              <a:rPr lang="en-US" altLang="ko-KR" sz="1400" b="1" dirty="0" smtClean="0">
+              <a:rPr lang="en-US" altLang="ko-KR" sz="1400" b="1" dirty="0">
                 <a:gradFill>
                   <a:gsLst>
                     <a:gs pos="0">
@@ -15186,7 +14819,7 @@
               <a:t>2. Input data, output data </a:t>
             </a:r>
             <a:r>
-              <a:rPr lang="ko-KR" altLang="en-US" sz="1400" b="1" dirty="0" smtClean="0">
+              <a:rPr lang="ko-KR" altLang="en-US" sz="1400" b="1" dirty="0">
                 <a:gradFill>
                   <a:gsLst>
                     <a:gs pos="0">
@@ -15203,7 +14836,7 @@
               </a:rPr>
               <a:t>설정</a:t>
             </a:r>
-            <a:endParaRPr lang="en-US" altLang="ko-KR" sz="1400" b="1" dirty="0" smtClean="0">
+            <a:endParaRPr lang="en-US" altLang="ko-KR" sz="1400" b="1" dirty="0">
               <a:gradFill>
                 <a:gsLst>
                   <a:gs pos="0">
@@ -15242,28 +14875,10 @@
                 <a:latin typeface="나눔고딕" panose="020D0604000000000000" pitchFamily="50" charset="-127"/>
                 <a:ea typeface="나눔고딕 ExtraBold"/>
               </a:rPr>
-              <a:t> </a:t>
+              <a:t>     input data : </a:t>
             </a:r>
             <a:r>
-              <a:rPr lang="en-US" sz="1200" b="1" dirty="0" smtClean="0">
-                <a:gradFill>
-                  <a:gsLst>
-                    <a:gs pos="0">
-                      <a:srgbClr val="404040"/>
-                    </a:gs>
-                    <a:gs pos="100000">
-                      <a:srgbClr val="404040"/>
-                    </a:gs>
-                  </a:gsLst>
-                  <a:lin ang="5400000" scaled="0"/>
-                </a:gradFill>
-                <a:latin typeface="나눔고딕" panose="020D0604000000000000" pitchFamily="50" charset="-127"/>
-                <a:ea typeface="나눔고딕 ExtraBold"/>
-              </a:rPr>
-              <a:t>    input data : </a:t>
-            </a:r>
-            <a:r>
-              <a:rPr lang="ko-KR" altLang="en-US" sz="1200" b="1" dirty="0" smtClean="0">
+              <a:rPr lang="ko-KR" altLang="en-US" sz="1200" b="1" dirty="0">
                 <a:gradFill>
                   <a:gsLst>
                     <a:gs pos="0">
@@ -15281,7 +14896,7 @@
               <a:t>입력으로 사용될 </a:t>
             </a:r>
             <a:r>
-              <a:rPr lang="en-US" altLang="ko-KR" sz="1200" b="1" dirty="0" smtClean="0">
+              <a:rPr lang="en-US" altLang="ko-KR" sz="1200" b="1" dirty="0">
                 <a:gradFill>
                   <a:gsLst>
                     <a:gs pos="0">
@@ -15322,28 +14937,10 @@
                 <a:latin typeface="나눔고딕" panose="020D0604000000000000" pitchFamily="50" charset="-127"/>
                 <a:ea typeface="나눔고딕 ExtraBold"/>
               </a:rPr>
-              <a:t> </a:t>
+              <a:t>     output data : </a:t>
             </a:r>
             <a:r>
-              <a:rPr lang="en-US" sz="1200" b="1" dirty="0" smtClean="0">
-                <a:gradFill>
-                  <a:gsLst>
-                    <a:gs pos="0">
-                      <a:srgbClr val="404040"/>
-                    </a:gs>
-                    <a:gs pos="100000">
-                      <a:srgbClr val="404040"/>
-                    </a:gs>
-                  </a:gsLst>
-                  <a:lin ang="5400000" scaled="0"/>
-                </a:gradFill>
-                <a:latin typeface="나눔고딕" panose="020D0604000000000000" pitchFamily="50" charset="-127"/>
-                <a:ea typeface="나눔고딕 ExtraBold"/>
-              </a:rPr>
-              <a:t>    output data : </a:t>
-            </a:r>
-            <a:r>
-              <a:rPr lang="ko-KR" altLang="en-US" sz="1200" b="1" dirty="0" smtClean="0">
+              <a:rPr lang="ko-KR" altLang="en-US" sz="1200" b="1" dirty="0">
                 <a:gradFill>
                   <a:gsLst>
                     <a:gs pos="0">
@@ -15361,7 +14958,7 @@
               <a:t>출력</a:t>
             </a:r>
             <a:r>
-              <a:rPr lang="en-US" altLang="ko-KR" sz="1200" b="1" dirty="0" smtClean="0">
+              <a:rPr lang="en-US" altLang="ko-KR" sz="1200" b="1" dirty="0">
                 <a:gradFill>
                   <a:gsLst>
                     <a:gs pos="0">
@@ -15379,7 +14976,7 @@
               <a:t>(</a:t>
             </a:r>
             <a:r>
-              <a:rPr lang="ko-KR" altLang="en-US" sz="1200" b="1" dirty="0" smtClean="0">
+              <a:rPr lang="ko-KR" altLang="en-US" sz="1200" b="1" dirty="0">
                 <a:gradFill>
                   <a:gsLst>
                     <a:gs pos="0">
@@ -15397,7 +14994,7 @@
               <a:t>타겟</a:t>
             </a:r>
             <a:r>
-              <a:rPr lang="en-US" altLang="ko-KR" sz="1200" b="1" dirty="0" smtClean="0">
+              <a:rPr lang="en-US" altLang="ko-KR" sz="1200" b="1" dirty="0">
                 <a:gradFill>
                   <a:gsLst>
                     <a:gs pos="0">
@@ -15415,7 +15012,7 @@
               <a:t>)</a:t>
             </a:r>
             <a:r>
-              <a:rPr lang="ko-KR" altLang="en-US" sz="1200" b="1" dirty="0" smtClean="0">
+              <a:rPr lang="ko-KR" altLang="en-US" sz="1200" b="1" dirty="0">
                 <a:gradFill>
                   <a:gsLst>
                     <a:gs pos="0">
@@ -15433,7 +15030,7 @@
               <a:t>으로 사용할 </a:t>
             </a:r>
             <a:r>
-              <a:rPr lang="en-US" altLang="ko-KR" sz="1200" b="1" dirty="0" smtClean="0">
+              <a:rPr lang="en-US" altLang="ko-KR" sz="1200" b="1" dirty="0">
                 <a:gradFill>
                   <a:gsLst>
                     <a:gs pos="0">
@@ -15496,21 +15093,21 @@
                 <a:gridCol w="476134">
                   <a:extLst>
                     <a:ext uri="{9D8B030D-6E8A-4147-A177-3AD203B41FA5}">
-                      <a16:colId xmlns:a16="http://schemas.microsoft.com/office/drawing/2014/main" xmlns="" val="2761022191"/>
+                      <a16:colId xmlns:a16="http://schemas.microsoft.com/office/drawing/2014/main" val="2761022191"/>
                     </a:ext>
                   </a:extLst>
                 </a:gridCol>
                 <a:gridCol w="1058077">
                   <a:extLst>
                     <a:ext uri="{9D8B030D-6E8A-4147-A177-3AD203B41FA5}">
-                      <a16:colId xmlns:a16="http://schemas.microsoft.com/office/drawing/2014/main" xmlns="" val="3210732440"/>
+                      <a16:colId xmlns:a16="http://schemas.microsoft.com/office/drawing/2014/main" val="3210732440"/>
                     </a:ext>
                   </a:extLst>
                 </a:gridCol>
                 <a:gridCol w="1058077">
                   <a:extLst>
                     <a:ext uri="{9D8B030D-6E8A-4147-A177-3AD203B41FA5}">
-                      <a16:colId xmlns:a16="http://schemas.microsoft.com/office/drawing/2014/main" xmlns="" val="1462898501"/>
+                      <a16:colId xmlns:a16="http://schemas.microsoft.com/office/drawing/2014/main" val="1462898501"/>
                     </a:ext>
                   </a:extLst>
                 </a:gridCol>
@@ -15522,7 +15119,7 @@
                     <a:lstStyle/>
                     <a:p>
                       <a:pPr algn="ctr" latinLnBrk="1"/>
-                      <a:endParaRPr kumimoji="1" lang="ko-KR" altLang="en-US" sz="1200" b="1" kern="1200" dirty="0" smtClean="0">
+                      <a:endParaRPr kumimoji="1" lang="ko-KR" altLang="en-US" sz="1200" b="1" kern="1200" dirty="0">
                         <a:gradFill>
                           <a:gsLst>
                             <a:gs pos="0">
@@ -15589,7 +15186,7 @@
                     <a:p>
                       <a:pPr algn="ctr" latinLnBrk="1"/>
                       <a:r>
-                        <a:rPr kumimoji="1" lang="en-US" altLang="ko-KR" sz="1200" b="1" kern="1200" dirty="0" smtClean="0">
+                        <a:rPr kumimoji="1" lang="en-US" altLang="ko-KR" sz="1200" b="1" kern="1200" dirty="0">
                           <a:gradFill>
                             <a:gsLst>
                               <a:gs pos="0">
@@ -15607,7 +15204,7 @@
                         </a:rPr>
                         <a:t>Input(X)</a:t>
                       </a:r>
-                      <a:endParaRPr kumimoji="1" lang="ko-KR" altLang="en-US" sz="1200" b="1" kern="1200" dirty="0" smtClean="0">
+                      <a:endParaRPr kumimoji="1" lang="ko-KR" altLang="en-US" sz="1200" b="1" kern="1200" dirty="0">
                         <a:gradFill>
                           <a:gsLst>
                             <a:gs pos="0">
@@ -15674,7 +15271,7 @@
                     <a:p>
                       <a:pPr algn="ctr" latinLnBrk="1"/>
                       <a:r>
-                        <a:rPr kumimoji="1" lang="en-US" altLang="ko-KR" sz="1200" b="1" kern="1200" dirty="0" smtClean="0">
+                        <a:rPr kumimoji="1" lang="en-US" altLang="ko-KR" sz="1200" b="1" kern="1200" dirty="0">
                           <a:gradFill>
                             <a:gsLst>
                               <a:gs pos="0">
@@ -15692,7 +15289,7 @@
                         </a:rPr>
                         <a:t>Output(Y)</a:t>
                       </a:r>
-                      <a:endParaRPr kumimoji="1" lang="ko-KR" altLang="en-US" sz="1200" b="1" kern="1200" dirty="0" smtClean="0">
+                      <a:endParaRPr kumimoji="1" lang="ko-KR" altLang="en-US" sz="1200" b="1" kern="1200" dirty="0">
                         <a:gradFill>
                           <a:gsLst>
                             <a:gs pos="0">
@@ -15754,7 +15351,7 @@
                 </a:tc>
                 <a:extLst>
                   <a:ext uri="{0D108BD9-81ED-4DB2-BD59-A6C34878D82A}">
-                    <a16:rowId xmlns:a16="http://schemas.microsoft.com/office/drawing/2014/main" xmlns="" val="4184988429"/>
+                    <a16:rowId xmlns:a16="http://schemas.microsoft.com/office/drawing/2014/main" val="4184988429"/>
                   </a:ext>
                 </a:extLst>
               </a:tr>
@@ -15766,7 +15363,7 @@
                     <a:p>
                       <a:pPr algn="ctr" latinLnBrk="1"/>
                       <a:r>
-                        <a:rPr kumimoji="1" lang="en-US" altLang="ko-KR" sz="1200" b="1" kern="1200" dirty="0" smtClean="0">
+                        <a:rPr kumimoji="1" lang="en-US" altLang="ko-KR" sz="1200" b="1" kern="1200" dirty="0">
                           <a:gradFill>
                             <a:gsLst>
                               <a:gs pos="0">
@@ -15784,7 +15381,7 @@
                         </a:rPr>
                         <a:t>0</a:t>
                       </a:r>
-                      <a:endParaRPr kumimoji="1" lang="ko-KR" altLang="en-US" sz="1200" b="1" kern="1200" dirty="0" smtClean="0">
+                      <a:endParaRPr kumimoji="1" lang="ko-KR" altLang="en-US" sz="1200" b="1" kern="1200" dirty="0">
                         <a:gradFill>
                           <a:gsLst>
                             <a:gs pos="0">
@@ -15851,7 +15448,7 @@
                     <a:p>
                       <a:pPr algn="ctr" latinLnBrk="1"/>
                       <a:r>
-                        <a:rPr kumimoji="1" lang="en-US" altLang="ko-KR" sz="1200" b="1" kern="1200" dirty="0" smtClean="0">
+                        <a:rPr kumimoji="1" lang="en-US" altLang="ko-KR" sz="1200" b="1" kern="1200" dirty="0">
                           <a:solidFill>
                             <a:srgbClr val="FF0000"/>
                           </a:solidFill>
@@ -15861,7 +15458,7 @@
                         </a:rPr>
                         <a:t>X1</a:t>
                       </a:r>
-                      <a:endParaRPr kumimoji="1" lang="ko-KR" altLang="en-US" sz="1200" b="1" kern="1200" dirty="0" smtClean="0">
+                      <a:endParaRPr kumimoji="1" lang="ko-KR" altLang="en-US" sz="1200" b="1" kern="1200" dirty="0">
                         <a:solidFill>
                           <a:srgbClr val="FF0000"/>
                         </a:solidFill>
@@ -15920,7 +15517,7 @@
                     <a:p>
                       <a:pPr algn="ctr" latinLnBrk="1"/>
                       <a:r>
-                        <a:rPr kumimoji="1" lang="en-US" altLang="ko-KR" sz="1200" b="1" kern="1200" dirty="0" smtClean="0">
+                        <a:rPr kumimoji="1" lang="en-US" altLang="ko-KR" sz="1200" b="1" kern="1200" dirty="0">
                           <a:solidFill>
                             <a:srgbClr val="1B6AD3"/>
                           </a:solidFill>
@@ -15930,7 +15527,7 @@
                         </a:rPr>
                         <a:t>Y1</a:t>
                       </a:r>
-                      <a:endParaRPr kumimoji="1" lang="ko-KR" altLang="en-US" sz="1200" b="1" kern="1200" dirty="0" smtClean="0">
+                      <a:endParaRPr kumimoji="1" lang="ko-KR" altLang="en-US" sz="1200" b="1" kern="1200" dirty="0">
                         <a:solidFill>
                           <a:srgbClr val="1B6AD3"/>
                         </a:solidFill>
@@ -15984,7 +15581,7 @@
                 </a:tc>
                 <a:extLst>
                   <a:ext uri="{0D108BD9-81ED-4DB2-BD59-A6C34878D82A}">
-                    <a16:rowId xmlns:a16="http://schemas.microsoft.com/office/drawing/2014/main" xmlns="" val="1335175730"/>
+                    <a16:rowId xmlns:a16="http://schemas.microsoft.com/office/drawing/2014/main" val="1335175730"/>
                   </a:ext>
                 </a:extLst>
               </a:tr>
@@ -15996,7 +15593,7 @@
                     <a:p>
                       <a:pPr algn="ctr" latinLnBrk="1"/>
                       <a:r>
-                        <a:rPr kumimoji="1" lang="en-US" altLang="ko-KR" sz="1200" b="1" kern="1200" dirty="0" smtClean="0">
+                        <a:rPr kumimoji="1" lang="en-US" altLang="ko-KR" sz="1200" b="1" kern="1200" dirty="0">
                           <a:gradFill>
                             <a:gsLst>
                               <a:gs pos="0">
@@ -16014,7 +15611,7 @@
                         </a:rPr>
                         <a:t>1</a:t>
                       </a:r>
-                      <a:endParaRPr kumimoji="1" lang="ko-KR" altLang="en-US" sz="1200" b="1" kern="1200" dirty="0" smtClean="0">
+                      <a:endParaRPr kumimoji="1" lang="ko-KR" altLang="en-US" sz="1200" b="1" kern="1200" dirty="0">
                         <a:gradFill>
                           <a:gsLst>
                             <a:gs pos="0">
@@ -16097,7 +15694,7 @@
                         <a:defRPr/>
                       </a:pPr>
                       <a:r>
-                        <a:rPr kumimoji="1" lang="en-US" altLang="ko-KR" sz="1200" b="1" kern="1200" dirty="0" smtClean="0">
+                        <a:rPr kumimoji="1" lang="en-US" altLang="ko-KR" sz="1200" b="1" kern="1200" dirty="0">
                           <a:solidFill>
                             <a:srgbClr val="FF0000"/>
                           </a:solidFill>
@@ -16107,7 +15704,7 @@
                         </a:rPr>
                         <a:t>X2</a:t>
                       </a:r>
-                      <a:endParaRPr kumimoji="1" lang="ko-KR" altLang="en-US" sz="1200" b="1" kern="1200" dirty="0" smtClean="0">
+                      <a:endParaRPr kumimoji="1" lang="ko-KR" altLang="en-US" sz="1200" b="1" kern="1200" dirty="0">
                         <a:solidFill>
                           <a:srgbClr val="FF0000"/>
                         </a:solidFill>
@@ -16166,7 +15763,7 @@
                     <a:p>
                       <a:pPr algn="ctr" latinLnBrk="1"/>
                       <a:r>
-                        <a:rPr kumimoji="1" lang="en-US" altLang="ko-KR" sz="1200" b="1" kern="1200" dirty="0" smtClean="0">
+                        <a:rPr kumimoji="1" lang="en-US" altLang="ko-KR" sz="1200" b="1" kern="1200" dirty="0">
                           <a:solidFill>
                             <a:srgbClr val="1B6AD3"/>
                           </a:solidFill>
@@ -16176,7 +15773,7 @@
                         </a:rPr>
                         <a:t>Y2</a:t>
                       </a:r>
-                      <a:endParaRPr kumimoji="1" lang="ko-KR" altLang="en-US" sz="1200" b="1" kern="1200" dirty="0" smtClean="0">
+                      <a:endParaRPr kumimoji="1" lang="ko-KR" altLang="en-US" sz="1200" b="1" kern="1200" dirty="0">
                         <a:gradFill>
                           <a:gsLst>
                             <a:gs pos="0">
@@ -16238,7 +15835,7 @@
                 </a:tc>
                 <a:extLst>
                   <a:ext uri="{0D108BD9-81ED-4DB2-BD59-A6C34878D82A}">
-                    <a16:rowId xmlns:a16="http://schemas.microsoft.com/office/drawing/2014/main" xmlns="" val="2535529686"/>
+                    <a16:rowId xmlns:a16="http://schemas.microsoft.com/office/drawing/2014/main" val="2535529686"/>
                   </a:ext>
                 </a:extLst>
               </a:tr>
@@ -16250,7 +15847,7 @@
                     <a:p>
                       <a:pPr algn="ctr" latinLnBrk="1"/>
                       <a:r>
-                        <a:rPr kumimoji="1" lang="en-US" altLang="ko-KR" sz="1200" b="1" kern="1200" dirty="0" smtClean="0">
+                        <a:rPr kumimoji="1" lang="en-US" altLang="ko-KR" sz="1200" b="1" kern="1200" dirty="0">
                           <a:gradFill>
                             <a:gsLst>
                               <a:gs pos="0">
@@ -16268,7 +15865,7 @@
                         </a:rPr>
                         <a:t>2</a:t>
                       </a:r>
-                      <a:endParaRPr kumimoji="1" lang="ko-KR" altLang="en-US" sz="1200" b="1" kern="1200" dirty="0" smtClean="0">
+                      <a:endParaRPr kumimoji="1" lang="ko-KR" altLang="en-US" sz="1200" b="1" kern="1200" dirty="0">
                         <a:gradFill>
                           <a:gsLst>
                             <a:gs pos="0">
@@ -16351,7 +15948,7 @@
                         <a:defRPr/>
                       </a:pPr>
                       <a:r>
-                        <a:rPr kumimoji="1" lang="en-US" altLang="ko-KR" sz="1200" b="1" kern="1200" dirty="0" smtClean="0">
+                        <a:rPr kumimoji="1" lang="en-US" altLang="ko-KR" sz="1200" b="1" kern="1200" dirty="0">
                           <a:solidFill>
                             <a:srgbClr val="FF0000"/>
                           </a:solidFill>
@@ -16361,7 +15958,7 @@
                         </a:rPr>
                         <a:t>X3</a:t>
                       </a:r>
-                      <a:endParaRPr kumimoji="1" lang="ko-KR" altLang="en-US" sz="1200" b="1" kern="1200" dirty="0" smtClean="0">
+                      <a:endParaRPr kumimoji="1" lang="ko-KR" altLang="en-US" sz="1200" b="1" kern="1200" dirty="0">
                         <a:solidFill>
                           <a:srgbClr val="FF0000"/>
                         </a:solidFill>
@@ -16420,7 +16017,7 @@
                     <a:p>
                       <a:pPr algn="ctr" latinLnBrk="1"/>
                       <a:r>
-                        <a:rPr kumimoji="1" lang="en-US" altLang="ko-KR" sz="1200" b="1" kern="1200" dirty="0" smtClean="0">
+                        <a:rPr kumimoji="1" lang="en-US" altLang="ko-KR" sz="1200" b="1" kern="1200" dirty="0">
                           <a:solidFill>
                             <a:srgbClr val="1B6AD3"/>
                           </a:solidFill>
@@ -16430,7 +16027,7 @@
                         </a:rPr>
                         <a:t>Y3</a:t>
                       </a:r>
-                      <a:endParaRPr kumimoji="1" lang="ko-KR" altLang="en-US" sz="1200" b="1" kern="1200" dirty="0" smtClean="0">
+                      <a:endParaRPr kumimoji="1" lang="ko-KR" altLang="en-US" sz="1200" b="1" kern="1200" dirty="0">
                         <a:gradFill>
                           <a:gsLst>
                             <a:gs pos="0">
@@ -16492,7 +16089,7 @@
                 </a:tc>
                 <a:extLst>
                   <a:ext uri="{0D108BD9-81ED-4DB2-BD59-A6C34878D82A}">
-                    <a16:rowId xmlns:a16="http://schemas.microsoft.com/office/drawing/2014/main" xmlns="" val="604671130"/>
+                    <a16:rowId xmlns:a16="http://schemas.microsoft.com/office/drawing/2014/main" val="604671130"/>
                   </a:ext>
                 </a:extLst>
               </a:tr>
@@ -16504,7 +16101,7 @@
                     <a:p>
                       <a:pPr algn="ctr" latinLnBrk="1"/>
                       <a:r>
-                        <a:rPr kumimoji="1" lang="en-US" altLang="ko-KR" sz="1200" b="1" kern="1200" dirty="0" smtClean="0">
+                        <a:rPr kumimoji="1" lang="en-US" altLang="ko-KR" sz="1200" b="1" kern="1200" dirty="0">
                           <a:gradFill>
                             <a:gsLst>
                               <a:gs pos="0">
@@ -16522,7 +16119,7 @@
                         </a:rPr>
                         <a:t>3</a:t>
                       </a:r>
-                      <a:endParaRPr kumimoji="1" lang="ko-KR" altLang="en-US" sz="1200" b="1" kern="1200" dirty="0" smtClean="0">
+                      <a:endParaRPr kumimoji="1" lang="ko-KR" altLang="en-US" sz="1200" b="1" kern="1200" dirty="0">
                         <a:gradFill>
                           <a:gsLst>
                             <a:gs pos="0">
@@ -16604,7 +16201,7 @@
                         <a:tabLst/>
                         <a:defRPr/>
                       </a:pPr>
-                      <a:endParaRPr kumimoji="1" lang="ko-KR" altLang="en-US" sz="1200" b="1" kern="1200" dirty="0" smtClean="0">
+                      <a:endParaRPr kumimoji="1" lang="ko-KR" altLang="en-US" sz="1200" b="1" kern="1200" dirty="0">
                         <a:solidFill>
                           <a:srgbClr val="FF0000"/>
                         </a:solidFill>
@@ -16662,7 +16259,7 @@
                     <a:lstStyle/>
                     <a:p>
                       <a:pPr algn="ctr" latinLnBrk="1"/>
-                      <a:endParaRPr kumimoji="1" lang="ko-KR" altLang="en-US" sz="1200" b="1" kern="1200" dirty="0" smtClean="0">
+                      <a:endParaRPr kumimoji="1" lang="ko-KR" altLang="en-US" sz="1200" b="1" kern="1200" dirty="0">
                         <a:gradFill>
                           <a:gsLst>
                             <a:gs pos="0">
@@ -16724,7 +16321,7 @@
                 </a:tc>
                 <a:extLst>
                   <a:ext uri="{0D108BD9-81ED-4DB2-BD59-A6C34878D82A}">
-                    <a16:rowId xmlns:a16="http://schemas.microsoft.com/office/drawing/2014/main" xmlns="" val="1932974646"/>
+                    <a16:rowId xmlns:a16="http://schemas.microsoft.com/office/drawing/2014/main" val="1932974646"/>
                   </a:ext>
                 </a:extLst>
               </a:tr>
@@ -16735,7 +16332,7 @@
                     <a:lstStyle/>
                     <a:p>
                       <a:pPr algn="ctr" latinLnBrk="1"/>
-                      <a:endParaRPr kumimoji="1" lang="ko-KR" altLang="en-US" sz="1200" b="1" kern="1200" dirty="0" smtClean="0">
+                      <a:endParaRPr kumimoji="1" lang="ko-KR" altLang="en-US" sz="1200" b="1" kern="1200" dirty="0">
                         <a:gradFill>
                           <a:gsLst>
                             <a:gs pos="0">
@@ -16801,7 +16398,7 @@
                     <a:lstStyle/>
                     <a:p>
                       <a:pPr algn="ctr" latinLnBrk="1"/>
-                      <a:endParaRPr kumimoji="1" lang="ko-KR" altLang="en-US" sz="1200" b="1" kern="1200" dirty="0" smtClean="0">
+                      <a:endParaRPr kumimoji="1" lang="ko-KR" altLang="en-US" sz="1200" b="1" kern="1200" dirty="0">
                         <a:gradFill>
                           <a:gsLst>
                             <a:gs pos="0">
@@ -16867,7 +16464,7 @@
                     <a:lstStyle/>
                     <a:p>
                       <a:pPr algn="ctr" latinLnBrk="1"/>
-                      <a:endParaRPr kumimoji="1" lang="ko-KR" altLang="en-US" sz="1200" b="1" kern="1200" dirty="0" smtClean="0">
+                      <a:endParaRPr kumimoji="1" lang="ko-KR" altLang="en-US" sz="1200" b="1" kern="1200" dirty="0">
                         <a:gradFill>
                           <a:gsLst>
                             <a:gs pos="0">
@@ -16929,7 +16526,7 @@
                 </a:tc>
                 <a:extLst>
                   <a:ext uri="{0D108BD9-81ED-4DB2-BD59-A6C34878D82A}">
-                    <a16:rowId xmlns:a16="http://schemas.microsoft.com/office/drawing/2014/main" xmlns="" val="1077212734"/>
+                    <a16:rowId xmlns:a16="http://schemas.microsoft.com/office/drawing/2014/main" val="1077212734"/>
                   </a:ext>
                 </a:extLst>
               </a:tr>
@@ -16940,7 +16537,7 @@
                     <a:lstStyle/>
                     <a:p>
                       <a:pPr algn="ctr" latinLnBrk="1"/>
-                      <a:endParaRPr kumimoji="1" lang="ko-KR" altLang="en-US" sz="1200" b="1" kern="1200" dirty="0" smtClean="0">
+                      <a:endParaRPr kumimoji="1" lang="ko-KR" altLang="en-US" sz="1200" b="1" kern="1200" dirty="0">
                         <a:gradFill>
                           <a:gsLst>
                             <a:gs pos="0">
@@ -17006,7 +16603,7 @@
                     <a:lstStyle/>
                     <a:p>
                       <a:pPr algn="ctr" latinLnBrk="1"/>
-                      <a:endParaRPr kumimoji="1" lang="ko-KR" altLang="en-US" sz="1200" b="1" kern="1200" dirty="0" smtClean="0">
+                      <a:endParaRPr kumimoji="1" lang="ko-KR" altLang="en-US" sz="1200" b="1" kern="1200" dirty="0">
                         <a:gradFill>
                           <a:gsLst>
                             <a:gs pos="0">
@@ -17072,7 +16669,7 @@
                     <a:lstStyle/>
                     <a:p>
                       <a:pPr algn="ctr" latinLnBrk="1"/>
-                      <a:endParaRPr kumimoji="1" lang="ko-KR" altLang="en-US" sz="1200" b="1" kern="1200" dirty="0" smtClean="0">
+                      <a:endParaRPr kumimoji="1" lang="ko-KR" altLang="en-US" sz="1200" b="1" kern="1200" dirty="0">
                         <a:gradFill>
                           <a:gsLst>
                             <a:gs pos="0">
@@ -17134,7 +16731,7 @@
                 </a:tc>
                 <a:extLst>
                   <a:ext uri="{0D108BD9-81ED-4DB2-BD59-A6C34878D82A}">
-                    <a16:rowId xmlns:a16="http://schemas.microsoft.com/office/drawing/2014/main" xmlns="" val="1320919402"/>
+                    <a16:rowId xmlns:a16="http://schemas.microsoft.com/office/drawing/2014/main" val="1320919402"/>
                   </a:ext>
                 </a:extLst>
               </a:tr>
@@ -17145,7 +16742,7 @@
                     <a:lstStyle/>
                     <a:p>
                       <a:pPr algn="ctr" latinLnBrk="1"/>
-                      <a:endParaRPr kumimoji="1" lang="ko-KR" altLang="en-US" sz="1200" b="1" kern="1200" dirty="0" smtClean="0">
+                      <a:endParaRPr kumimoji="1" lang="ko-KR" altLang="en-US" sz="1200" b="1" kern="1200" dirty="0">
                         <a:gradFill>
                           <a:gsLst>
                             <a:gs pos="0">
@@ -17211,7 +16808,7 @@
                     <a:lstStyle/>
                     <a:p>
                       <a:pPr algn="ctr" latinLnBrk="1"/>
-                      <a:endParaRPr kumimoji="1" lang="ko-KR" altLang="en-US" sz="1200" b="1" kern="1200" dirty="0" smtClean="0">
+                      <a:endParaRPr kumimoji="1" lang="ko-KR" altLang="en-US" sz="1200" b="1" kern="1200" dirty="0">
                         <a:gradFill>
                           <a:gsLst>
                             <a:gs pos="0">
@@ -17277,7 +16874,7 @@
                     <a:lstStyle/>
                     <a:p>
                       <a:pPr algn="ctr" latinLnBrk="1"/>
-                      <a:endParaRPr kumimoji="1" lang="ko-KR" altLang="en-US" sz="1200" b="1" kern="1200" dirty="0" smtClean="0">
+                      <a:endParaRPr kumimoji="1" lang="ko-KR" altLang="en-US" sz="1200" b="1" kern="1200" dirty="0">
                         <a:gradFill>
                           <a:gsLst>
                             <a:gs pos="0">
@@ -17339,7 +16936,7 @@
                 </a:tc>
                 <a:extLst>
                   <a:ext uri="{0D108BD9-81ED-4DB2-BD59-A6C34878D82A}">
-                    <a16:rowId xmlns:a16="http://schemas.microsoft.com/office/drawing/2014/main" xmlns="" val="2981177735"/>
+                    <a16:rowId xmlns:a16="http://schemas.microsoft.com/office/drawing/2014/main" val="2981177735"/>
                   </a:ext>
                 </a:extLst>
               </a:tr>
@@ -17411,7 +17008,7 @@
                 <a:buNone/>
                 <a:tabLst/>
               </a:pPr>
-              <a:endParaRPr kumimoji="1" lang="ko-KR" altLang="en-US" sz="1800" b="0" i="0" u="none" strike="noStrike" cap="none" normalizeH="0" baseline="0" dirty="0" smtClean="0">
+              <a:endParaRPr kumimoji="1" lang="ko-KR" altLang="en-US" sz="1800" b="0" i="0" u="none" strike="noStrike" cap="none" normalizeH="0" baseline="0" dirty="0">
                 <a:ln>
                   <a:noFill/>
                 </a:ln>
@@ -17475,7 +17072,7 @@
                 <a:buNone/>
                 <a:tabLst/>
               </a:pPr>
-              <a:endParaRPr kumimoji="1" lang="ko-KR" altLang="en-US" sz="1800" b="0" i="0" u="none" strike="noStrike" cap="none" normalizeH="0" baseline="0" smtClean="0">
+              <a:endParaRPr kumimoji="1" lang="ko-KR" altLang="en-US" sz="1800" b="0" i="0" u="none" strike="noStrike" cap="none" normalizeH="0" baseline="0">
                 <a:ln>
                   <a:noFill/>
                 </a:ln>
@@ -17511,7 +17108,7 @@
             <a:lstStyle/>
             <a:p>
               <a:r>
-                <a:rPr lang="en-US" altLang="ko-KR" sz="800" b="1" dirty="0" smtClean="0">
+                <a:rPr lang="en-US" altLang="ko-KR" sz="800" b="1" dirty="0">
                   <a:solidFill>
                     <a:srgbClr val="FF0000"/>
                   </a:solidFill>
@@ -17552,7 +17149,7 @@
             <a:lstStyle/>
             <a:p>
               <a:r>
-                <a:rPr lang="en-US" altLang="ko-KR" sz="800" b="1" dirty="0" smtClean="0">
+                <a:rPr lang="en-US" altLang="ko-KR" sz="800" b="1" dirty="0">
                   <a:solidFill>
                     <a:srgbClr val="1B6AD3"/>
                   </a:solidFill>
@@ -17582,13 +17179,6 @@
   <p:clrMapOvr>
     <a:masterClrMapping/>
   </p:clrMapOvr>
-  <p:timing>
-    <p:tnLst>
-      <p:par>
-        <p:cTn id="1" dur="indefinite" restart="never" nodeType="tmRoot"/>
-      </p:par>
-    </p:tnLst>
-  </p:timing>
 </p:sld>
 </file>
 
@@ -17899,7 +17489,7 @@
               <a:defRPr/>
             </a:pPr>
             <a:r>
-              <a:rPr lang="ko-KR" altLang="en-US" sz="2000" b="1" dirty="0" smtClean="0">
+              <a:rPr lang="ko-KR" altLang="en-US" sz="2000" b="1" dirty="0">
                 <a:gradFill>
                   <a:gsLst>
                     <a:gs pos="0">
@@ -18126,41 +17716,41 @@
               <a:buNone/>
             </a:pPr>
             <a:r>
-              <a:rPr lang="en-US" altLang="ko-KR" sz="2800" kern="0" dirty="0" smtClean="0">
+              <a:rPr lang="en-US" altLang="ko-KR" sz="2800" kern="0" dirty="0">
                 <a:latin typeface="나눔고딕 ExtraBold" panose="020D0904000000000000" pitchFamily="50" charset="-127"/>
                 <a:ea typeface="나눔고딕 ExtraBold" panose="020D0904000000000000" pitchFamily="50" charset="-127"/>
               </a:rPr>
               <a:t>1. </a:t>
             </a:r>
             <a:r>
-              <a:rPr lang="ko-KR" altLang="en-US" sz="2800" kern="0" dirty="0" smtClean="0">
+              <a:rPr lang="ko-KR" altLang="en-US" sz="2800" kern="0" dirty="0">
                 <a:latin typeface="나눔고딕 ExtraBold" panose="020D0904000000000000" pitchFamily="50" charset="-127"/>
                 <a:ea typeface="나눔고딕 ExtraBold" panose="020D0904000000000000" pitchFamily="50" charset="-127"/>
               </a:rPr>
               <a:t>데이터 전처리</a:t>
             </a:r>
             <a:r>
-              <a:rPr lang="en-US" altLang="ko-KR" sz="2800" kern="0" dirty="0" smtClean="0">
+              <a:rPr lang="en-US" altLang="ko-KR" sz="2800" kern="0" dirty="0">
                 <a:latin typeface="나눔고딕 ExtraBold" panose="020D0904000000000000" pitchFamily="50" charset="-127"/>
                 <a:ea typeface="나눔고딕 ExtraBold" panose="020D0904000000000000" pitchFamily="50" charset="-127"/>
               </a:rPr>
               <a:t>(</a:t>
             </a:r>
             <a:r>
-              <a:rPr lang="ko-KR" altLang="en-US" sz="2800" kern="0" dirty="0" smtClean="0">
+              <a:rPr lang="ko-KR" altLang="en-US" sz="2800" kern="0" dirty="0">
                 <a:latin typeface="나눔고딕 ExtraBold" panose="020D0904000000000000" pitchFamily="50" charset="-127"/>
                 <a:ea typeface="나눔고딕 ExtraBold" panose="020D0904000000000000" pitchFamily="50" charset="-127"/>
               </a:rPr>
               <a:t>예측</a:t>
             </a:r>
             <a:r>
-              <a:rPr lang="en-US" altLang="ko-KR" sz="2800" kern="0" dirty="0" smtClean="0">
+              <a:rPr lang="en-US" altLang="ko-KR" sz="2800" kern="0" dirty="0">
                 <a:latin typeface="나눔고딕 ExtraBold" panose="020D0904000000000000" pitchFamily="50" charset="-127"/>
                 <a:ea typeface="나눔고딕 ExtraBold" panose="020D0904000000000000" pitchFamily="50" charset="-127"/>
               </a:rPr>
               <a:t>) </a:t>
             </a:r>
-            <a:endParaRPr lang="ko-KR" altLang="en-US" sz="2800" kern="0" dirty="0" smtClean="0">
+            <a:endParaRPr lang="ko-KR" altLang="en-US" sz="2800" kern="0" dirty="0">
               <a:latin typeface="나눔고딕 ExtraBold" panose="020D0904000000000000" pitchFamily="50" charset="-127"/>
               <a:ea typeface="나눔고딕 ExtraBold" panose="020D0904000000000000" pitchFamily="50" charset="-127"/>
             </a:endParaRPr>
@@ -18481,7 +18071,7 @@
               <a:defRPr/>
             </a:pPr>
             <a:r>
-              <a:rPr lang="en-US" altLang="ko-KR" sz="1400" b="1" dirty="0" smtClean="0">
+              <a:rPr lang="en-US" altLang="ko-KR" sz="1400" b="1" dirty="0">
                 <a:gradFill>
                   <a:gsLst>
                     <a:gs pos="0">
@@ -18499,7 +18089,7 @@
               <a:t>2. Input data, output data </a:t>
             </a:r>
             <a:r>
-              <a:rPr lang="ko-KR" altLang="en-US" sz="1400" b="1" dirty="0" smtClean="0">
+              <a:rPr lang="ko-KR" altLang="en-US" sz="1400" b="1" dirty="0">
                 <a:gradFill>
                   <a:gsLst>
                     <a:gs pos="0">
@@ -18516,7 +18106,7 @@
               </a:rPr>
               <a:t>설정</a:t>
             </a:r>
-            <a:endParaRPr lang="en-US" altLang="ko-KR" sz="1400" b="1" dirty="0" smtClean="0">
+            <a:endParaRPr lang="en-US" altLang="ko-KR" sz="1400" b="1" dirty="0">
               <a:gradFill>
                 <a:gsLst>
                   <a:gs pos="0">
@@ -18555,28 +18145,10 @@
                 <a:latin typeface="나눔고딕" panose="020D0604000000000000" pitchFamily="50" charset="-127"/>
                 <a:ea typeface="나눔고딕 ExtraBold"/>
               </a:rPr>
-              <a:t> </a:t>
+              <a:t>     input data : </a:t>
             </a:r>
             <a:r>
-              <a:rPr lang="en-US" sz="1200" b="1" dirty="0" smtClean="0">
-                <a:gradFill>
-                  <a:gsLst>
-                    <a:gs pos="0">
-                      <a:srgbClr val="404040"/>
-                    </a:gs>
-                    <a:gs pos="100000">
-                      <a:srgbClr val="404040"/>
-                    </a:gs>
-                  </a:gsLst>
-                  <a:lin ang="5400000" scaled="0"/>
-                </a:gradFill>
-                <a:latin typeface="나눔고딕" panose="020D0604000000000000" pitchFamily="50" charset="-127"/>
-                <a:ea typeface="나눔고딕 ExtraBold"/>
-              </a:rPr>
-              <a:t>    input data : </a:t>
-            </a:r>
-            <a:r>
-              <a:rPr lang="ko-KR" altLang="en-US" sz="1200" b="1" dirty="0" smtClean="0">
+              <a:rPr lang="ko-KR" altLang="en-US" sz="1200" b="1" dirty="0">
                 <a:gradFill>
                   <a:gsLst>
                     <a:gs pos="0">
@@ -18594,7 +18166,7 @@
               <a:t>입력으로 사용될 </a:t>
             </a:r>
             <a:r>
-              <a:rPr lang="en-US" altLang="ko-KR" sz="1200" b="1" dirty="0" smtClean="0">
+              <a:rPr lang="en-US" altLang="ko-KR" sz="1200" b="1" dirty="0">
                 <a:gradFill>
                   <a:gsLst>
                     <a:gs pos="0">
@@ -18635,28 +18207,10 @@
                 <a:latin typeface="나눔고딕" panose="020D0604000000000000" pitchFamily="50" charset="-127"/>
                 <a:ea typeface="나눔고딕 ExtraBold"/>
               </a:rPr>
-              <a:t> </a:t>
+              <a:t>     output data : </a:t>
             </a:r>
             <a:r>
-              <a:rPr lang="en-US" sz="1200" b="1" dirty="0" smtClean="0">
-                <a:gradFill>
-                  <a:gsLst>
-                    <a:gs pos="0">
-                      <a:srgbClr val="404040"/>
-                    </a:gs>
-                    <a:gs pos="100000">
-                      <a:srgbClr val="404040"/>
-                    </a:gs>
-                  </a:gsLst>
-                  <a:lin ang="5400000" scaled="0"/>
-                </a:gradFill>
-                <a:latin typeface="나눔고딕" panose="020D0604000000000000" pitchFamily="50" charset="-127"/>
-                <a:ea typeface="나눔고딕 ExtraBold"/>
-              </a:rPr>
-              <a:t>    output data : </a:t>
-            </a:r>
-            <a:r>
-              <a:rPr lang="ko-KR" altLang="en-US" sz="1200" b="1" dirty="0" smtClean="0">
+              <a:rPr lang="ko-KR" altLang="en-US" sz="1200" b="1" dirty="0">
                 <a:gradFill>
                   <a:gsLst>
                     <a:gs pos="0">
@@ -18674,7 +18228,7 @@
               <a:t>출력</a:t>
             </a:r>
             <a:r>
-              <a:rPr lang="en-US" altLang="ko-KR" sz="1200" b="1" dirty="0" smtClean="0">
+              <a:rPr lang="en-US" altLang="ko-KR" sz="1200" b="1" dirty="0">
                 <a:gradFill>
                   <a:gsLst>
                     <a:gs pos="0">
@@ -18692,7 +18246,7 @@
               <a:t>(</a:t>
             </a:r>
             <a:r>
-              <a:rPr lang="ko-KR" altLang="en-US" sz="1200" b="1" dirty="0" smtClean="0">
+              <a:rPr lang="ko-KR" altLang="en-US" sz="1200" b="1" dirty="0">
                 <a:gradFill>
                   <a:gsLst>
                     <a:gs pos="0">
@@ -18710,7 +18264,7 @@
               <a:t>타겟</a:t>
             </a:r>
             <a:r>
-              <a:rPr lang="en-US" altLang="ko-KR" sz="1200" b="1" dirty="0" smtClean="0">
+              <a:rPr lang="en-US" altLang="ko-KR" sz="1200" b="1" dirty="0">
                 <a:gradFill>
                   <a:gsLst>
                     <a:gs pos="0">
@@ -18728,7 +18282,7 @@
               <a:t>)</a:t>
             </a:r>
             <a:r>
-              <a:rPr lang="ko-KR" altLang="en-US" sz="1200" b="1" dirty="0" smtClean="0">
+              <a:rPr lang="ko-KR" altLang="en-US" sz="1200" b="1" dirty="0">
                 <a:gradFill>
                   <a:gsLst>
                     <a:gs pos="0">
@@ -18746,7 +18300,7 @@
               <a:t>으로 사용할 </a:t>
             </a:r>
             <a:r>
-              <a:rPr lang="en-US" altLang="ko-KR" sz="1200" b="1" dirty="0" smtClean="0">
+              <a:rPr lang="en-US" altLang="ko-KR" sz="1200" b="1" dirty="0">
                 <a:gradFill>
                   <a:gsLst>
                     <a:gs pos="0">
@@ -18809,21 +18363,21 @@
                 <a:gridCol w="555490">
                   <a:extLst>
                     <a:ext uri="{9D8B030D-6E8A-4147-A177-3AD203B41FA5}">
-                      <a16:colId xmlns:a16="http://schemas.microsoft.com/office/drawing/2014/main" xmlns="" val="2761022191"/>
+                      <a16:colId xmlns:a16="http://schemas.microsoft.com/office/drawing/2014/main" val="2761022191"/>
                     </a:ext>
                   </a:extLst>
                 </a:gridCol>
                 <a:gridCol w="1234423">
                   <a:extLst>
                     <a:ext uri="{9D8B030D-6E8A-4147-A177-3AD203B41FA5}">
-                      <a16:colId xmlns:a16="http://schemas.microsoft.com/office/drawing/2014/main" xmlns="" val="3210732440"/>
+                      <a16:colId xmlns:a16="http://schemas.microsoft.com/office/drawing/2014/main" val="3210732440"/>
                     </a:ext>
                   </a:extLst>
                 </a:gridCol>
                 <a:gridCol w="1234423">
                   <a:extLst>
                     <a:ext uri="{9D8B030D-6E8A-4147-A177-3AD203B41FA5}">
-                      <a16:colId xmlns:a16="http://schemas.microsoft.com/office/drawing/2014/main" xmlns="" val="1462898501"/>
+                      <a16:colId xmlns:a16="http://schemas.microsoft.com/office/drawing/2014/main" val="1462898501"/>
                     </a:ext>
                   </a:extLst>
                 </a:gridCol>
@@ -18835,7 +18389,7 @@
                     <a:lstStyle/>
                     <a:p>
                       <a:pPr algn="ctr" latinLnBrk="1"/>
-                      <a:endParaRPr kumimoji="1" lang="ko-KR" altLang="en-US" sz="1200" b="1" kern="1200" dirty="0" smtClean="0">
+                      <a:endParaRPr kumimoji="1" lang="ko-KR" altLang="en-US" sz="1200" b="1" kern="1200" dirty="0">
                         <a:gradFill>
                           <a:gsLst>
                             <a:gs pos="0">
@@ -18902,7 +18456,7 @@
                     <a:p>
                       <a:pPr algn="ctr" latinLnBrk="1"/>
                       <a:r>
-                        <a:rPr kumimoji="1" lang="en-US" altLang="ko-KR" sz="1200" b="1" kern="1200" dirty="0" smtClean="0">
+                        <a:rPr kumimoji="1" lang="en-US" altLang="ko-KR" sz="1200" b="1" kern="1200" dirty="0">
                           <a:gradFill>
                             <a:gsLst>
                               <a:gs pos="0">
@@ -18920,7 +18474,7 @@
                         </a:rPr>
                         <a:t>Input(X)</a:t>
                       </a:r>
-                      <a:endParaRPr kumimoji="1" lang="ko-KR" altLang="en-US" sz="1200" b="1" kern="1200" dirty="0" smtClean="0">
+                      <a:endParaRPr kumimoji="1" lang="ko-KR" altLang="en-US" sz="1200" b="1" kern="1200" dirty="0">
                         <a:gradFill>
                           <a:gsLst>
                             <a:gs pos="0">
@@ -18987,7 +18541,7 @@
                     <a:p>
                       <a:pPr algn="ctr" latinLnBrk="1"/>
                       <a:r>
-                        <a:rPr kumimoji="1" lang="en-US" altLang="ko-KR" sz="1200" b="1" kern="1200" dirty="0" smtClean="0">
+                        <a:rPr kumimoji="1" lang="en-US" altLang="ko-KR" sz="1200" b="1" kern="1200" dirty="0">
                           <a:gradFill>
                             <a:gsLst>
                               <a:gs pos="0">
@@ -19005,7 +18559,7 @@
                         </a:rPr>
                         <a:t>Output(Y)</a:t>
                       </a:r>
-                      <a:endParaRPr kumimoji="1" lang="ko-KR" altLang="en-US" sz="1200" b="1" kern="1200" dirty="0" smtClean="0">
+                      <a:endParaRPr kumimoji="1" lang="ko-KR" altLang="en-US" sz="1200" b="1" kern="1200" dirty="0">
                         <a:gradFill>
                           <a:gsLst>
                             <a:gs pos="0">
@@ -19067,7 +18621,7 @@
                 </a:tc>
                 <a:extLst>
                   <a:ext uri="{0D108BD9-81ED-4DB2-BD59-A6C34878D82A}">
-                    <a16:rowId xmlns:a16="http://schemas.microsoft.com/office/drawing/2014/main" xmlns="" val="4184988429"/>
+                    <a16:rowId xmlns:a16="http://schemas.microsoft.com/office/drawing/2014/main" val="4184988429"/>
                   </a:ext>
                 </a:extLst>
               </a:tr>
@@ -19079,7 +18633,7 @@
                     <a:p>
                       <a:pPr algn="ctr" latinLnBrk="1"/>
                       <a:r>
-                        <a:rPr kumimoji="1" lang="en-US" altLang="ko-KR" sz="1200" b="1" kern="1200" dirty="0" smtClean="0">
+                        <a:rPr kumimoji="1" lang="en-US" altLang="ko-KR" sz="1200" b="1" kern="1200" dirty="0">
                           <a:gradFill>
                             <a:gsLst>
                               <a:gs pos="0">
@@ -19097,7 +18651,7 @@
                         </a:rPr>
                         <a:t>0</a:t>
                       </a:r>
-                      <a:endParaRPr kumimoji="1" lang="ko-KR" altLang="en-US" sz="1200" b="1" kern="1200" dirty="0" smtClean="0">
+                      <a:endParaRPr kumimoji="1" lang="ko-KR" altLang="en-US" sz="1200" b="1" kern="1200" dirty="0">
                         <a:gradFill>
                           <a:gsLst>
                             <a:gs pos="0">
@@ -19164,7 +18718,7 @@
                     <a:p>
                       <a:pPr algn="ctr" latinLnBrk="1"/>
                       <a:r>
-                        <a:rPr kumimoji="1" lang="en-US" altLang="ko-KR" sz="1200" b="1" kern="1200" dirty="0" smtClean="0">
+                        <a:rPr kumimoji="1" lang="en-US" altLang="ko-KR" sz="1200" b="1" kern="1200" dirty="0">
                           <a:solidFill>
                             <a:srgbClr val="FF0000"/>
                           </a:solidFill>
@@ -19174,7 +18728,7 @@
                         </a:rPr>
                         <a:t>X1</a:t>
                       </a:r>
-                      <a:endParaRPr kumimoji="1" lang="ko-KR" altLang="en-US" sz="1200" b="1" kern="1200" dirty="0" smtClean="0">
+                      <a:endParaRPr kumimoji="1" lang="ko-KR" altLang="en-US" sz="1200" b="1" kern="1200" dirty="0">
                         <a:solidFill>
                           <a:srgbClr val="FF0000"/>
                         </a:solidFill>
@@ -19233,7 +18787,7 @@
                     <a:p>
                       <a:pPr algn="ctr" latinLnBrk="1"/>
                       <a:r>
-                        <a:rPr kumimoji="1" lang="en-US" altLang="ko-KR" sz="1200" b="1" kern="1200" dirty="0" smtClean="0">
+                        <a:rPr kumimoji="1" lang="en-US" altLang="ko-KR" sz="1200" b="1" kern="1200" dirty="0">
                           <a:solidFill>
                             <a:srgbClr val="1B6AD3"/>
                           </a:solidFill>
@@ -19243,7 +18797,7 @@
                         </a:rPr>
                         <a:t>Y1</a:t>
                       </a:r>
-                      <a:endParaRPr kumimoji="1" lang="ko-KR" altLang="en-US" sz="1200" b="1" kern="1200" dirty="0" smtClean="0">
+                      <a:endParaRPr kumimoji="1" lang="ko-KR" altLang="en-US" sz="1200" b="1" kern="1200" dirty="0">
                         <a:solidFill>
                           <a:srgbClr val="1B6AD3"/>
                         </a:solidFill>
@@ -19297,7 +18851,7 @@
                 </a:tc>
                 <a:extLst>
                   <a:ext uri="{0D108BD9-81ED-4DB2-BD59-A6C34878D82A}">
-                    <a16:rowId xmlns:a16="http://schemas.microsoft.com/office/drawing/2014/main" xmlns="" val="1335175730"/>
+                    <a16:rowId xmlns:a16="http://schemas.microsoft.com/office/drawing/2014/main" val="1335175730"/>
                   </a:ext>
                 </a:extLst>
               </a:tr>
@@ -19309,7 +18863,7 @@
                     <a:p>
                       <a:pPr algn="ctr" latinLnBrk="1"/>
                       <a:r>
-                        <a:rPr kumimoji="1" lang="en-US" altLang="ko-KR" sz="1200" b="1" kern="1200" dirty="0" smtClean="0">
+                        <a:rPr kumimoji="1" lang="en-US" altLang="ko-KR" sz="1200" b="1" kern="1200" dirty="0">
                           <a:gradFill>
                             <a:gsLst>
                               <a:gs pos="0">
@@ -19327,7 +18881,7 @@
                         </a:rPr>
                         <a:t>1</a:t>
                       </a:r>
-                      <a:endParaRPr kumimoji="1" lang="ko-KR" altLang="en-US" sz="1200" b="1" kern="1200" dirty="0" smtClean="0">
+                      <a:endParaRPr kumimoji="1" lang="ko-KR" altLang="en-US" sz="1200" b="1" kern="1200" dirty="0">
                         <a:gradFill>
                           <a:gsLst>
                             <a:gs pos="0">
@@ -19410,7 +18964,7 @@
                         <a:defRPr/>
                       </a:pPr>
                       <a:r>
-                        <a:rPr kumimoji="1" lang="en-US" altLang="ko-KR" sz="1200" b="1" kern="1200" dirty="0" smtClean="0">
+                        <a:rPr kumimoji="1" lang="en-US" altLang="ko-KR" sz="1200" b="1" kern="1200" dirty="0">
                           <a:solidFill>
                             <a:srgbClr val="FF0000"/>
                           </a:solidFill>
@@ -19420,7 +18974,7 @@
                         </a:rPr>
                         <a:t>X2</a:t>
                       </a:r>
-                      <a:endParaRPr kumimoji="1" lang="ko-KR" altLang="en-US" sz="1200" b="1" kern="1200" dirty="0" smtClean="0">
+                      <a:endParaRPr kumimoji="1" lang="ko-KR" altLang="en-US" sz="1200" b="1" kern="1200" dirty="0">
                         <a:solidFill>
                           <a:srgbClr val="FF0000"/>
                         </a:solidFill>
@@ -19479,7 +19033,7 @@
                     <a:p>
                       <a:pPr algn="ctr" latinLnBrk="1"/>
                       <a:r>
-                        <a:rPr kumimoji="1" lang="en-US" altLang="ko-KR" sz="1200" b="1" kern="1200" dirty="0" smtClean="0">
+                        <a:rPr kumimoji="1" lang="en-US" altLang="ko-KR" sz="1200" b="1" kern="1200" dirty="0">
                           <a:solidFill>
                             <a:srgbClr val="1B6AD3"/>
                           </a:solidFill>
@@ -19489,7 +19043,7 @@
                         </a:rPr>
                         <a:t>Y2</a:t>
                       </a:r>
-                      <a:endParaRPr kumimoji="1" lang="ko-KR" altLang="en-US" sz="1200" b="1" kern="1200" dirty="0" smtClean="0">
+                      <a:endParaRPr kumimoji="1" lang="ko-KR" altLang="en-US" sz="1200" b="1" kern="1200" dirty="0">
                         <a:gradFill>
                           <a:gsLst>
                             <a:gs pos="0">
@@ -19551,7 +19105,7 @@
                 </a:tc>
                 <a:extLst>
                   <a:ext uri="{0D108BD9-81ED-4DB2-BD59-A6C34878D82A}">
-                    <a16:rowId xmlns:a16="http://schemas.microsoft.com/office/drawing/2014/main" xmlns="" val="2535529686"/>
+                    <a16:rowId xmlns:a16="http://schemas.microsoft.com/office/drawing/2014/main" val="2535529686"/>
                   </a:ext>
                 </a:extLst>
               </a:tr>
@@ -19563,7 +19117,7 @@
                     <a:p>
                       <a:pPr algn="ctr" latinLnBrk="1"/>
                       <a:r>
-                        <a:rPr kumimoji="1" lang="en-US" altLang="ko-KR" sz="1200" b="1" kern="1200" dirty="0" smtClean="0">
+                        <a:rPr kumimoji="1" lang="en-US" altLang="ko-KR" sz="1200" b="1" kern="1200" dirty="0">
                           <a:gradFill>
                             <a:gsLst>
                               <a:gs pos="0">
@@ -19581,7 +19135,7 @@
                         </a:rPr>
                         <a:t>2</a:t>
                       </a:r>
-                      <a:endParaRPr kumimoji="1" lang="ko-KR" altLang="en-US" sz="1200" b="1" kern="1200" dirty="0" smtClean="0">
+                      <a:endParaRPr kumimoji="1" lang="ko-KR" altLang="en-US" sz="1200" b="1" kern="1200" dirty="0">
                         <a:gradFill>
                           <a:gsLst>
                             <a:gs pos="0">
@@ -19664,7 +19218,7 @@
                         <a:defRPr/>
                       </a:pPr>
                       <a:r>
-                        <a:rPr kumimoji="1" lang="en-US" altLang="ko-KR" sz="1200" b="1" kern="1200" dirty="0" smtClean="0">
+                        <a:rPr kumimoji="1" lang="en-US" altLang="ko-KR" sz="1200" b="1" kern="1200" dirty="0">
                           <a:solidFill>
                             <a:srgbClr val="FF0000"/>
                           </a:solidFill>
@@ -19674,7 +19228,7 @@
                         </a:rPr>
                         <a:t>X3</a:t>
                       </a:r>
-                      <a:endParaRPr kumimoji="1" lang="ko-KR" altLang="en-US" sz="1200" b="1" kern="1200" dirty="0" smtClean="0">
+                      <a:endParaRPr kumimoji="1" lang="ko-KR" altLang="en-US" sz="1200" b="1" kern="1200" dirty="0">
                         <a:solidFill>
                           <a:srgbClr val="FF0000"/>
                         </a:solidFill>
@@ -19733,7 +19287,7 @@
                     <a:p>
                       <a:pPr algn="ctr" latinLnBrk="1"/>
                       <a:r>
-                        <a:rPr kumimoji="1" lang="en-US" altLang="ko-KR" sz="1200" b="1" kern="1200" dirty="0" smtClean="0">
+                        <a:rPr kumimoji="1" lang="en-US" altLang="ko-KR" sz="1200" b="1" kern="1200" dirty="0">
                           <a:solidFill>
                             <a:srgbClr val="1B6AD3"/>
                           </a:solidFill>
@@ -19743,7 +19297,7 @@
                         </a:rPr>
                         <a:t>Y3</a:t>
                       </a:r>
-                      <a:endParaRPr kumimoji="1" lang="ko-KR" altLang="en-US" sz="1200" b="1" kern="1200" dirty="0" smtClean="0">
+                      <a:endParaRPr kumimoji="1" lang="ko-KR" altLang="en-US" sz="1200" b="1" kern="1200" dirty="0">
                         <a:gradFill>
                           <a:gsLst>
                             <a:gs pos="0">
@@ -19805,7 +19359,7 @@
                 </a:tc>
                 <a:extLst>
                   <a:ext uri="{0D108BD9-81ED-4DB2-BD59-A6C34878D82A}">
-                    <a16:rowId xmlns:a16="http://schemas.microsoft.com/office/drawing/2014/main" xmlns="" val="604671130"/>
+                    <a16:rowId xmlns:a16="http://schemas.microsoft.com/office/drawing/2014/main" val="604671130"/>
                   </a:ext>
                 </a:extLst>
               </a:tr>
@@ -19817,7 +19371,7 @@
                     <a:p>
                       <a:pPr algn="ctr" latinLnBrk="1"/>
                       <a:r>
-                        <a:rPr kumimoji="1" lang="en-US" altLang="ko-KR" sz="1200" b="1" kern="1200" dirty="0" smtClean="0">
+                        <a:rPr kumimoji="1" lang="en-US" altLang="ko-KR" sz="1200" b="1" kern="1200" dirty="0">
                           <a:gradFill>
                             <a:gsLst>
                               <a:gs pos="0">
@@ -19835,7 +19389,7 @@
                         </a:rPr>
                         <a:t>3</a:t>
                       </a:r>
-                      <a:endParaRPr kumimoji="1" lang="ko-KR" altLang="en-US" sz="1200" b="1" kern="1200" dirty="0" smtClean="0">
+                      <a:endParaRPr kumimoji="1" lang="ko-KR" altLang="en-US" sz="1200" b="1" kern="1200" dirty="0">
                         <a:gradFill>
                           <a:gsLst>
                             <a:gs pos="0">
@@ -19918,7 +19472,7 @@
                         <a:defRPr/>
                       </a:pPr>
                       <a:r>
-                        <a:rPr kumimoji="1" lang="en-US" altLang="ko-KR" sz="1200" b="1" kern="1200" dirty="0" smtClean="0">
+                        <a:rPr kumimoji="1" lang="en-US" altLang="ko-KR" sz="1200" b="1" kern="1200" dirty="0">
                           <a:solidFill>
                             <a:srgbClr val="FF0000"/>
                           </a:solidFill>
@@ -19928,7 +19482,7 @@
                         </a:rPr>
                         <a:t>X4</a:t>
                       </a:r>
-                      <a:endParaRPr kumimoji="1" lang="ko-KR" altLang="en-US" sz="1200" b="1" kern="1200" dirty="0" smtClean="0">
+                      <a:endParaRPr kumimoji="1" lang="ko-KR" altLang="en-US" sz="1200" b="1" kern="1200" dirty="0">
                         <a:solidFill>
                           <a:srgbClr val="FF0000"/>
                         </a:solidFill>
@@ -19987,7 +19541,7 @@
                     <a:p>
                       <a:pPr algn="ctr" latinLnBrk="1"/>
                       <a:r>
-                        <a:rPr kumimoji="1" lang="en-US" altLang="ko-KR" sz="1200" b="1" kern="1200" dirty="0" smtClean="0">
+                        <a:rPr kumimoji="1" lang="en-US" altLang="ko-KR" sz="1200" b="1" kern="1200" dirty="0">
                           <a:solidFill>
                             <a:srgbClr val="1B6AD3"/>
                           </a:solidFill>
@@ -19997,7 +19551,7 @@
                         </a:rPr>
                         <a:t>Y4</a:t>
                       </a:r>
-                      <a:endParaRPr kumimoji="1" lang="ko-KR" altLang="en-US" sz="1200" b="1" kern="1200" dirty="0" smtClean="0">
+                      <a:endParaRPr kumimoji="1" lang="ko-KR" altLang="en-US" sz="1200" b="1" kern="1200" dirty="0">
                         <a:gradFill>
                           <a:gsLst>
                             <a:gs pos="0">
@@ -20059,7 +19613,7 @@
                 </a:tc>
                 <a:extLst>
                   <a:ext uri="{0D108BD9-81ED-4DB2-BD59-A6C34878D82A}">
-                    <a16:rowId xmlns:a16="http://schemas.microsoft.com/office/drawing/2014/main" xmlns="" val="1932974646"/>
+                    <a16:rowId xmlns:a16="http://schemas.microsoft.com/office/drawing/2014/main" val="1932974646"/>
                   </a:ext>
                 </a:extLst>
               </a:tr>
@@ -20087,7 +19641,7 @@
                         <a:defRPr/>
                       </a:pPr>
                       <a:r>
-                        <a:rPr kumimoji="1" lang="en-US" altLang="ko-KR" sz="1200" b="1" kern="1200" dirty="0" smtClean="0">
+                        <a:rPr kumimoji="1" lang="en-US" altLang="ko-KR" sz="1200" b="1" kern="1200" dirty="0">
                           <a:gradFill>
                             <a:gsLst>
                               <a:gs pos="0">
@@ -20105,7 +19659,7 @@
                         </a:rPr>
                         <a:t>…</a:t>
                       </a:r>
-                      <a:endParaRPr kumimoji="1" lang="ko-KR" altLang="en-US" sz="1200" b="1" kern="1200" dirty="0" smtClean="0">
+                      <a:endParaRPr kumimoji="1" lang="ko-KR" altLang="en-US" sz="1200" b="1" kern="1200" dirty="0">
                         <a:gradFill>
                           <a:gsLst>
                             <a:gs pos="0">
@@ -20188,7 +19742,7 @@
                         <a:defRPr/>
                       </a:pPr>
                       <a:r>
-                        <a:rPr kumimoji="1" lang="en-US" altLang="ko-KR" sz="1200" b="1" kern="1200" dirty="0" smtClean="0">
+                        <a:rPr kumimoji="1" lang="en-US" altLang="ko-KR" sz="1200" b="1" kern="1200" dirty="0">
                           <a:gradFill>
                             <a:gsLst>
                               <a:gs pos="0">
@@ -20206,7 +19760,7 @@
                         </a:rPr>
                         <a:t>…</a:t>
                       </a:r>
-                      <a:endParaRPr kumimoji="1" lang="ko-KR" altLang="en-US" sz="1200" b="1" kern="1200" dirty="0" smtClean="0">
+                      <a:endParaRPr kumimoji="1" lang="ko-KR" altLang="en-US" sz="1200" b="1" kern="1200" dirty="0">
                         <a:gradFill>
                           <a:gsLst>
                             <a:gs pos="0">
@@ -20289,7 +19843,7 @@
                         <a:defRPr/>
                       </a:pPr>
                       <a:r>
-                        <a:rPr kumimoji="1" lang="en-US" altLang="ko-KR" sz="1200" b="1" kern="1200" dirty="0" smtClean="0">
+                        <a:rPr kumimoji="1" lang="en-US" altLang="ko-KR" sz="1200" b="1" kern="1200" dirty="0">
                           <a:gradFill>
                             <a:gsLst>
                               <a:gs pos="0">
@@ -20307,7 +19861,7 @@
                         </a:rPr>
                         <a:t>…</a:t>
                       </a:r>
-                      <a:endParaRPr kumimoji="1" lang="ko-KR" altLang="en-US" sz="1200" b="1" kern="1200" dirty="0" smtClean="0">
+                      <a:endParaRPr kumimoji="1" lang="ko-KR" altLang="en-US" sz="1200" b="1" kern="1200" dirty="0">
                         <a:gradFill>
                           <a:gsLst>
                             <a:gs pos="0">
@@ -20369,7 +19923,7 @@
                 </a:tc>
                 <a:extLst>
                   <a:ext uri="{0D108BD9-81ED-4DB2-BD59-A6C34878D82A}">
-                    <a16:rowId xmlns:a16="http://schemas.microsoft.com/office/drawing/2014/main" xmlns="" val="1077212734"/>
+                    <a16:rowId xmlns:a16="http://schemas.microsoft.com/office/drawing/2014/main" val="1077212734"/>
                   </a:ext>
                 </a:extLst>
               </a:tr>
@@ -20397,7 +19951,7 @@
                         <a:defRPr/>
                       </a:pPr>
                       <a:r>
-                        <a:rPr kumimoji="1" lang="en-US" altLang="ko-KR" sz="1200" b="1" kern="1200" dirty="0" smtClean="0">
+                        <a:rPr kumimoji="1" lang="en-US" altLang="ko-KR" sz="1200" b="1" kern="1200" dirty="0">
                           <a:gradFill>
                             <a:gsLst>
                               <a:gs pos="0">
@@ -20415,7 +19969,7 @@
                         </a:rPr>
                         <a:t>…</a:t>
                       </a:r>
-                      <a:endParaRPr kumimoji="1" lang="ko-KR" altLang="en-US" sz="1200" b="1" kern="1200" dirty="0" smtClean="0">
+                      <a:endParaRPr kumimoji="1" lang="ko-KR" altLang="en-US" sz="1200" b="1" kern="1200" dirty="0">
                         <a:gradFill>
                           <a:gsLst>
                             <a:gs pos="0">
@@ -20482,7 +20036,7 @@
                     <a:p>
                       <a:pPr algn="ctr" latinLnBrk="1"/>
                       <a:r>
-                        <a:rPr kumimoji="1" lang="en-US" altLang="ko-KR" sz="1200" b="1" kern="1200" dirty="0" smtClean="0">
+                        <a:rPr kumimoji="1" lang="en-US" altLang="ko-KR" sz="1200" b="1" kern="1200" dirty="0">
                           <a:gradFill>
                             <a:gsLst>
                               <a:gs pos="0">
@@ -20500,7 +20054,7 @@
                         </a:rPr>
                         <a:t>…</a:t>
                       </a:r>
-                      <a:endParaRPr kumimoji="1" lang="ko-KR" altLang="en-US" sz="1200" b="1" kern="1200" dirty="0" smtClean="0">
+                      <a:endParaRPr kumimoji="1" lang="ko-KR" altLang="en-US" sz="1200" b="1" kern="1200" dirty="0">
                         <a:gradFill>
                           <a:gsLst>
                             <a:gs pos="0">
@@ -20583,7 +20137,7 @@
                         <a:defRPr/>
                       </a:pPr>
                       <a:r>
-                        <a:rPr kumimoji="1" lang="en-US" altLang="ko-KR" sz="1200" b="1" kern="1200" dirty="0" smtClean="0">
+                        <a:rPr kumimoji="1" lang="en-US" altLang="ko-KR" sz="1200" b="1" kern="1200" dirty="0">
                           <a:gradFill>
                             <a:gsLst>
                               <a:gs pos="0">
@@ -20601,7 +20155,7 @@
                         </a:rPr>
                         <a:t>…</a:t>
                       </a:r>
-                      <a:endParaRPr kumimoji="1" lang="ko-KR" altLang="en-US" sz="1200" b="1" kern="1200" dirty="0" smtClean="0">
+                      <a:endParaRPr kumimoji="1" lang="ko-KR" altLang="en-US" sz="1200" b="1" kern="1200" dirty="0">
                         <a:gradFill>
                           <a:gsLst>
                             <a:gs pos="0">
@@ -20663,7 +20217,7 @@
                 </a:tc>
                 <a:extLst>
                   <a:ext uri="{0D108BD9-81ED-4DB2-BD59-A6C34878D82A}">
-                    <a16:rowId xmlns:a16="http://schemas.microsoft.com/office/drawing/2014/main" xmlns="" val="1320919402"/>
+                    <a16:rowId xmlns:a16="http://schemas.microsoft.com/office/drawing/2014/main" val="1320919402"/>
                   </a:ext>
                 </a:extLst>
               </a:tr>
@@ -20675,7 +20229,7 @@
                     <a:p>
                       <a:pPr algn="ctr" latinLnBrk="1"/>
                       <a:r>
-                        <a:rPr kumimoji="1" lang="en-US" altLang="ko-KR" sz="1200" b="1" kern="1200" dirty="0" smtClean="0">
+                        <a:rPr kumimoji="1" lang="en-US" altLang="ko-KR" sz="1200" b="1" kern="1200" dirty="0">
                           <a:gradFill>
                             <a:gsLst>
                               <a:gs pos="0">
@@ -20693,7 +20247,7 @@
                         </a:rPr>
                         <a:t>1796</a:t>
                       </a:r>
-                      <a:endParaRPr kumimoji="1" lang="ko-KR" altLang="en-US" sz="1200" b="1" kern="1200" dirty="0" smtClean="0">
+                      <a:endParaRPr kumimoji="1" lang="ko-KR" altLang="en-US" sz="1200" b="1" kern="1200" dirty="0">
                         <a:gradFill>
                           <a:gsLst>
                             <a:gs pos="0">
@@ -20760,7 +20314,7 @@
                     <a:p>
                       <a:pPr algn="ctr" latinLnBrk="1"/>
                       <a:r>
-                        <a:rPr kumimoji="1" lang="en-US" altLang="ko-KR" sz="1200" b="1" kern="1200" dirty="0" smtClean="0">
+                        <a:rPr kumimoji="1" lang="en-US" altLang="ko-KR" sz="1200" b="1" kern="1200" dirty="0">
                           <a:solidFill>
                             <a:srgbClr val="FF0000"/>
                           </a:solidFill>
@@ -20770,7 +20324,7 @@
                         </a:rPr>
                         <a:t>X1797</a:t>
                       </a:r>
-                      <a:endParaRPr kumimoji="1" lang="ko-KR" altLang="en-US" sz="1200" b="1" kern="1200" dirty="0" smtClean="0">
+                      <a:endParaRPr kumimoji="1" lang="ko-KR" altLang="en-US" sz="1200" b="1" kern="1200" dirty="0">
                         <a:gradFill>
                           <a:gsLst>
                             <a:gs pos="0">
@@ -20837,7 +20391,7 @@
                     <a:p>
                       <a:pPr algn="ctr" latinLnBrk="1"/>
                       <a:r>
-                        <a:rPr kumimoji="1" lang="en-US" altLang="ko-KR" sz="1200" b="1" kern="1200" dirty="0" smtClean="0">
+                        <a:rPr kumimoji="1" lang="en-US" altLang="ko-KR" sz="1200" b="1" kern="1200" dirty="0">
                           <a:solidFill>
                             <a:srgbClr val="1B6AD3"/>
                           </a:solidFill>
@@ -20847,7 +20401,7 @@
                         </a:rPr>
                         <a:t>Y1797</a:t>
                       </a:r>
-                      <a:endParaRPr kumimoji="1" lang="ko-KR" altLang="en-US" sz="1200" b="1" kern="1200" dirty="0" smtClean="0">
+                      <a:endParaRPr kumimoji="1" lang="ko-KR" altLang="en-US" sz="1200" b="1" kern="1200" dirty="0">
                         <a:gradFill>
                           <a:gsLst>
                             <a:gs pos="0">
@@ -20909,7 +20463,7 @@
                 </a:tc>
                 <a:extLst>
                   <a:ext uri="{0D108BD9-81ED-4DB2-BD59-A6C34878D82A}">
-                    <a16:rowId xmlns:a16="http://schemas.microsoft.com/office/drawing/2014/main" xmlns="" val="2981177735"/>
+                    <a16:rowId xmlns:a16="http://schemas.microsoft.com/office/drawing/2014/main" val="2981177735"/>
                   </a:ext>
                 </a:extLst>
               </a:tr>
@@ -20981,7 +20535,7 @@
                 <a:buNone/>
                 <a:tabLst/>
               </a:pPr>
-              <a:endParaRPr kumimoji="1" lang="ko-KR" altLang="en-US" sz="1800" b="0" i="0" u="none" strike="noStrike" cap="none" normalizeH="0" baseline="0" dirty="0" smtClean="0">
+              <a:endParaRPr kumimoji="1" lang="ko-KR" altLang="en-US" sz="1800" b="0" i="0" u="none" strike="noStrike" cap="none" normalizeH="0" baseline="0" dirty="0">
                 <a:ln>
                   <a:noFill/>
                 </a:ln>
@@ -21045,7 +20599,7 @@
                 <a:buNone/>
                 <a:tabLst/>
               </a:pPr>
-              <a:endParaRPr kumimoji="1" lang="ko-KR" altLang="en-US" sz="1800" b="0" i="0" u="none" strike="noStrike" cap="none" normalizeH="0" baseline="0" smtClean="0">
+              <a:endParaRPr kumimoji="1" lang="ko-KR" altLang="en-US" sz="1800" b="0" i="0" u="none" strike="noStrike" cap="none" normalizeH="0" baseline="0">
                 <a:ln>
                   <a:noFill/>
                 </a:ln>
@@ -21081,7 +20635,7 @@
             <a:lstStyle/>
             <a:p>
               <a:r>
-                <a:rPr lang="en-US" altLang="ko-KR" sz="800" b="1" dirty="0" smtClean="0">
+                <a:rPr lang="en-US" altLang="ko-KR" sz="800" b="1" dirty="0">
                   <a:solidFill>
                     <a:srgbClr val="FF0000"/>
                   </a:solidFill>
@@ -21122,7 +20676,7 @@
             <a:lstStyle/>
             <a:p>
               <a:r>
-                <a:rPr lang="en-US" altLang="ko-KR" sz="800" b="1" dirty="0" smtClean="0">
+                <a:rPr lang="en-US" altLang="ko-KR" sz="800" b="1" dirty="0">
                   <a:solidFill>
                     <a:srgbClr val="1B6AD3"/>
                   </a:solidFill>
@@ -21152,13 +20706,6 @@
   <p:clrMapOvr>
     <a:masterClrMapping/>
   </p:clrMapOvr>
-  <p:timing>
-    <p:tnLst>
-      <p:par>
-        <p:cTn id="1" dur="indefinite" restart="never" nodeType="tmRoot"/>
-      </p:par>
-    </p:tnLst>
-  </p:timing>
 </p:sld>
 </file>
 
@@ -21469,7 +21016,7 @@
               <a:defRPr/>
             </a:pPr>
             <a:r>
-              <a:rPr lang="ko-KR" altLang="en-US" sz="2000" b="1" dirty="0" smtClean="0">
+              <a:rPr lang="ko-KR" altLang="en-US" sz="2000" b="1" dirty="0">
                 <a:gradFill>
                   <a:gsLst>
                     <a:gs pos="0">
@@ -21696,41 +21243,41 @@
               <a:buNone/>
             </a:pPr>
             <a:r>
-              <a:rPr lang="en-US" altLang="ko-KR" sz="2800" kern="0" dirty="0" smtClean="0">
+              <a:rPr lang="en-US" altLang="ko-KR" sz="2800" kern="0" dirty="0">
                 <a:latin typeface="나눔고딕 ExtraBold" panose="020D0904000000000000" pitchFamily="50" charset="-127"/>
                 <a:ea typeface="나눔고딕 ExtraBold" panose="020D0904000000000000" pitchFamily="50" charset="-127"/>
               </a:rPr>
               <a:t>1. </a:t>
             </a:r>
             <a:r>
-              <a:rPr lang="ko-KR" altLang="en-US" sz="2800" kern="0" dirty="0" smtClean="0">
+              <a:rPr lang="ko-KR" altLang="en-US" sz="2800" kern="0" dirty="0">
                 <a:latin typeface="나눔고딕 ExtraBold" panose="020D0904000000000000" pitchFamily="50" charset="-127"/>
                 <a:ea typeface="나눔고딕 ExtraBold" panose="020D0904000000000000" pitchFamily="50" charset="-127"/>
               </a:rPr>
               <a:t>데이터 전처리</a:t>
             </a:r>
             <a:r>
-              <a:rPr lang="en-US" altLang="ko-KR" sz="2800" kern="0" dirty="0" smtClean="0">
+              <a:rPr lang="en-US" altLang="ko-KR" sz="2800" kern="0" dirty="0">
                 <a:latin typeface="나눔고딕 ExtraBold" panose="020D0904000000000000" pitchFamily="50" charset="-127"/>
                 <a:ea typeface="나눔고딕 ExtraBold" panose="020D0904000000000000" pitchFamily="50" charset="-127"/>
               </a:rPr>
               <a:t>(</a:t>
             </a:r>
             <a:r>
-              <a:rPr lang="ko-KR" altLang="en-US" sz="2800" kern="0" dirty="0" smtClean="0">
+              <a:rPr lang="ko-KR" altLang="en-US" sz="2800" kern="0" dirty="0">
                 <a:latin typeface="나눔고딕 ExtraBold" panose="020D0904000000000000" pitchFamily="50" charset="-127"/>
                 <a:ea typeface="나눔고딕 ExtraBold" panose="020D0904000000000000" pitchFamily="50" charset="-127"/>
               </a:rPr>
               <a:t>예측</a:t>
             </a:r>
             <a:r>
-              <a:rPr lang="en-US" altLang="ko-KR" sz="2800" kern="0" dirty="0" smtClean="0">
+              <a:rPr lang="en-US" altLang="ko-KR" sz="2800" kern="0" dirty="0">
                 <a:latin typeface="나눔고딕 ExtraBold" panose="020D0904000000000000" pitchFamily="50" charset="-127"/>
                 <a:ea typeface="나눔고딕 ExtraBold" panose="020D0904000000000000" pitchFamily="50" charset="-127"/>
               </a:rPr>
               <a:t>) </a:t>
             </a:r>
-            <a:endParaRPr lang="ko-KR" altLang="en-US" sz="2800" kern="0" dirty="0" smtClean="0">
+            <a:endParaRPr lang="ko-KR" altLang="en-US" sz="2800" kern="0" dirty="0">
               <a:latin typeface="나눔고딕 ExtraBold" panose="020D0904000000000000" pitchFamily="50" charset="-127"/>
               <a:ea typeface="나눔고딕 ExtraBold" panose="020D0904000000000000" pitchFamily="50" charset="-127"/>
             </a:endParaRPr>
@@ -22027,7 +21574,7 @@
               <a:defRPr/>
             </a:pPr>
             <a:r>
-              <a:rPr lang="en-US" sz="1400" b="1" dirty="0" smtClean="0">
+              <a:rPr lang="en-US" sz="1400" b="1" dirty="0">
                 <a:gradFill>
                   <a:gsLst>
                     <a:gs pos="0">
@@ -22045,7 +21592,7 @@
               <a:t>3. </a:t>
             </a:r>
             <a:r>
-              <a:rPr lang="ko-KR" altLang="en-US" sz="1400" b="1" dirty="0" err="1" smtClean="0">
+              <a:rPr lang="ko-KR" altLang="en-US" sz="1400" b="1" dirty="0" err="1">
                 <a:gradFill>
                   <a:gsLst>
                     <a:gs pos="0">
@@ -22063,7 +21610,7 @@
               <a:t>시계열</a:t>
             </a:r>
             <a:r>
-              <a:rPr lang="ko-KR" altLang="en-US" sz="1400" b="1" dirty="0" smtClean="0">
+              <a:rPr lang="ko-KR" altLang="en-US" sz="1400" b="1" dirty="0">
                 <a:gradFill>
                   <a:gsLst>
                     <a:gs pos="0">
@@ -22080,7 +21627,7 @@
               </a:rPr>
               <a:t> 데이터의 특징</a:t>
             </a:r>
-            <a:endParaRPr lang="en-US" altLang="ko-KR" sz="1400" b="1" dirty="0" smtClean="0">
+            <a:endParaRPr lang="en-US" altLang="ko-KR" sz="1400" b="1" dirty="0">
               <a:gradFill>
                 <a:gsLst>
                   <a:gs pos="0">
@@ -22119,28 +21666,10 @@
                 <a:latin typeface="나눔고딕" panose="020D0604000000000000" pitchFamily="50" charset="-127"/>
                 <a:ea typeface="나눔고딕" panose="020D0604000000000000" pitchFamily="50" charset="-127"/>
               </a:rPr>
-              <a:t> </a:t>
+              <a:t>     - </a:t>
             </a:r>
             <a:r>
-              <a:rPr lang="en-US" sz="1200" dirty="0" smtClean="0">
-                <a:gradFill>
-                  <a:gsLst>
-                    <a:gs pos="0">
-                      <a:srgbClr val="404040"/>
-                    </a:gs>
-                    <a:gs pos="100000">
-                      <a:srgbClr val="404040"/>
-                    </a:gs>
-                  </a:gsLst>
-                  <a:lin ang="5400000" scaled="0"/>
-                </a:gradFill>
-                <a:latin typeface="나눔고딕" panose="020D0604000000000000" pitchFamily="50" charset="-127"/>
-                <a:ea typeface="나눔고딕" panose="020D0604000000000000" pitchFamily="50" charset="-127"/>
-              </a:rPr>
-              <a:t>    - </a:t>
-            </a:r>
-            <a:r>
-              <a:rPr lang="ko-KR" altLang="en-US" sz="1200" dirty="0" smtClean="0">
+              <a:rPr lang="ko-KR" altLang="en-US" sz="1200" dirty="0">
                 <a:gradFill>
                   <a:gsLst>
                     <a:gs pos="0">
@@ -22158,7 +21687,7 @@
               <a:t>동일한</a:t>
             </a:r>
             <a:r>
-              <a:rPr lang="en-US" altLang="ko-KR" sz="1200" dirty="0" smtClean="0">
+              <a:rPr lang="en-US" altLang="ko-KR" sz="1200" dirty="0">
                 <a:gradFill>
                   <a:gsLst>
                     <a:gs pos="0">
@@ -22176,7 +21705,7 @@
               <a:t>/</a:t>
             </a:r>
             <a:r>
-              <a:rPr lang="ko-KR" altLang="en-US" sz="1200" dirty="0" smtClean="0">
+              <a:rPr lang="ko-KR" altLang="en-US" sz="1200" dirty="0">
                 <a:gradFill>
                   <a:gsLst>
                     <a:gs pos="0">
@@ -22194,7 +21723,7 @@
               <a:t>고정된 </a:t>
             </a:r>
             <a:r>
-              <a:rPr lang="ko-KR" altLang="en-US" sz="1200" dirty="0" err="1" smtClean="0">
+              <a:rPr lang="ko-KR" altLang="en-US" sz="1200" dirty="0" err="1">
                 <a:gradFill>
                   <a:gsLst>
                     <a:gs pos="0">
@@ -22212,7 +21741,7 @@
               <a:t>간견의</a:t>
             </a:r>
             <a:r>
-              <a:rPr lang="ko-KR" altLang="en-US" sz="1200" dirty="0" smtClean="0">
+              <a:rPr lang="ko-KR" altLang="en-US" sz="1200" dirty="0">
                 <a:gradFill>
                   <a:gsLst>
                     <a:gs pos="0">
@@ -22230,7 +21759,7 @@
               <a:t> 날짜</a:t>
             </a:r>
             <a:r>
-              <a:rPr lang="en-US" altLang="ko-KR" sz="1200" dirty="0" smtClean="0">
+              <a:rPr lang="en-US" altLang="ko-KR" sz="1200" dirty="0">
                 <a:gradFill>
                   <a:gsLst>
                     <a:gs pos="0">
@@ -22248,7 +21777,7 @@
               <a:t>-</a:t>
             </a:r>
             <a:r>
-              <a:rPr lang="ko-KR" altLang="en-US" sz="1200" dirty="0" smtClean="0">
+              <a:rPr lang="ko-KR" altLang="en-US" sz="1200" dirty="0">
                 <a:gradFill>
                   <a:gsLst>
                     <a:gs pos="0">
@@ -22266,7 +21795,7 @@
               <a:t>시간 </a:t>
             </a:r>
             <a:r>
-              <a:rPr lang="en-US" altLang="ko-KR" sz="1200" dirty="0" smtClean="0">
+              <a:rPr lang="en-US" altLang="ko-KR" sz="1200" dirty="0">
                 <a:gradFill>
                   <a:gsLst>
                     <a:gs pos="0">
@@ -22307,28 +21836,10 @@
                 <a:latin typeface="나눔고딕" panose="020D0604000000000000" pitchFamily="50" charset="-127"/>
                 <a:ea typeface="나눔고딕" panose="020D0604000000000000" pitchFamily="50" charset="-127"/>
               </a:rPr>
-              <a:t> </a:t>
+              <a:t>     - </a:t>
             </a:r>
             <a:r>
-              <a:rPr lang="en-US" sz="1200" dirty="0" smtClean="0">
-                <a:gradFill>
-                  <a:gsLst>
-                    <a:gs pos="0">
-                      <a:srgbClr val="404040"/>
-                    </a:gs>
-                    <a:gs pos="100000">
-                      <a:srgbClr val="404040"/>
-                    </a:gs>
-                  </a:gsLst>
-                  <a:lin ang="5400000" scaled="0"/>
-                </a:gradFill>
-                <a:latin typeface="나눔고딕" panose="020D0604000000000000" pitchFamily="50" charset="-127"/>
-                <a:ea typeface="나눔고딕" panose="020D0604000000000000" pitchFamily="50" charset="-127"/>
-              </a:rPr>
-              <a:t>    - </a:t>
-            </a:r>
-            <a:r>
-              <a:rPr lang="ko-KR" altLang="en-US" sz="1200" dirty="0" smtClean="0">
+              <a:rPr lang="ko-KR" altLang="en-US" sz="1200" dirty="0">
                 <a:gradFill>
                   <a:gsLst>
                     <a:gs pos="0">
@@ -22346,7 +21857,7 @@
               <a:t>중복이 없고</a:t>
             </a:r>
             <a:r>
-              <a:rPr lang="en-US" altLang="ko-KR" sz="1200" dirty="0" smtClean="0">
+              <a:rPr lang="en-US" altLang="ko-KR" sz="1200" dirty="0">
                 <a:gradFill>
                   <a:gsLst>
                     <a:gs pos="0">
@@ -22364,7 +21875,7 @@
               <a:t>, </a:t>
             </a:r>
             <a:r>
-              <a:rPr lang="ko-KR" altLang="en-US" sz="1200" dirty="0" smtClean="0">
+              <a:rPr lang="ko-KR" altLang="en-US" sz="1200" dirty="0">
                 <a:gradFill>
                   <a:gsLst>
                     <a:gs pos="0">
@@ -22382,7 +21893,7 @@
               <a:t>빠진 것도 없는 날짜</a:t>
             </a:r>
             <a:r>
-              <a:rPr lang="en-US" altLang="ko-KR" sz="1200" dirty="0" smtClean="0">
+              <a:rPr lang="en-US" altLang="ko-KR" sz="1200" dirty="0">
                 <a:gradFill>
                   <a:gsLst>
                     <a:gs pos="0">
@@ -22400,7 +21911,7 @@
               <a:t>-</a:t>
             </a:r>
             <a:r>
-              <a:rPr lang="ko-KR" altLang="en-US" sz="1200" dirty="0" smtClean="0">
+              <a:rPr lang="ko-KR" altLang="en-US" sz="1200" dirty="0">
                 <a:gradFill>
                   <a:gsLst>
                     <a:gs pos="0">
@@ -22418,7 +21929,7 @@
               <a:t>시간 </a:t>
             </a:r>
             <a:r>
-              <a:rPr lang="en-US" altLang="ko-KR" sz="1200" dirty="0" smtClean="0">
+              <a:rPr lang="en-US" altLang="ko-KR" sz="1200" dirty="0">
                 <a:gradFill>
                   <a:gsLst>
                     <a:gs pos="0">
@@ -22459,28 +21970,10 @@
                 <a:latin typeface="나눔고딕" panose="020D0604000000000000" pitchFamily="50" charset="-127"/>
                 <a:ea typeface="나눔고딕" panose="020D0604000000000000" pitchFamily="50" charset="-127"/>
               </a:rPr>
-              <a:t> </a:t>
+              <a:t>     -  </a:t>
             </a:r>
             <a:r>
-              <a:rPr lang="en-US" sz="1200" dirty="0" smtClean="0">
-                <a:gradFill>
-                  <a:gsLst>
-                    <a:gs pos="0">
-                      <a:srgbClr val="404040"/>
-                    </a:gs>
-                    <a:gs pos="100000">
-                      <a:srgbClr val="404040"/>
-                    </a:gs>
-                  </a:gsLst>
-                  <a:lin ang="5400000" scaled="0"/>
-                </a:gradFill>
-                <a:latin typeface="나눔고딕" panose="020D0604000000000000" pitchFamily="50" charset="-127"/>
-                <a:ea typeface="나눔고딕" panose="020D0604000000000000" pitchFamily="50" charset="-127"/>
-              </a:rPr>
-              <a:t>    -  </a:t>
-            </a:r>
-            <a:r>
-              <a:rPr lang="ko-KR" altLang="en-US" sz="1200" dirty="0" smtClean="0">
+              <a:rPr lang="ko-KR" altLang="en-US" sz="1200" dirty="0">
                 <a:gradFill>
                   <a:gsLst>
                     <a:gs pos="0">
@@ -22497,7 +21990,7 @@
               </a:rPr>
               <a:t>시간 순서대로 정렬</a:t>
             </a:r>
-            <a:endParaRPr lang="en-US" altLang="ko-KR" sz="1200" dirty="0" smtClean="0">
+            <a:endParaRPr lang="en-US" altLang="ko-KR" sz="1200" dirty="0">
               <a:gradFill>
                 <a:gsLst>
                   <a:gs pos="0">
@@ -22521,7 +22014,7 @@
               <a:defRPr/>
             </a:pPr>
             <a:r>
-              <a:rPr lang="en-US" sz="1200" dirty="0" smtClean="0">
+              <a:rPr lang="en-US" sz="1200" dirty="0">
                 <a:gradFill>
                   <a:gsLst>
                     <a:gs pos="0">
@@ -22539,7 +22032,7 @@
               <a:t>(</a:t>
             </a:r>
             <a:r>
-              <a:rPr lang="ko-KR" altLang="en-US" sz="1200" dirty="0" err="1" smtClean="0">
+              <a:rPr lang="ko-KR" altLang="en-US" sz="1200" dirty="0" err="1">
                 <a:gradFill>
                   <a:gsLst>
                     <a:gs pos="0">
@@ -22557,7 +22050,7 @@
               <a:t>시계열</a:t>
             </a:r>
             <a:r>
-              <a:rPr lang="ko-KR" altLang="en-US" sz="1200" dirty="0" smtClean="0">
+              <a:rPr lang="ko-KR" altLang="en-US" sz="1200" dirty="0">
                 <a:gradFill>
                   <a:gsLst>
                     <a:gs pos="0">
@@ -22575,7 +22068,7 @@
               <a:t> 데이터가 반드시 동일한</a:t>
             </a:r>
             <a:r>
-              <a:rPr lang="en-US" altLang="ko-KR" sz="1200" dirty="0" smtClean="0">
+              <a:rPr lang="en-US" altLang="ko-KR" sz="1200" dirty="0">
                 <a:gradFill>
                   <a:gsLst>
                     <a:gs pos="0">
@@ -22593,7 +22086,7 @@
               <a:t>/</a:t>
             </a:r>
             <a:r>
-              <a:rPr lang="ko-KR" altLang="en-US" sz="1200" dirty="0" smtClean="0">
+              <a:rPr lang="ko-KR" altLang="en-US" sz="1200" dirty="0">
                 <a:gradFill>
                   <a:gsLst>
                     <a:gs pos="0">
@@ -22611,7 +22104,7 @@
               <a:t>고정된 간격의 날짜</a:t>
             </a:r>
             <a:r>
-              <a:rPr lang="en-US" altLang="ko-KR" sz="1200" dirty="0" smtClean="0">
+              <a:rPr lang="en-US" altLang="ko-KR" sz="1200" dirty="0">
                 <a:gradFill>
                   <a:gsLst>
                     <a:gs pos="0">
@@ -22629,7 +22122,7 @@
               <a:t>-</a:t>
             </a:r>
             <a:r>
-              <a:rPr lang="ko-KR" altLang="en-US" sz="1200" dirty="0" smtClean="0">
+              <a:rPr lang="ko-KR" altLang="en-US" sz="1200" dirty="0">
                 <a:gradFill>
                   <a:gsLst>
                     <a:gs pos="0">
@@ -22647,7 +22140,7 @@
               <a:t>시간을 가져야만 하는 것은 아니다</a:t>
             </a:r>
             <a:r>
-              <a:rPr lang="en-US" altLang="ko-KR" sz="1200" dirty="0" smtClean="0">
+              <a:rPr lang="en-US" altLang="ko-KR" sz="1200" dirty="0">
                 <a:gradFill>
                   <a:gsLst>
                     <a:gs pos="0">
@@ -22665,7 +22158,7 @@
               <a:t>. </a:t>
             </a:r>
             <a:r>
-              <a:rPr lang="ko-KR" altLang="en-US" sz="1200" dirty="0" smtClean="0">
+              <a:rPr lang="ko-KR" altLang="en-US" sz="1200" dirty="0">
                 <a:gradFill>
                   <a:gsLst>
                     <a:gs pos="0">
@@ -22683,7 +22176,7 @@
               <a:t>예를 들어</a:t>
             </a:r>
             <a:r>
-              <a:rPr lang="en-US" altLang="ko-KR" sz="1200" dirty="0" smtClean="0">
+              <a:rPr lang="en-US" altLang="ko-KR" sz="1200" dirty="0">
                 <a:gradFill>
                   <a:gsLst>
                     <a:gs pos="0">
@@ -22701,7 +22194,7 @@
               <a:t>, </a:t>
             </a:r>
             <a:r>
-              <a:rPr lang="ko-KR" altLang="en-US" sz="1200" dirty="0" smtClean="0">
+              <a:rPr lang="ko-KR" altLang="en-US" sz="1200" dirty="0">
                 <a:gradFill>
                   <a:gsLst>
                     <a:gs pos="0">
@@ -22719,7 +22212,7 @@
               <a:t>주가</a:t>
             </a:r>
             <a:r>
-              <a:rPr lang="en-US" altLang="ko-KR" sz="1200" dirty="0" smtClean="0">
+              <a:rPr lang="en-US" altLang="ko-KR" sz="1200" dirty="0">
                 <a:gradFill>
                   <a:gsLst>
                     <a:gs pos="0">
@@ -22737,7 +22230,7 @@
               <a:t>(stock price)</a:t>
             </a:r>
             <a:r>
-              <a:rPr lang="ko-KR" altLang="en-US" sz="1200" dirty="0" smtClean="0">
+              <a:rPr lang="ko-KR" altLang="en-US" sz="1200" dirty="0">
                 <a:gradFill>
                   <a:gsLst>
                     <a:gs pos="0">
@@ -22755,7 +22248,7 @@
               <a:t>데이터는 장이 열리는 비즈니스날만 존재하며 공휴일 데이터는 없다</a:t>
             </a:r>
             <a:r>
-              <a:rPr lang="en-US" altLang="ko-KR" sz="1200" dirty="0" smtClean="0">
+              <a:rPr lang="en-US" altLang="ko-KR" sz="1200" dirty="0">
                 <a:gradFill>
                   <a:gsLst>
                     <a:gs pos="0">
@@ -23080,7 +22573,7 @@
               <a:defRPr/>
             </a:pPr>
             <a:r>
-              <a:rPr lang="en-US" sz="1400" b="1" dirty="0" smtClean="0">
+              <a:rPr lang="en-US" sz="1400" b="1" dirty="0">
                 <a:gradFill>
                   <a:gsLst>
                     <a:gs pos="0">
@@ -23098,7 +22591,7 @@
               <a:t>4. </a:t>
             </a:r>
             <a:r>
-              <a:rPr lang="ko-KR" altLang="en-US" sz="1400" b="1" dirty="0" err="1" smtClean="0">
+              <a:rPr lang="ko-KR" altLang="en-US" sz="1400" b="1" dirty="0" err="1">
                 <a:gradFill>
                   <a:gsLst>
                     <a:gs pos="0">
@@ -23116,7 +22609,7 @@
               <a:t>결측값</a:t>
             </a:r>
             <a:r>
-              <a:rPr lang="en-US" altLang="ko-KR" sz="1400" b="1" dirty="0" smtClean="0">
+              <a:rPr lang="en-US" altLang="ko-KR" sz="1400" b="1" dirty="0">
                 <a:gradFill>
                   <a:gsLst>
                     <a:gs pos="0">
@@ -23134,7 +22627,7 @@
               <a:t>/</a:t>
             </a:r>
             <a:r>
-              <a:rPr lang="ko-KR" altLang="en-US" sz="1400" b="1" dirty="0" err="1" smtClean="0">
+              <a:rPr lang="ko-KR" altLang="en-US" sz="1400" b="1" dirty="0" err="1">
                 <a:gradFill>
                   <a:gsLst>
                     <a:gs pos="0">
@@ -23152,7 +22645,7 @@
               <a:t>이상값</a:t>
             </a:r>
             <a:r>
-              <a:rPr lang="ko-KR" altLang="en-US" sz="1400" b="1" dirty="0" smtClean="0">
+              <a:rPr lang="ko-KR" altLang="en-US" sz="1400" b="1" dirty="0">
                 <a:gradFill>
                   <a:gsLst>
                     <a:gs pos="0">
@@ -23169,7 +22662,7 @@
               </a:rPr>
               <a:t> 처리하기</a:t>
             </a:r>
-            <a:endParaRPr lang="en-US" altLang="ko-KR" sz="1400" b="1" dirty="0" smtClean="0">
+            <a:endParaRPr lang="en-US" altLang="ko-KR" sz="1400" b="1" dirty="0">
               <a:gradFill>
                 <a:gsLst>
                   <a:gs pos="0">
@@ -23193,7 +22686,7 @@
               <a:defRPr/>
             </a:pPr>
             <a:r>
-              <a:rPr lang="en-US" sz="1200" dirty="0" smtClean="0">
+              <a:rPr lang="en-US" sz="1200" dirty="0">
                 <a:gradFill>
                   <a:gsLst>
                     <a:gs pos="0">
@@ -23211,7 +22704,7 @@
               <a:t>     - </a:t>
             </a:r>
             <a:r>
-              <a:rPr lang="ko-KR" altLang="en-US" sz="1200" dirty="0" smtClean="0">
+              <a:rPr lang="ko-KR" altLang="en-US" sz="1200" dirty="0">
                 <a:gradFill>
                   <a:gsLst>
                     <a:gs pos="0">
@@ -23229,7 +22722,7 @@
               <a:t>데이터가 누락 된 이유를 이해하는 것은 나머지 데이터를 올바르게 처리하는 데 중요합니다</a:t>
             </a:r>
             <a:r>
-              <a:rPr lang="en-US" altLang="ko-KR" sz="1200" dirty="0" smtClean="0">
+              <a:rPr lang="en-US" altLang="ko-KR" sz="1200" dirty="0">
                 <a:gradFill>
                   <a:gsLst>
                     <a:gs pos="0">
@@ -23247,7 +22740,7 @@
               <a:t>. </a:t>
             </a:r>
             <a:r>
-              <a:rPr lang="ko-KR" altLang="en-US" sz="1200" dirty="0" smtClean="0">
+              <a:rPr lang="ko-KR" altLang="en-US" sz="1200" dirty="0">
                 <a:gradFill>
                   <a:gsLst>
                     <a:gs pos="0">
@@ -23265,7 +22758,7 @@
               <a:t>또한 그 데이터에 대한 전문가의 조언을 구하는 방법도 있습니다</a:t>
             </a:r>
             <a:r>
-              <a:rPr lang="en-US" altLang="ko-KR" sz="1200" dirty="0" smtClean="0">
+              <a:rPr lang="en-US" altLang="ko-KR" sz="1200" dirty="0">
                 <a:gradFill>
                   <a:gsLst>
                     <a:gs pos="0">
@@ -23283,7 +22776,7 @@
               <a:t>. </a:t>
             </a:r>
             <a:r>
-              <a:rPr lang="ko-KR" altLang="en-US" sz="1200" dirty="0" smtClean="0">
+              <a:rPr lang="ko-KR" altLang="en-US" sz="1200" dirty="0">
                 <a:gradFill>
                   <a:gsLst>
                     <a:gs pos="0">
@@ -23301,7 +22794,7 @@
               <a:t>예를 들어 화학 물질 데이터의 </a:t>
             </a:r>
             <a:r>
-              <a:rPr lang="ko-KR" altLang="en-US" sz="1200" dirty="0" err="1" smtClean="0">
+              <a:rPr lang="ko-KR" altLang="en-US" sz="1200" dirty="0" err="1">
                 <a:gradFill>
                   <a:gsLst>
                     <a:gs pos="0">
@@ -23319,7 +22812,7 @@
               <a:t>결측값</a:t>
             </a:r>
             <a:r>
-              <a:rPr lang="en-US" altLang="ko-KR" sz="1200" dirty="0" smtClean="0">
+              <a:rPr lang="en-US" altLang="ko-KR" sz="1200" dirty="0">
                 <a:gradFill>
                   <a:gsLst>
                     <a:gs pos="0">
@@ -23337,7 +22830,7 @@
               <a:t>/</a:t>
             </a:r>
             <a:r>
-              <a:rPr lang="ko-KR" altLang="en-US" sz="1200" dirty="0" err="1" smtClean="0">
+              <a:rPr lang="ko-KR" altLang="en-US" sz="1200" dirty="0" err="1">
                 <a:gradFill>
                   <a:gsLst>
                     <a:gs pos="0">
@@ -23355,7 +22848,7 @@
               <a:t>이상값를</a:t>
             </a:r>
             <a:r>
-              <a:rPr lang="ko-KR" altLang="en-US" sz="1200" dirty="0" smtClean="0">
+              <a:rPr lang="ko-KR" altLang="en-US" sz="1200" dirty="0">
                 <a:gradFill>
                   <a:gsLst>
                     <a:gs pos="0">
@@ -23373,7 +22866,7 @@
               <a:t> 처리하기 위해 화학 관련 전문가의 조언을 구하고</a:t>
             </a:r>
             <a:r>
-              <a:rPr lang="en-US" altLang="ko-KR" sz="1200" dirty="0" smtClean="0">
+              <a:rPr lang="en-US" altLang="ko-KR" sz="1200" dirty="0">
                 <a:gradFill>
                   <a:gsLst>
                     <a:gs pos="0">
@@ -23391,7 +22884,7 @@
               <a:t>, </a:t>
             </a:r>
             <a:r>
-              <a:rPr lang="ko-KR" altLang="en-US" sz="1200" dirty="0" smtClean="0">
+              <a:rPr lang="ko-KR" altLang="en-US" sz="1200" dirty="0">
                 <a:gradFill>
                   <a:gsLst>
                     <a:gs pos="0">
@@ -23409,7 +22902,7 @@
               <a:t>의학 관련 데이터라면 의학관련 전문가와 </a:t>
             </a:r>
             <a:r>
-              <a:rPr lang="ko-KR" altLang="en-US" sz="1200" dirty="0" err="1" smtClean="0">
+              <a:rPr lang="ko-KR" altLang="en-US" sz="1200" dirty="0" err="1">
                 <a:gradFill>
                   <a:gsLst>
                     <a:gs pos="0">
@@ -23427,7 +22920,7 @@
               <a:t>결측값</a:t>
             </a:r>
             <a:r>
-              <a:rPr lang="en-US" altLang="ko-KR" sz="1200" dirty="0" smtClean="0">
+              <a:rPr lang="en-US" altLang="ko-KR" sz="1200" dirty="0">
                 <a:gradFill>
                   <a:gsLst>
                     <a:gs pos="0">
@@ -23445,7 +22938,7 @@
               <a:t>/</a:t>
             </a:r>
             <a:r>
-              <a:rPr lang="ko-KR" altLang="en-US" sz="1200" dirty="0" err="1" smtClean="0">
+              <a:rPr lang="ko-KR" altLang="en-US" sz="1200" dirty="0" err="1">
                 <a:gradFill>
                   <a:gsLst>
                     <a:gs pos="0">
@@ -23463,7 +22956,7 @@
               <a:t>이상값에</a:t>
             </a:r>
             <a:r>
-              <a:rPr lang="ko-KR" altLang="en-US" sz="1200" dirty="0" smtClean="0">
+              <a:rPr lang="ko-KR" altLang="en-US" sz="1200" dirty="0">
                 <a:gradFill>
                   <a:gsLst>
                     <a:gs pos="0">
@@ -23481,7 +22974,7 @@
               <a:t> 대해서 의논하는 것이 바람직합니다</a:t>
             </a:r>
             <a:r>
-              <a:rPr lang="en-US" altLang="ko-KR" sz="1200" dirty="0" smtClean="0">
+              <a:rPr lang="en-US" altLang="ko-KR" sz="1200" dirty="0">
                 <a:gradFill>
                   <a:gsLst>
                     <a:gs pos="0">
@@ -23613,7 +23106,7 @@
                 <a:buNone/>
                 <a:tabLst/>
               </a:pPr>
-              <a:endParaRPr kumimoji="1" lang="ko-KR" altLang="en-US" sz="1800" b="0" i="0" u="none" strike="noStrike" cap="none" normalizeH="0" baseline="0" smtClean="0">
+              <a:endParaRPr kumimoji="1" lang="ko-KR" altLang="en-US" sz="1800" b="0" i="0" u="none" strike="noStrike" cap="none" normalizeH="0" baseline="0">
                 <a:ln>
                   <a:noFill/>
                 </a:ln>
@@ -23680,7 +23173,7 @@
               <a:buNone/>
               <a:tabLst/>
             </a:pPr>
-            <a:endParaRPr kumimoji="1" lang="ko-KR" altLang="en-US" sz="1800" b="0" i="0" u="none" strike="noStrike" cap="none" normalizeH="0" baseline="0" smtClean="0">
+            <a:endParaRPr kumimoji="1" lang="ko-KR" altLang="en-US" sz="1800" b="0" i="0" u="none" strike="noStrike" cap="none" normalizeH="0" baseline="0">
               <a:ln>
                 <a:noFill/>
               </a:ln>
@@ -23704,13 +23197,6 @@
   <p:clrMapOvr>
     <a:masterClrMapping/>
   </p:clrMapOvr>
-  <p:timing>
-    <p:tnLst>
-      <p:par>
-        <p:cTn id="1" dur="indefinite" restart="never" nodeType="tmRoot"/>
-      </p:par>
-    </p:tnLst>
-  </p:timing>
 </p:sld>
 </file>
 
